--- a/Thesis/images/granularityEx.pptx
+++ b/Thesis/images/granularityEx.pptx
@@ -7,10 +7,11 @@
   <p:sldIdLst>
     <p:sldId id="256" r:id="rId2"/>
     <p:sldId id="260" r:id="rId3"/>
-    <p:sldId id="261" r:id="rId4"/>
-    <p:sldId id="257" r:id="rId5"/>
-    <p:sldId id="258" r:id="rId6"/>
-    <p:sldId id="259" r:id="rId7"/>
+    <p:sldId id="262" r:id="rId4"/>
+    <p:sldId id="261" r:id="rId5"/>
+    <p:sldId id="257" r:id="rId6"/>
+    <p:sldId id="258" r:id="rId7"/>
+    <p:sldId id="259" r:id="rId8"/>
   </p:sldIdLst>
   <p:sldSz cx="12192000" cy="6858000"/>
   <p:notesSz cx="6858000" cy="9144000"/>
@@ -159,10 +160,9 @@
           </a:lstStyle>
           <a:p>
             <a:r>
-              <a:rPr lang="en-US" smtClean="0"/>
+              <a:rPr lang="en-US"/>
               <a:t>Click to edit Master title style</a:t>
             </a:r>
-            <a:endParaRPr lang="en-US"/>
           </a:p>
         </p:txBody>
       </p:sp>
@@ -224,10 +224,9 @@
           </a:lstStyle>
           <a:p>
             <a:r>
-              <a:rPr lang="en-US" smtClean="0"/>
+              <a:rPr lang="en-US"/>
               <a:t>Click to edit Master subtitle style</a:t>
             </a:r>
-            <a:endParaRPr lang="en-US"/>
           </a:p>
         </p:txBody>
       </p:sp>
@@ -248,7 +247,7 @@
           <a:p>
             <a:fld id="{E14539AC-C2FC-4581-8474-B9BEAD3D7365}" type="datetimeFigureOut">
               <a:rPr lang="en-US" smtClean="0"/>
-              <a:t>2/14/2020</a:t>
+              <a:t>1/21/2021</a:t>
             </a:fld>
             <a:endParaRPr lang="en-US"/>
           </a:p>
@@ -342,10 +341,9 @@
           <a:lstStyle/>
           <a:p>
             <a:r>
-              <a:rPr lang="en-US" smtClean="0"/>
+              <a:rPr lang="en-US"/>
               <a:t>Click to edit Master title style</a:t>
             </a:r>
-            <a:endParaRPr lang="en-US"/>
           </a:p>
         </p:txBody>
       </p:sp>
@@ -366,38 +364,37 @@
           <a:p>
             <a:pPr lvl="0"/>
             <a:r>
-              <a:rPr lang="en-US" smtClean="0"/>
+              <a:rPr lang="en-US"/>
               <a:t>Edit Master text styles</a:t>
             </a:r>
           </a:p>
           <a:p>
             <a:pPr lvl="1"/>
             <a:r>
-              <a:rPr lang="en-US" smtClean="0"/>
+              <a:rPr lang="en-US"/>
               <a:t>Second level</a:t>
             </a:r>
           </a:p>
           <a:p>
             <a:pPr lvl="2"/>
             <a:r>
-              <a:rPr lang="en-US" smtClean="0"/>
+              <a:rPr lang="en-US"/>
               <a:t>Third level</a:t>
             </a:r>
           </a:p>
           <a:p>
             <a:pPr lvl="3"/>
             <a:r>
-              <a:rPr lang="en-US" smtClean="0"/>
+              <a:rPr lang="en-US"/>
               <a:t>Fourth level</a:t>
             </a:r>
           </a:p>
           <a:p>
             <a:pPr lvl="4"/>
             <a:r>
-              <a:rPr lang="en-US" smtClean="0"/>
+              <a:rPr lang="en-US"/>
               <a:t>Fifth level</a:t>
             </a:r>
-            <a:endParaRPr lang="en-US"/>
           </a:p>
         </p:txBody>
       </p:sp>
@@ -418,7 +415,7 @@
           <a:p>
             <a:fld id="{E14539AC-C2FC-4581-8474-B9BEAD3D7365}" type="datetimeFigureOut">
               <a:rPr lang="en-US" smtClean="0"/>
-              <a:t>2/14/2020</a:t>
+              <a:t>1/21/2021</a:t>
             </a:fld>
             <a:endParaRPr lang="en-US"/>
           </a:p>
@@ -517,10 +514,9 @@
           <a:lstStyle/>
           <a:p>
             <a:r>
-              <a:rPr lang="en-US" smtClean="0"/>
+              <a:rPr lang="en-US"/>
               <a:t>Click to edit Master title style</a:t>
             </a:r>
-            <a:endParaRPr lang="en-US"/>
           </a:p>
         </p:txBody>
       </p:sp>
@@ -546,38 +542,37 @@
           <a:p>
             <a:pPr lvl="0"/>
             <a:r>
-              <a:rPr lang="en-US" smtClean="0"/>
+              <a:rPr lang="en-US"/>
               <a:t>Edit Master text styles</a:t>
             </a:r>
           </a:p>
           <a:p>
             <a:pPr lvl="1"/>
             <a:r>
-              <a:rPr lang="en-US" smtClean="0"/>
+              <a:rPr lang="en-US"/>
               <a:t>Second level</a:t>
             </a:r>
           </a:p>
           <a:p>
             <a:pPr lvl="2"/>
             <a:r>
-              <a:rPr lang="en-US" smtClean="0"/>
+              <a:rPr lang="en-US"/>
               <a:t>Third level</a:t>
             </a:r>
           </a:p>
           <a:p>
             <a:pPr lvl="3"/>
             <a:r>
-              <a:rPr lang="en-US" smtClean="0"/>
+              <a:rPr lang="en-US"/>
               <a:t>Fourth level</a:t>
             </a:r>
           </a:p>
           <a:p>
             <a:pPr lvl="4"/>
             <a:r>
-              <a:rPr lang="en-US" smtClean="0"/>
+              <a:rPr lang="en-US"/>
               <a:t>Fifth level</a:t>
             </a:r>
-            <a:endParaRPr lang="en-US"/>
           </a:p>
         </p:txBody>
       </p:sp>
@@ -598,7 +593,7 @@
           <a:p>
             <a:fld id="{E14539AC-C2FC-4581-8474-B9BEAD3D7365}" type="datetimeFigureOut">
               <a:rPr lang="en-US" smtClean="0"/>
-              <a:t>2/14/2020</a:t>
+              <a:t>1/21/2021</a:t>
             </a:fld>
             <a:endParaRPr lang="en-US"/>
           </a:p>
@@ -692,10 +687,9 @@
           <a:lstStyle/>
           <a:p>
             <a:r>
-              <a:rPr lang="en-US" smtClean="0"/>
+              <a:rPr lang="en-US"/>
               <a:t>Click to edit Master title style</a:t>
             </a:r>
-            <a:endParaRPr lang="en-US"/>
           </a:p>
         </p:txBody>
       </p:sp>
@@ -716,38 +710,37 @@
           <a:p>
             <a:pPr lvl="0"/>
             <a:r>
-              <a:rPr lang="en-US" smtClean="0"/>
+              <a:rPr lang="en-US"/>
               <a:t>Edit Master text styles</a:t>
             </a:r>
           </a:p>
           <a:p>
             <a:pPr lvl="1"/>
             <a:r>
-              <a:rPr lang="en-US" smtClean="0"/>
+              <a:rPr lang="en-US"/>
               <a:t>Second level</a:t>
             </a:r>
           </a:p>
           <a:p>
             <a:pPr lvl="2"/>
             <a:r>
-              <a:rPr lang="en-US" smtClean="0"/>
+              <a:rPr lang="en-US"/>
               <a:t>Third level</a:t>
             </a:r>
           </a:p>
           <a:p>
             <a:pPr lvl="3"/>
             <a:r>
-              <a:rPr lang="en-US" smtClean="0"/>
+              <a:rPr lang="en-US"/>
               <a:t>Fourth level</a:t>
             </a:r>
           </a:p>
           <a:p>
             <a:pPr lvl="4"/>
             <a:r>
-              <a:rPr lang="en-US" smtClean="0"/>
+              <a:rPr lang="en-US"/>
               <a:t>Fifth level</a:t>
             </a:r>
-            <a:endParaRPr lang="en-US"/>
           </a:p>
         </p:txBody>
       </p:sp>
@@ -768,7 +761,7 @@
           <a:p>
             <a:fld id="{E14539AC-C2FC-4581-8474-B9BEAD3D7365}" type="datetimeFigureOut">
               <a:rPr lang="en-US" smtClean="0"/>
-              <a:t>2/14/2020</a:t>
+              <a:t>1/21/2021</a:t>
             </a:fld>
             <a:endParaRPr lang="en-US"/>
           </a:p>
@@ -871,10 +864,9 @@
           </a:lstStyle>
           <a:p>
             <a:r>
-              <a:rPr lang="en-US" smtClean="0"/>
+              <a:rPr lang="en-US"/>
               <a:t>Click to edit Master title style</a:t>
             </a:r>
-            <a:endParaRPr lang="en-US"/>
           </a:p>
         </p:txBody>
       </p:sp>
@@ -991,7 +983,7 @@
           <a:p>
             <a:pPr lvl="0"/>
             <a:r>
-              <a:rPr lang="en-US" smtClean="0"/>
+              <a:rPr lang="en-US"/>
               <a:t>Edit Master text styles</a:t>
             </a:r>
           </a:p>
@@ -1014,7 +1006,7 @@
           <a:p>
             <a:fld id="{E14539AC-C2FC-4581-8474-B9BEAD3D7365}" type="datetimeFigureOut">
               <a:rPr lang="en-US" smtClean="0"/>
-              <a:t>2/14/2020</a:t>
+              <a:t>1/21/2021</a:t>
             </a:fld>
             <a:endParaRPr lang="en-US"/>
           </a:p>
@@ -1108,10 +1100,9 @@
           <a:lstStyle/>
           <a:p>
             <a:r>
-              <a:rPr lang="en-US" smtClean="0"/>
+              <a:rPr lang="en-US"/>
               <a:t>Click to edit Master title style</a:t>
             </a:r>
-            <a:endParaRPr lang="en-US"/>
           </a:p>
         </p:txBody>
       </p:sp>
@@ -1137,38 +1128,37 @@
           <a:p>
             <a:pPr lvl="0"/>
             <a:r>
-              <a:rPr lang="en-US" smtClean="0"/>
+              <a:rPr lang="en-US"/>
               <a:t>Edit Master text styles</a:t>
             </a:r>
           </a:p>
           <a:p>
             <a:pPr lvl="1"/>
             <a:r>
-              <a:rPr lang="en-US" smtClean="0"/>
+              <a:rPr lang="en-US"/>
               <a:t>Second level</a:t>
             </a:r>
           </a:p>
           <a:p>
             <a:pPr lvl="2"/>
             <a:r>
-              <a:rPr lang="en-US" smtClean="0"/>
+              <a:rPr lang="en-US"/>
               <a:t>Third level</a:t>
             </a:r>
           </a:p>
           <a:p>
             <a:pPr lvl="3"/>
             <a:r>
-              <a:rPr lang="en-US" smtClean="0"/>
+              <a:rPr lang="en-US"/>
               <a:t>Fourth level</a:t>
             </a:r>
           </a:p>
           <a:p>
             <a:pPr lvl="4"/>
             <a:r>
-              <a:rPr lang="en-US" smtClean="0"/>
+              <a:rPr lang="en-US"/>
               <a:t>Fifth level</a:t>
             </a:r>
-            <a:endParaRPr lang="en-US"/>
           </a:p>
         </p:txBody>
       </p:sp>
@@ -1194,38 +1184,37 @@
           <a:p>
             <a:pPr lvl="0"/>
             <a:r>
-              <a:rPr lang="en-US" smtClean="0"/>
+              <a:rPr lang="en-US"/>
               <a:t>Edit Master text styles</a:t>
             </a:r>
           </a:p>
           <a:p>
             <a:pPr lvl="1"/>
             <a:r>
-              <a:rPr lang="en-US" smtClean="0"/>
+              <a:rPr lang="en-US"/>
               <a:t>Second level</a:t>
             </a:r>
           </a:p>
           <a:p>
             <a:pPr lvl="2"/>
             <a:r>
-              <a:rPr lang="en-US" smtClean="0"/>
+              <a:rPr lang="en-US"/>
               <a:t>Third level</a:t>
             </a:r>
           </a:p>
           <a:p>
             <a:pPr lvl="3"/>
             <a:r>
-              <a:rPr lang="en-US" smtClean="0"/>
+              <a:rPr lang="en-US"/>
               <a:t>Fourth level</a:t>
             </a:r>
           </a:p>
           <a:p>
             <a:pPr lvl="4"/>
             <a:r>
-              <a:rPr lang="en-US" smtClean="0"/>
+              <a:rPr lang="en-US"/>
               <a:t>Fifth level</a:t>
             </a:r>
-            <a:endParaRPr lang="en-US"/>
           </a:p>
         </p:txBody>
       </p:sp>
@@ -1246,7 +1235,7 @@
           <a:p>
             <a:fld id="{E14539AC-C2FC-4581-8474-B9BEAD3D7365}" type="datetimeFigureOut">
               <a:rPr lang="en-US" smtClean="0"/>
-              <a:t>2/14/2020</a:t>
+              <a:t>1/21/2021</a:t>
             </a:fld>
             <a:endParaRPr lang="en-US"/>
           </a:p>
@@ -1345,10 +1334,9 @@
           <a:lstStyle/>
           <a:p>
             <a:r>
-              <a:rPr lang="en-US" smtClean="0"/>
+              <a:rPr lang="en-US"/>
               <a:t>Click to edit Master title style</a:t>
             </a:r>
-            <a:endParaRPr lang="en-US"/>
           </a:p>
         </p:txBody>
       </p:sp>
@@ -1411,7 +1399,7 @@
           <a:p>
             <a:pPr lvl="0"/>
             <a:r>
-              <a:rPr lang="en-US" smtClean="0"/>
+              <a:rPr lang="en-US"/>
               <a:t>Edit Master text styles</a:t>
             </a:r>
           </a:p>
@@ -1439,38 +1427,37 @@
           <a:p>
             <a:pPr lvl="0"/>
             <a:r>
-              <a:rPr lang="en-US" smtClean="0"/>
+              <a:rPr lang="en-US"/>
               <a:t>Edit Master text styles</a:t>
             </a:r>
           </a:p>
           <a:p>
             <a:pPr lvl="1"/>
             <a:r>
-              <a:rPr lang="en-US" smtClean="0"/>
+              <a:rPr lang="en-US"/>
               <a:t>Second level</a:t>
             </a:r>
           </a:p>
           <a:p>
             <a:pPr lvl="2"/>
             <a:r>
-              <a:rPr lang="en-US" smtClean="0"/>
+              <a:rPr lang="en-US"/>
               <a:t>Third level</a:t>
             </a:r>
           </a:p>
           <a:p>
             <a:pPr lvl="3"/>
             <a:r>
-              <a:rPr lang="en-US" smtClean="0"/>
+              <a:rPr lang="en-US"/>
               <a:t>Fourth level</a:t>
             </a:r>
           </a:p>
           <a:p>
             <a:pPr lvl="4"/>
             <a:r>
-              <a:rPr lang="en-US" smtClean="0"/>
+              <a:rPr lang="en-US"/>
               <a:t>Fifth level</a:t>
             </a:r>
-            <a:endParaRPr lang="en-US"/>
           </a:p>
         </p:txBody>
       </p:sp>
@@ -1533,7 +1520,7 @@
           <a:p>
             <a:pPr lvl="0"/>
             <a:r>
-              <a:rPr lang="en-US" smtClean="0"/>
+              <a:rPr lang="en-US"/>
               <a:t>Edit Master text styles</a:t>
             </a:r>
           </a:p>
@@ -1561,38 +1548,37 @@
           <a:p>
             <a:pPr lvl="0"/>
             <a:r>
-              <a:rPr lang="en-US" smtClean="0"/>
+              <a:rPr lang="en-US"/>
               <a:t>Edit Master text styles</a:t>
             </a:r>
           </a:p>
           <a:p>
             <a:pPr lvl="1"/>
             <a:r>
-              <a:rPr lang="en-US" smtClean="0"/>
+              <a:rPr lang="en-US"/>
               <a:t>Second level</a:t>
             </a:r>
           </a:p>
           <a:p>
             <a:pPr lvl="2"/>
             <a:r>
-              <a:rPr lang="en-US" smtClean="0"/>
+              <a:rPr lang="en-US"/>
               <a:t>Third level</a:t>
             </a:r>
           </a:p>
           <a:p>
             <a:pPr lvl="3"/>
             <a:r>
-              <a:rPr lang="en-US" smtClean="0"/>
+              <a:rPr lang="en-US"/>
               <a:t>Fourth level</a:t>
             </a:r>
           </a:p>
           <a:p>
             <a:pPr lvl="4"/>
             <a:r>
-              <a:rPr lang="en-US" smtClean="0"/>
+              <a:rPr lang="en-US"/>
               <a:t>Fifth level</a:t>
             </a:r>
-            <a:endParaRPr lang="en-US"/>
           </a:p>
         </p:txBody>
       </p:sp>
@@ -1613,7 +1599,7 @@
           <a:p>
             <a:fld id="{E14539AC-C2FC-4581-8474-B9BEAD3D7365}" type="datetimeFigureOut">
               <a:rPr lang="en-US" smtClean="0"/>
-              <a:t>2/14/2020</a:t>
+              <a:t>1/21/2021</a:t>
             </a:fld>
             <a:endParaRPr lang="en-US"/>
           </a:p>
@@ -1707,10 +1693,9 @@
           <a:lstStyle/>
           <a:p>
             <a:r>
-              <a:rPr lang="en-US" smtClean="0"/>
+              <a:rPr lang="en-US"/>
               <a:t>Click to edit Master title style</a:t>
             </a:r>
-            <a:endParaRPr lang="en-US"/>
           </a:p>
         </p:txBody>
       </p:sp>
@@ -1731,7 +1716,7 @@
           <a:p>
             <a:fld id="{E14539AC-C2FC-4581-8474-B9BEAD3D7365}" type="datetimeFigureOut">
               <a:rPr lang="en-US" smtClean="0"/>
-              <a:t>2/14/2020</a:t>
+              <a:t>1/21/2021</a:t>
             </a:fld>
             <a:endParaRPr lang="en-US"/>
           </a:p>
@@ -1826,7 +1811,7 @@
           <a:p>
             <a:fld id="{E14539AC-C2FC-4581-8474-B9BEAD3D7365}" type="datetimeFigureOut">
               <a:rPr lang="en-US" smtClean="0"/>
-              <a:t>2/14/2020</a:t>
+              <a:t>1/21/2021</a:t>
             </a:fld>
             <a:endParaRPr lang="en-US"/>
           </a:p>
@@ -1929,10 +1914,9 @@
           </a:lstStyle>
           <a:p>
             <a:r>
-              <a:rPr lang="en-US" smtClean="0"/>
+              <a:rPr lang="en-US"/>
               <a:t>Click to edit Master title style</a:t>
             </a:r>
-            <a:endParaRPr lang="en-US"/>
           </a:p>
         </p:txBody>
       </p:sp>
@@ -1986,38 +1970,37 @@
           <a:p>
             <a:pPr lvl="0"/>
             <a:r>
-              <a:rPr lang="en-US" smtClean="0"/>
+              <a:rPr lang="en-US"/>
               <a:t>Edit Master text styles</a:t>
             </a:r>
           </a:p>
           <a:p>
             <a:pPr lvl="1"/>
             <a:r>
-              <a:rPr lang="en-US" smtClean="0"/>
+              <a:rPr lang="en-US"/>
               <a:t>Second level</a:t>
             </a:r>
           </a:p>
           <a:p>
             <a:pPr lvl="2"/>
             <a:r>
-              <a:rPr lang="en-US" smtClean="0"/>
+              <a:rPr lang="en-US"/>
               <a:t>Third level</a:t>
             </a:r>
           </a:p>
           <a:p>
             <a:pPr lvl="3"/>
             <a:r>
-              <a:rPr lang="en-US" smtClean="0"/>
+              <a:rPr lang="en-US"/>
               <a:t>Fourth level</a:t>
             </a:r>
           </a:p>
           <a:p>
             <a:pPr lvl="4"/>
             <a:r>
-              <a:rPr lang="en-US" smtClean="0"/>
+              <a:rPr lang="en-US"/>
               <a:t>Fifth level</a:t>
             </a:r>
-            <a:endParaRPr lang="en-US"/>
           </a:p>
         </p:txBody>
       </p:sp>
@@ -2080,7 +2063,7 @@
           <a:p>
             <a:pPr lvl="0"/>
             <a:r>
-              <a:rPr lang="en-US" smtClean="0"/>
+              <a:rPr lang="en-US"/>
               <a:t>Edit Master text styles</a:t>
             </a:r>
           </a:p>
@@ -2103,7 +2086,7 @@
           <a:p>
             <a:fld id="{E14539AC-C2FC-4581-8474-B9BEAD3D7365}" type="datetimeFigureOut">
               <a:rPr lang="en-US" smtClean="0"/>
-              <a:t>2/14/2020</a:t>
+              <a:t>1/21/2021</a:t>
             </a:fld>
             <a:endParaRPr lang="en-US"/>
           </a:p>
@@ -2206,10 +2189,9 @@
           </a:lstStyle>
           <a:p>
             <a:r>
-              <a:rPr lang="en-US" smtClean="0"/>
+              <a:rPr lang="en-US"/>
               <a:t>Click to edit Master title style</a:t>
             </a:r>
-            <a:endParaRPr lang="en-US"/>
           </a:p>
         </p:txBody>
       </p:sp>
@@ -2333,7 +2315,7 @@
           <a:p>
             <a:pPr lvl="0"/>
             <a:r>
-              <a:rPr lang="en-US" smtClean="0"/>
+              <a:rPr lang="en-US"/>
               <a:t>Edit Master text styles</a:t>
             </a:r>
           </a:p>
@@ -2356,7 +2338,7 @@
           <a:p>
             <a:fld id="{E14539AC-C2FC-4581-8474-B9BEAD3D7365}" type="datetimeFigureOut">
               <a:rPr lang="en-US" smtClean="0"/>
-              <a:t>2/14/2020</a:t>
+              <a:t>1/21/2021</a:t>
             </a:fld>
             <a:endParaRPr lang="en-US"/>
           </a:p>
@@ -2465,10 +2447,9 @@
           <a:lstStyle/>
           <a:p>
             <a:r>
-              <a:rPr lang="en-US" smtClean="0"/>
+              <a:rPr lang="en-US"/>
               <a:t>Click to edit Master title style</a:t>
             </a:r>
-            <a:endParaRPr lang="en-US"/>
           </a:p>
         </p:txBody>
       </p:sp>
@@ -2499,38 +2480,37 @@
           <a:p>
             <a:pPr lvl="0"/>
             <a:r>
-              <a:rPr lang="en-US" smtClean="0"/>
+              <a:rPr lang="en-US"/>
               <a:t>Edit Master text styles</a:t>
             </a:r>
           </a:p>
           <a:p>
             <a:pPr lvl="1"/>
             <a:r>
-              <a:rPr lang="en-US" smtClean="0"/>
+              <a:rPr lang="en-US"/>
               <a:t>Second level</a:t>
             </a:r>
           </a:p>
           <a:p>
             <a:pPr lvl="2"/>
             <a:r>
-              <a:rPr lang="en-US" smtClean="0"/>
+              <a:rPr lang="en-US"/>
               <a:t>Third level</a:t>
             </a:r>
           </a:p>
           <a:p>
             <a:pPr lvl="3"/>
             <a:r>
-              <a:rPr lang="en-US" smtClean="0"/>
+              <a:rPr lang="en-US"/>
               <a:t>Fourth level</a:t>
             </a:r>
           </a:p>
           <a:p>
             <a:pPr lvl="4"/>
             <a:r>
-              <a:rPr lang="en-US" smtClean="0"/>
+              <a:rPr lang="en-US"/>
               <a:t>Fifth level</a:t>
             </a:r>
-            <a:endParaRPr lang="en-US"/>
           </a:p>
         </p:txBody>
       </p:sp>
@@ -2569,7 +2549,7 @@
           <a:p>
             <a:fld id="{E14539AC-C2FC-4581-8474-B9BEAD3D7365}" type="datetimeFigureOut">
               <a:rPr lang="en-US" smtClean="0"/>
-              <a:t>2/14/2020</a:t>
+              <a:t>1/21/2021</a:t>
             </a:fld>
             <a:endParaRPr lang="en-US"/>
           </a:p>
@@ -2974,8 +2954,8 @@
           <a:chExt cx="0" cy="0"/>
         </a:xfrm>
       </p:grpSpPr>
-      <mc:AlternateContent xmlns:mc="http://schemas.openxmlformats.org/markup-compatibility/2006">
-        <mc:Choice xmlns:a14="http://schemas.microsoft.com/office/drawing/2010/main" Requires="a14">
+      <mc:AlternateContent xmlns:mc="http://schemas.openxmlformats.org/markup-compatibility/2006" xmlns:a14="http://schemas.microsoft.com/office/drawing/2010/main">
+        <mc:Choice Requires="a14">
           <p:sp>
             <p:nvSpPr>
               <p:cNvPr id="4" name="Rounded Rectangle 3"/>
@@ -3016,7 +2996,7 @@
               <a:p>
                 <a:pPr algn="ctr"/>
                 <a:r>
-                  <a:rPr lang="en-US" dirty="0" smtClean="0">
+                  <a:rPr lang="en-US" dirty="0">
                     <a:latin typeface="Times New Roman" panose="02020603050405020304" pitchFamily="18" charset="0"/>
                     <a:cs typeface="Times New Roman" panose="02020603050405020304" pitchFamily="18" charset="0"/>
                   </a:rPr>
@@ -3026,7 +3006,7 @@
               <a:p>
                 <a:pPr algn="ctr"/>
                 <a:r>
-                  <a:rPr lang="en-US" dirty="0" smtClean="0">
+                  <a:rPr lang="en-US" dirty="0">
                     <a:latin typeface="Times New Roman" panose="02020603050405020304" pitchFamily="18" charset="0"/>
                     <a:cs typeface="Times New Roman" panose="02020603050405020304" pitchFamily="18" charset="0"/>
                   </a:rPr>
@@ -3137,7 +3117,7 @@
             </p:txBody>
           </p:sp>
         </mc:Choice>
-        <mc:Fallback>
+        <mc:Fallback xmlns="">
           <p:sp>
             <p:nvSpPr>
               <p:cNvPr id="4" name="Rounded Rectangle 3"/>
@@ -3204,10 +3184,9 @@
           <a:lstStyle/>
           <a:p>
             <a:r>
-              <a:rPr lang="en-US" sz="2800" b="1" dirty="0" smtClean="0"/>
+              <a:rPr lang="en-US" sz="2800" b="1" dirty="0"/>
               <a:t>…</a:t>
             </a:r>
-            <a:endParaRPr lang="en-US" sz="2800" b="1" dirty="0"/>
           </a:p>
         </p:txBody>
       </p:sp>
@@ -3328,8 +3307,8 @@
           </a:fontRef>
         </p:style>
       </p:cxnSp>
-      <mc:AlternateContent xmlns:mc="http://schemas.openxmlformats.org/markup-compatibility/2006">
-        <mc:Choice xmlns:a14="http://schemas.microsoft.com/office/drawing/2010/main" Requires="a14">
+      <mc:AlternateContent xmlns:mc="http://schemas.openxmlformats.org/markup-compatibility/2006" xmlns:a14="http://schemas.microsoft.com/office/drawing/2010/main">
+        <mc:Choice Requires="a14">
           <p:sp>
             <p:nvSpPr>
               <p:cNvPr id="22" name="Rounded Rectangle 21"/>
@@ -3370,7 +3349,7 @@
               <a:p>
                 <a:pPr algn="ctr"/>
                 <a:r>
-                  <a:rPr lang="en-US" dirty="0" smtClean="0">
+                  <a:rPr lang="en-US" dirty="0">
                     <a:latin typeface="Times New Roman" panose="02020603050405020304" pitchFamily="18" charset="0"/>
                     <a:cs typeface="Times New Roman" panose="02020603050405020304" pitchFamily="18" charset="0"/>
                   </a:rPr>
@@ -3380,7 +3359,7 @@
               <a:p>
                 <a:pPr algn="ctr"/>
                 <a:r>
-                  <a:rPr lang="en-US" dirty="0" smtClean="0">
+                  <a:rPr lang="en-US" dirty="0">
                     <a:latin typeface="Times New Roman" panose="02020603050405020304" pitchFamily="18" charset="0"/>
                     <a:cs typeface="Times New Roman" panose="02020603050405020304" pitchFamily="18" charset="0"/>
                   </a:rPr>
@@ -3477,13 +3456,7 @@
                       <a:rPr lang="en-US" b="0" i="1" smtClean="0">
                         <a:latin typeface="Cambria Math" panose="02040503050406030204" pitchFamily="18" charset="0"/>
                       </a:rPr>
-                      <m:t>∧</m:t>
-                    </m:r>
-                    <m:r>
-                      <a:rPr lang="en-US" b="0" i="1" smtClean="0">
-                        <a:latin typeface="Cambria Math" panose="02040503050406030204" pitchFamily="18" charset="0"/>
-                      </a:rPr>
-                      <m:t>(</m:t>
+                      <m:t>∧(</m:t>
                     </m:r>
                     <m:r>
                       <a:rPr lang="en-US" b="0" i="1" smtClean="0">
@@ -3516,7 +3489,7 @@
             </p:txBody>
           </p:sp>
         </mc:Choice>
-        <mc:Fallback>
+        <mc:Fallback xmlns="">
           <p:sp>
             <p:nvSpPr>
               <p:cNvPr id="22" name="Rounded Rectangle 21"/>
@@ -3664,15 +3637,14 @@
           <a:lstStyle/>
           <a:p>
             <a:r>
-              <a:rPr lang="en-US" sz="2800" b="1" dirty="0" smtClean="0"/>
+              <a:rPr lang="en-US" sz="2800" b="1" dirty="0"/>
               <a:t>…</a:t>
             </a:r>
-            <a:endParaRPr lang="en-US" sz="2800" b="1" dirty="0"/>
           </a:p>
         </p:txBody>
       </p:sp>
-      <mc:AlternateContent xmlns:mc="http://schemas.openxmlformats.org/markup-compatibility/2006">
-        <mc:Choice xmlns:a14="http://schemas.microsoft.com/office/drawing/2010/main" Requires="a14">
+      <mc:AlternateContent xmlns:mc="http://schemas.openxmlformats.org/markup-compatibility/2006" xmlns:a14="http://schemas.microsoft.com/office/drawing/2010/main">
+        <mc:Choice Requires="a14">
           <p:sp>
             <p:nvSpPr>
               <p:cNvPr id="33" name="Rectangle 32"/>
@@ -3751,7 +3723,7 @@
             </p:txBody>
           </p:sp>
         </mc:Choice>
-        <mc:Fallback>
+        <mc:Fallback xmlns="">
           <p:sp>
             <p:nvSpPr>
               <p:cNvPr id="33" name="Rectangle 32"/>
@@ -3795,8 +3767,8 @@
           </p:sp>
         </mc:Fallback>
       </mc:AlternateContent>
-      <mc:AlternateContent xmlns:mc="http://schemas.openxmlformats.org/markup-compatibility/2006">
-        <mc:Choice xmlns:a14="http://schemas.microsoft.com/office/drawing/2010/main" Requires="a14">
+      <mc:AlternateContent xmlns:mc="http://schemas.openxmlformats.org/markup-compatibility/2006" xmlns:a14="http://schemas.microsoft.com/office/drawing/2010/main">
+        <mc:Choice Requires="a14">
           <p:sp>
             <p:nvSpPr>
               <p:cNvPr id="34" name="Rectangle 33"/>
@@ -3875,7 +3847,7 @@
             </p:txBody>
           </p:sp>
         </mc:Choice>
-        <mc:Fallback>
+        <mc:Fallback xmlns="">
           <p:sp>
             <p:nvSpPr>
               <p:cNvPr id="34" name="Rectangle 33"/>
@@ -4026,6 +3998,3624 @@
         <p:spPr>
           <a:xfrm>
             <a:off x="1708030" y="508958"/>
+            <a:ext cx="8082951" cy="4361425"/>
+          </a:xfrm>
+          <a:prstGeom prst="rect">
+            <a:avLst/>
+          </a:prstGeom>
+          <a:noFill/>
+          <a:ln>
+            <a:solidFill>
+              <a:schemeClr val="tx1"/>
+            </a:solidFill>
+          </a:ln>
+        </p:spPr>
+        <p:style>
+          <a:lnRef idx="2">
+            <a:schemeClr val="accent1">
+              <a:shade val="50000"/>
+            </a:schemeClr>
+          </a:lnRef>
+          <a:fillRef idx="1">
+            <a:schemeClr val="accent1"/>
+          </a:fillRef>
+          <a:effectRef idx="0">
+            <a:schemeClr val="accent1"/>
+          </a:effectRef>
+          <a:fontRef idx="minor">
+            <a:schemeClr val="lt1"/>
+          </a:fontRef>
+        </p:style>
+        <p:txBody>
+          <a:bodyPr rtlCol="0" anchor="ctr"/>
+          <a:lstStyle/>
+          <a:p>
+            <a:pPr algn="ctr"/>
+            <a:endParaRPr lang="en-US"/>
+          </a:p>
+        </p:txBody>
+      </p:sp>
+      <mc:AlternateContent xmlns:mc="http://schemas.openxmlformats.org/markup-compatibility/2006">
+        <mc:Choice xmlns:a14="http://schemas.microsoft.com/office/drawing/2010/main" Requires="a14">
+          <p:sp>
+            <p:nvSpPr>
+              <p:cNvPr id="3" name="TextBox 2"/>
+              <p:cNvSpPr txBox="1"/>
+              <p:nvPr/>
+            </p:nvSpPr>
+            <p:spPr>
+              <a:xfrm>
+                <a:off x="1820174" y="603850"/>
+                <a:ext cx="5996898" cy="923330"/>
+              </a:xfrm>
+              <a:prstGeom prst="rect">
+                <a:avLst/>
+              </a:prstGeom>
+              <a:noFill/>
+            </p:spPr>
+            <p:txBody>
+              <a:bodyPr wrap="none" rtlCol="0">
+                <a:spAutoFit/>
+              </a:bodyPr>
+              <a:lstStyle/>
+              <a:p>
+                <a:r>
+                  <a:rPr lang="en-US" u="sng" dirty="0">
+                    <a:latin typeface="Times New Roman" panose="02020603050405020304" pitchFamily="18" charset="0"/>
+                    <a:cs typeface="Times New Roman" panose="02020603050405020304" pitchFamily="18" charset="0"/>
+                  </a:rPr>
+                  <a:t>System Safety Property:</a:t>
+                </a:r>
+              </a:p>
+              <a:p>
+                <a:r>
+                  <a:rPr lang="en-US" dirty="0">
+                    <a:latin typeface="Times New Roman" panose="02020603050405020304" pitchFamily="18" charset="0"/>
+                    <a:cs typeface="Times New Roman" panose="02020603050405020304" pitchFamily="18" charset="0"/>
+                  </a:rPr>
+                  <a:t> </a:t>
+                </a:r>
+                <a14:m>
+                  <m:oMath xmlns:m="http://schemas.openxmlformats.org/officeDocument/2006/math">
+                    <m:r>
+                      <a:rPr lang="en-US" i="1">
+                        <a:latin typeface="Cambria Math" panose="02040503050406030204" pitchFamily="18" charset="0"/>
+                      </a:rPr>
+                      <m:t>𝑃</m:t>
+                    </m:r>
+                    <m:r>
+                      <a:rPr lang="en-US" i="1">
+                        <a:latin typeface="Cambria Math" panose="02040503050406030204" pitchFamily="18" charset="0"/>
+                      </a:rPr>
+                      <m:t>:</m:t>
+                    </m:r>
+                    <m:r>
+                      <a:rPr lang="en-US" i="1">
+                        <a:latin typeface="Cambria Math" panose="02040503050406030204" pitchFamily="18" charset="0"/>
+                      </a:rPr>
+                      <m:t>𝐼𝑓</m:t>
+                    </m:r>
+                    <m:r>
+                      <a:rPr lang="en-US" i="1">
+                        <a:latin typeface="Cambria Math" panose="02040503050406030204" pitchFamily="18" charset="0"/>
+                      </a:rPr>
+                      <m:t> </m:t>
+                    </m:r>
+                    <m:r>
+                      <a:rPr lang="en-US" i="1">
+                        <a:latin typeface="Cambria Math" panose="02040503050406030204" pitchFamily="18" charset="0"/>
+                      </a:rPr>
+                      <m:t>𝑒𝑛𝑣</m:t>
+                    </m:r>
+                    <m:r>
+                      <a:rPr lang="en-US" b="0" i="1" smtClean="0">
+                        <a:latin typeface="Cambria Math" panose="02040503050406030204" pitchFamily="18" charset="0"/>
+                      </a:rPr>
+                      <m:t> </m:t>
+                    </m:r>
+                    <m:r>
+                      <a:rPr lang="en-US" b="0" i="1" smtClean="0">
+                        <a:latin typeface="Cambria Math" panose="02040503050406030204" pitchFamily="18" charset="0"/>
+                      </a:rPr>
+                      <m:t>𝑡𝑒𝑚𝑝</m:t>
+                    </m:r>
+                    <m:r>
+                      <a:rPr lang="en-US" i="1">
+                        <a:latin typeface="Cambria Math" panose="02040503050406030204" pitchFamily="18" charset="0"/>
+                      </a:rPr>
+                      <m:t>≥90, </m:t>
+                    </m:r>
+                    <m:r>
+                      <a:rPr lang="en-US" b="0" i="1" smtClean="0">
+                        <a:latin typeface="Cambria Math" panose="02040503050406030204" pitchFamily="18" charset="0"/>
+                      </a:rPr>
+                      <m:t>𝑡h𝑒𝑛</m:t>
+                    </m:r>
+                    <m:r>
+                      <a:rPr lang="en-US" b="0" i="1" smtClean="0">
+                        <a:latin typeface="Cambria Math" panose="02040503050406030204" pitchFamily="18" charset="0"/>
+                      </a:rPr>
+                      <m:t> </m:t>
+                    </m:r>
+                    <m:r>
+                      <a:rPr lang="en-US" i="1">
+                        <a:latin typeface="Cambria Math" panose="02040503050406030204" pitchFamily="18" charset="0"/>
+                      </a:rPr>
+                      <m:t>𝑠𝑢𝑏𝑠𝑦𝑠𝑡𝑒𝑚</m:t>
+                    </m:r>
+                    <m:r>
+                      <a:rPr lang="en-US" i="1">
+                        <a:latin typeface="Cambria Math" panose="02040503050406030204" pitchFamily="18" charset="0"/>
+                      </a:rPr>
+                      <m:t> </m:t>
+                    </m:r>
+                    <m:r>
+                      <a:rPr lang="en-US" i="1">
+                        <a:latin typeface="Cambria Math" panose="02040503050406030204" pitchFamily="18" charset="0"/>
+                      </a:rPr>
+                      <m:t>𝑟𝑒𝑝𝑜𝑟𝑡𝑠</m:t>
+                    </m:r>
+                    <m:r>
+                      <a:rPr lang="en-US" i="1">
+                        <a:latin typeface="Cambria Math" panose="02040503050406030204" pitchFamily="18" charset="0"/>
+                      </a:rPr>
+                      <m:t> </m:t>
+                    </m:r>
+                    <m:r>
+                      <a:rPr lang="en-US" i="1">
+                        <a:latin typeface="Cambria Math" panose="02040503050406030204" pitchFamily="18" charset="0"/>
+                      </a:rPr>
+                      <m:t>h𝑖𝑔h</m:t>
+                    </m:r>
+                    <m:r>
+                      <a:rPr lang="en-US" i="1">
+                        <a:latin typeface="Cambria Math" panose="02040503050406030204" pitchFamily="18" charset="0"/>
+                      </a:rPr>
+                      <m:t> </m:t>
+                    </m:r>
+                    <m:r>
+                      <a:rPr lang="en-US" i="1">
+                        <a:latin typeface="Cambria Math" panose="02040503050406030204" pitchFamily="18" charset="0"/>
+                      </a:rPr>
+                      <m:t>𝑡𝑒𝑚𝑝</m:t>
+                    </m:r>
+                    <m:r>
+                      <a:rPr lang="en-US" i="1">
+                        <a:latin typeface="Cambria Math" panose="02040503050406030204" pitchFamily="18" charset="0"/>
+                      </a:rPr>
+                      <m:t>.</m:t>
+                    </m:r>
+                  </m:oMath>
+                </a14:m>
+                <a:endParaRPr lang="en-US" dirty="0"/>
+              </a:p>
+              <a:p>
+                <a:endParaRPr lang="en-US" dirty="0"/>
+              </a:p>
+            </p:txBody>
+          </p:sp>
+        </mc:Choice>
+        <mc:Fallback>
+          <p:sp>
+            <p:nvSpPr>
+              <p:cNvPr id="3" name="TextBox 2"/>
+              <p:cNvSpPr txBox="1">
+                <a:spLocks noRot="1" noChangeAspect="1" noMove="1" noResize="1" noEditPoints="1" noAdjustHandles="1" noChangeArrowheads="1" noChangeShapeType="1" noTextEdit="1"/>
+              </p:cNvSpPr>
+              <p:nvPr/>
+            </p:nvSpPr>
+            <p:spPr>
+              <a:xfrm>
+                <a:off x="1820174" y="603850"/>
+                <a:ext cx="5996898" cy="923330"/>
+              </a:xfrm>
+              <a:prstGeom prst="rect">
+                <a:avLst/>
+              </a:prstGeom>
+              <a:blipFill>
+                <a:blip r:embed="rId2"/>
+                <a:stretch>
+                  <a:fillRect l="-916" t="-3289"/>
+                </a:stretch>
+              </a:blipFill>
+            </p:spPr>
+            <p:txBody>
+              <a:bodyPr/>
+              <a:lstStyle/>
+              <a:p>
+                <a:r>
+                  <a:rPr lang="en-US">
+                    <a:noFill/>
+                  </a:rPr>
+                  <a:t> </a:t>
+                </a:r>
+              </a:p>
+            </p:txBody>
+          </p:sp>
+        </mc:Fallback>
+      </mc:AlternateContent>
+      <mc:AlternateContent xmlns:mc="http://schemas.openxmlformats.org/markup-compatibility/2006" xmlns:a14="http://schemas.microsoft.com/office/drawing/2010/main">
+        <mc:Choice Requires="a14">
+          <p:sp>
+            <p:nvSpPr>
+              <p:cNvPr id="5" name="TextBox 4"/>
+              <p:cNvSpPr txBox="1"/>
+              <p:nvPr/>
+            </p:nvSpPr>
+            <p:spPr>
+              <a:xfrm>
+                <a:off x="285771" y="2510286"/>
+                <a:ext cx="1531894" cy="369332"/>
+              </a:xfrm>
+              <a:prstGeom prst="rect">
+                <a:avLst/>
+              </a:prstGeom>
+              <a:noFill/>
+            </p:spPr>
+            <p:txBody>
+              <a:bodyPr wrap="none" rtlCol="0">
+                <a:spAutoFit/>
+              </a:bodyPr>
+              <a:lstStyle/>
+              <a:p>
+                <a:pPr/>
+                <a14:m>
+                  <m:oMathPara xmlns:m="http://schemas.openxmlformats.org/officeDocument/2006/math">
+                    <m:oMathParaPr>
+                      <m:jc m:val="centerGroup"/>
+                    </m:oMathParaPr>
+                    <m:oMath xmlns:m="http://schemas.openxmlformats.org/officeDocument/2006/math">
+                      <m:r>
+                        <a:rPr lang="en-US" b="0" i="1" smtClean="0">
+                          <a:latin typeface="Cambria Math" panose="02040503050406030204" pitchFamily="18" charset="0"/>
+                        </a:rPr>
+                        <m:t>𝑒𝑛𝑣</m:t>
+                      </m:r>
+                      <m:r>
+                        <a:rPr lang="en-US" b="0" i="1" smtClean="0">
+                          <a:latin typeface="Cambria Math" panose="02040503050406030204" pitchFamily="18" charset="0"/>
+                        </a:rPr>
+                        <m:t>_</m:t>
+                      </m:r>
+                      <m:r>
+                        <a:rPr lang="en-US" i="1" smtClean="0">
+                          <a:latin typeface="Cambria Math" panose="02040503050406030204" pitchFamily="18" charset="0"/>
+                        </a:rPr>
+                        <m:t>𝑡𝑒𝑚𝑝</m:t>
+                      </m:r>
+                      <m:r>
+                        <a:rPr lang="en-US" i="1" smtClean="0">
+                          <a:latin typeface="Cambria Math" panose="02040503050406030204" pitchFamily="18" charset="0"/>
+                        </a:rPr>
+                        <m:t>_</m:t>
+                      </m:r>
+                      <m:r>
+                        <a:rPr lang="en-US" b="0" i="1" smtClean="0">
+                          <a:latin typeface="Cambria Math" panose="02040503050406030204" pitchFamily="18" charset="0"/>
+                        </a:rPr>
+                        <m:t>𝑖𝑛</m:t>
+                      </m:r>
+                    </m:oMath>
+                  </m:oMathPara>
+                </a14:m>
+                <a:endParaRPr lang="en-US" dirty="0">
+                  <a:latin typeface="Times New Roman" panose="02020603050405020304" pitchFamily="18" charset="0"/>
+                  <a:cs typeface="Times New Roman" panose="02020603050405020304" pitchFamily="18" charset="0"/>
+                </a:endParaRPr>
+              </a:p>
+            </p:txBody>
+          </p:sp>
+        </mc:Choice>
+        <mc:Fallback xmlns="">
+          <p:sp>
+            <p:nvSpPr>
+              <p:cNvPr id="5" name="TextBox 4"/>
+              <p:cNvSpPr txBox="1">
+                <a:spLocks noRot="1" noChangeAspect="1" noMove="1" noResize="1" noEditPoints="1" noAdjustHandles="1" noChangeArrowheads="1" noChangeShapeType="1" noTextEdit="1"/>
+              </p:cNvSpPr>
+              <p:nvPr/>
+            </p:nvSpPr>
+            <p:spPr>
+              <a:xfrm>
+                <a:off x="285771" y="2510286"/>
+                <a:ext cx="1531894" cy="369332"/>
+              </a:xfrm>
+              <a:prstGeom prst="rect">
+                <a:avLst/>
+              </a:prstGeom>
+              <a:blipFill>
+                <a:blip r:embed="rId3"/>
+                <a:stretch>
+                  <a:fillRect b="-13333"/>
+                </a:stretch>
+              </a:blipFill>
+            </p:spPr>
+            <p:txBody>
+              <a:bodyPr/>
+              <a:lstStyle/>
+              <a:p>
+                <a:r>
+                  <a:rPr lang="en-US">
+                    <a:noFill/>
+                  </a:rPr>
+                  <a:t> </a:t>
+                </a:r>
+              </a:p>
+            </p:txBody>
+          </p:sp>
+        </mc:Fallback>
+      </mc:AlternateContent>
+      <p:sp>
+        <p:nvSpPr>
+          <p:cNvPr id="6" name="Rectangle 5"/>
+          <p:cNvSpPr/>
+          <p:nvPr/>
+        </p:nvSpPr>
+        <p:spPr>
+          <a:xfrm>
+            <a:off x="2822683" y="1423362"/>
+            <a:ext cx="5734722" cy="3350769"/>
+          </a:xfrm>
+          <a:prstGeom prst="rect">
+            <a:avLst/>
+          </a:prstGeom>
+          <a:noFill/>
+          <a:ln>
+            <a:solidFill>
+              <a:schemeClr val="tx1"/>
+            </a:solidFill>
+          </a:ln>
+        </p:spPr>
+        <p:style>
+          <a:lnRef idx="2">
+            <a:schemeClr val="accent1">
+              <a:shade val="50000"/>
+            </a:schemeClr>
+          </a:lnRef>
+          <a:fillRef idx="1">
+            <a:schemeClr val="accent1"/>
+          </a:fillRef>
+          <a:effectRef idx="0">
+            <a:schemeClr val="accent1"/>
+          </a:effectRef>
+          <a:fontRef idx="minor">
+            <a:schemeClr val="lt1"/>
+          </a:fontRef>
+        </p:style>
+        <p:txBody>
+          <a:bodyPr rtlCol="0" anchor="ctr"/>
+          <a:lstStyle/>
+          <a:p>
+            <a:pPr algn="ctr"/>
+            <a:endParaRPr lang="en-US"/>
+          </a:p>
+        </p:txBody>
+      </p:sp>
+      <mc:AlternateContent xmlns:mc="http://schemas.openxmlformats.org/markup-compatibility/2006">
+        <mc:Choice xmlns:a14="http://schemas.microsoft.com/office/drawing/2010/main" Requires="a14">
+          <p:sp>
+            <p:nvSpPr>
+              <p:cNvPr id="7" name="TextBox 6"/>
+              <p:cNvSpPr txBox="1"/>
+              <p:nvPr/>
+            </p:nvSpPr>
+            <p:spPr>
+              <a:xfrm>
+                <a:off x="3117960" y="1508841"/>
+                <a:ext cx="5195782" cy="923330"/>
+              </a:xfrm>
+              <a:prstGeom prst="rect">
+                <a:avLst/>
+              </a:prstGeom>
+              <a:noFill/>
+            </p:spPr>
+            <p:txBody>
+              <a:bodyPr wrap="none" rtlCol="0">
+                <a:spAutoFit/>
+              </a:bodyPr>
+              <a:lstStyle/>
+              <a:p>
+                <a:pPr algn="ctr"/>
+                <a:r>
+                  <a:rPr lang="en-US" u="sng" dirty="0">
+                    <a:latin typeface="Times New Roman" panose="02020603050405020304" pitchFamily="18" charset="0"/>
+                    <a:cs typeface="Times New Roman" panose="02020603050405020304" pitchFamily="18" charset="0"/>
+                  </a:rPr>
+                  <a:t>Subsystem Contract:</a:t>
+                </a:r>
+              </a:p>
+              <a:p>
+                <a:pPr algn="ctr"/>
+                <a:r>
+                  <a:rPr lang="en-US" dirty="0">
+                    <a:latin typeface="Times New Roman" panose="02020603050405020304" pitchFamily="18" charset="0"/>
+                    <a:cs typeface="Times New Roman" panose="02020603050405020304" pitchFamily="18" charset="0"/>
+                  </a:rPr>
+                  <a:t> </a:t>
+                </a:r>
+                <a14:m>
+                  <m:oMath xmlns:m="http://schemas.openxmlformats.org/officeDocument/2006/math">
+                    <m:sSub>
+                      <m:sSubPr>
+                        <m:ctrlPr>
+                          <a:rPr lang="en-US" i="1">
+                            <a:latin typeface="Cambria Math" panose="02040503050406030204" pitchFamily="18" charset="0"/>
+                          </a:rPr>
+                        </m:ctrlPr>
+                      </m:sSubPr>
+                      <m:e>
+                        <m:r>
+                          <a:rPr lang="en-US" i="1">
+                            <a:latin typeface="Cambria Math" panose="02040503050406030204" pitchFamily="18" charset="0"/>
+                          </a:rPr>
+                          <m:t>𝑔</m:t>
+                        </m:r>
+                      </m:e>
+                      <m:sub>
+                        <m:r>
+                          <a:rPr lang="en-US" i="1">
+                            <a:latin typeface="Cambria Math" panose="02040503050406030204" pitchFamily="18" charset="0"/>
+                          </a:rPr>
+                          <m:t>𝐴</m:t>
+                        </m:r>
+                      </m:sub>
+                    </m:sSub>
+                    <m:r>
+                      <a:rPr lang="en-US" i="1">
+                        <a:latin typeface="Cambria Math" panose="02040503050406030204" pitchFamily="18" charset="0"/>
+                      </a:rPr>
+                      <m:t>=</m:t>
+                    </m:r>
+                    <m:d>
+                      <m:dPr>
+                        <m:ctrlPr>
+                          <a:rPr lang="en-US" i="1">
+                            <a:latin typeface="Cambria Math" panose="02040503050406030204" pitchFamily="18" charset="0"/>
+                          </a:rPr>
+                        </m:ctrlPr>
+                      </m:dPr>
+                      <m:e>
+                        <m:sSub>
+                          <m:sSubPr>
+                            <m:ctrlPr>
+                              <a:rPr lang="en-US" b="0" i="1" smtClean="0">
+                                <a:latin typeface="Cambria Math" panose="02040503050406030204" pitchFamily="18" charset="0"/>
+                              </a:rPr>
+                            </m:ctrlPr>
+                          </m:sSubPr>
+                          <m:e>
+                            <m:r>
+                              <a:rPr lang="en-US" i="1">
+                                <a:latin typeface="Cambria Math" panose="02040503050406030204" pitchFamily="18" charset="0"/>
+                              </a:rPr>
+                              <m:t>𝑇</m:t>
+                            </m:r>
+                          </m:e>
+                          <m:sub>
+                            <m:r>
+                              <a:rPr lang="en-US" b="0" i="1" smtClean="0">
+                                <a:latin typeface="Cambria Math" panose="02040503050406030204" pitchFamily="18" charset="0"/>
+                              </a:rPr>
+                              <m:t>𝑡</m:t>
+                            </m:r>
+                          </m:sub>
+                        </m:sSub>
+                        <m:r>
+                          <a:rPr lang="en-US" i="1">
+                            <a:latin typeface="Cambria Math" panose="02040503050406030204" pitchFamily="18" charset="0"/>
+                          </a:rPr>
+                          <m:t>≥90⇒</m:t>
+                        </m:r>
+                        <m:r>
+                          <a:rPr lang="en-US" i="1">
+                            <a:latin typeface="Cambria Math" panose="02040503050406030204" pitchFamily="18" charset="0"/>
+                          </a:rPr>
+                          <m:t>𝑡𝑒𝑚𝑝</m:t>
+                        </m:r>
+                        <m:r>
+                          <a:rPr lang="en-US" i="1">
+                            <a:latin typeface="Cambria Math" panose="02040503050406030204" pitchFamily="18" charset="0"/>
+                          </a:rPr>
+                          <m:t>_</m:t>
+                        </m:r>
+                        <m:r>
+                          <a:rPr lang="en-US" i="1">
+                            <a:latin typeface="Cambria Math" panose="02040503050406030204" pitchFamily="18" charset="0"/>
+                          </a:rPr>
+                          <m:t>h𝑖𝑔h</m:t>
+                        </m:r>
+                      </m:e>
+                    </m:d>
+                    <m:r>
+                      <a:rPr lang="en-US" i="1">
+                        <a:latin typeface="Cambria Math" panose="02040503050406030204" pitchFamily="18" charset="0"/>
+                      </a:rPr>
+                      <m:t>∧(</m:t>
+                    </m:r>
+                    <m:r>
+                      <a:rPr lang="en-US" i="1">
+                        <a:latin typeface="Cambria Math" panose="02040503050406030204" pitchFamily="18" charset="0"/>
+                      </a:rPr>
+                      <m:t>𝑡𝑒𝑚𝑝</m:t>
+                    </m:r>
+                    <m:r>
+                      <a:rPr lang="en-US" i="1">
+                        <a:latin typeface="Cambria Math" panose="02040503050406030204" pitchFamily="18" charset="0"/>
+                      </a:rPr>
+                      <m:t>_</m:t>
+                    </m:r>
+                    <m:r>
+                      <a:rPr lang="en-US" i="1">
+                        <a:latin typeface="Cambria Math" panose="02040503050406030204" pitchFamily="18" charset="0"/>
+                      </a:rPr>
+                      <m:t>𝑜𝑢𝑡</m:t>
+                    </m:r>
+                    <m:r>
+                      <a:rPr lang="en-US" i="1">
+                        <a:latin typeface="Cambria Math" panose="02040503050406030204" pitchFamily="18" charset="0"/>
+                      </a:rPr>
+                      <m:t>=</m:t>
+                    </m:r>
+                    <m:sSub>
+                      <m:sSubPr>
+                        <m:ctrlPr>
+                          <a:rPr lang="en-US" b="0" i="1" smtClean="0">
+                            <a:latin typeface="Cambria Math" panose="02040503050406030204" pitchFamily="18" charset="0"/>
+                          </a:rPr>
+                        </m:ctrlPr>
+                      </m:sSubPr>
+                      <m:e>
+                        <m:r>
+                          <a:rPr lang="en-US" i="1">
+                            <a:latin typeface="Cambria Math" panose="02040503050406030204" pitchFamily="18" charset="0"/>
+                          </a:rPr>
+                          <m:t>𝑇</m:t>
+                        </m:r>
+                      </m:e>
+                      <m:sub>
+                        <m:r>
+                          <a:rPr lang="en-US" b="0" i="1" smtClean="0">
+                            <a:latin typeface="Cambria Math" panose="02040503050406030204" pitchFamily="18" charset="0"/>
+                          </a:rPr>
+                          <m:t>𝑡</m:t>
+                        </m:r>
+                      </m:sub>
+                    </m:sSub>
+                    <m:r>
+                      <a:rPr lang="en-US" i="1">
+                        <a:latin typeface="Cambria Math" panose="02040503050406030204" pitchFamily="18" charset="0"/>
+                      </a:rPr>
+                      <m:t>)</m:t>
+                    </m:r>
+                  </m:oMath>
+                </a14:m>
+                <a:endParaRPr lang="en-US" dirty="0"/>
+              </a:p>
+              <a:p>
+                <a:endParaRPr lang="en-US" dirty="0"/>
+              </a:p>
+            </p:txBody>
+          </p:sp>
+        </mc:Choice>
+        <mc:Fallback>
+          <p:sp>
+            <p:nvSpPr>
+              <p:cNvPr id="7" name="TextBox 6"/>
+              <p:cNvSpPr txBox="1">
+                <a:spLocks noRot="1" noChangeAspect="1" noMove="1" noResize="1" noEditPoints="1" noAdjustHandles="1" noChangeArrowheads="1" noChangeShapeType="1" noTextEdit="1"/>
+              </p:cNvSpPr>
+              <p:nvPr/>
+            </p:nvSpPr>
+            <p:spPr>
+              <a:xfrm>
+                <a:off x="3117960" y="1508841"/>
+                <a:ext cx="5195782" cy="923330"/>
+              </a:xfrm>
+              <a:prstGeom prst="rect">
+                <a:avLst/>
+              </a:prstGeom>
+              <a:blipFill>
+                <a:blip r:embed="rId4"/>
+                <a:stretch>
+                  <a:fillRect t="-3974"/>
+                </a:stretch>
+              </a:blipFill>
+            </p:spPr>
+            <p:txBody>
+              <a:bodyPr/>
+              <a:lstStyle/>
+              <a:p>
+                <a:r>
+                  <a:rPr lang="en-US">
+                    <a:noFill/>
+                  </a:rPr>
+                  <a:t> </a:t>
+                </a:r>
+              </a:p>
+            </p:txBody>
+          </p:sp>
+        </mc:Fallback>
+      </mc:AlternateContent>
+      <mc:AlternateContent xmlns:mc="http://schemas.openxmlformats.org/markup-compatibility/2006">
+        <mc:Choice xmlns:a14="http://schemas.microsoft.com/office/drawing/2010/main" Requires="a14">
+          <p:sp>
+            <p:nvSpPr>
+              <p:cNvPr id="8" name="TextBox 7"/>
+              <p:cNvSpPr txBox="1"/>
+              <p:nvPr/>
+            </p:nvSpPr>
+            <p:spPr>
+              <a:xfrm>
+                <a:off x="2862695" y="2814283"/>
+                <a:ext cx="1068306" cy="369332"/>
+              </a:xfrm>
+              <a:prstGeom prst="rect">
+                <a:avLst/>
+              </a:prstGeom>
+              <a:noFill/>
+            </p:spPr>
+            <p:txBody>
+              <a:bodyPr wrap="none" rtlCol="0">
+                <a:spAutoFit/>
+              </a:bodyPr>
+              <a:lstStyle/>
+              <a:p>
+                <a:pPr/>
+                <a14:m>
+                  <m:oMathPara xmlns:m="http://schemas.openxmlformats.org/officeDocument/2006/math">
+                    <m:oMathParaPr>
+                      <m:jc m:val="centerGroup"/>
+                    </m:oMathParaPr>
+                    <m:oMath xmlns:m="http://schemas.openxmlformats.org/officeDocument/2006/math">
+                      <m:r>
+                        <a:rPr lang="en-US" i="1" smtClean="0">
+                          <a:latin typeface="Cambria Math" panose="02040503050406030204" pitchFamily="18" charset="0"/>
+                        </a:rPr>
+                        <m:t>𝑡𝑒𝑚𝑝</m:t>
+                      </m:r>
+                      <m:r>
+                        <a:rPr lang="en-US" i="1" smtClean="0">
+                          <a:latin typeface="Cambria Math" panose="02040503050406030204" pitchFamily="18" charset="0"/>
+                        </a:rPr>
+                        <m:t>_</m:t>
+                      </m:r>
+                      <m:r>
+                        <a:rPr lang="en-US" b="0" i="1" smtClean="0">
+                          <a:latin typeface="Cambria Math" panose="02040503050406030204" pitchFamily="18" charset="0"/>
+                        </a:rPr>
+                        <m:t>𝑖𝑛</m:t>
+                      </m:r>
+                    </m:oMath>
+                  </m:oMathPara>
+                </a14:m>
+                <a:endParaRPr lang="en-US" dirty="0">
+                  <a:latin typeface="Times New Roman" panose="02020603050405020304" pitchFamily="18" charset="0"/>
+                  <a:cs typeface="Times New Roman" panose="02020603050405020304" pitchFamily="18" charset="0"/>
+                </a:endParaRPr>
+              </a:p>
+            </p:txBody>
+          </p:sp>
+        </mc:Choice>
+        <mc:Fallback>
+          <p:sp>
+            <p:nvSpPr>
+              <p:cNvPr id="8" name="TextBox 7"/>
+              <p:cNvSpPr txBox="1">
+                <a:spLocks noRot="1" noChangeAspect="1" noMove="1" noResize="1" noEditPoints="1" noAdjustHandles="1" noChangeArrowheads="1" noChangeShapeType="1" noTextEdit="1"/>
+              </p:cNvSpPr>
+              <p:nvPr/>
+            </p:nvSpPr>
+            <p:spPr>
+              <a:xfrm>
+                <a:off x="2862695" y="2814283"/>
+                <a:ext cx="1068306" cy="369332"/>
+              </a:xfrm>
+              <a:prstGeom prst="rect">
+                <a:avLst/>
+              </a:prstGeom>
+              <a:blipFill>
+                <a:blip r:embed="rId5"/>
+                <a:stretch>
+                  <a:fillRect b="-13333"/>
+                </a:stretch>
+              </a:blipFill>
+            </p:spPr>
+            <p:txBody>
+              <a:bodyPr/>
+              <a:lstStyle/>
+              <a:p>
+                <a:r>
+                  <a:rPr lang="en-US">
+                    <a:noFill/>
+                  </a:rPr>
+                  <a:t> </a:t>
+                </a:r>
+              </a:p>
+            </p:txBody>
+          </p:sp>
+        </mc:Fallback>
+      </mc:AlternateContent>
+      <mc:AlternateContent xmlns:mc="http://schemas.openxmlformats.org/markup-compatibility/2006" xmlns:a14="http://schemas.microsoft.com/office/drawing/2010/main">
+        <mc:Choice Requires="a14">
+          <p:sp>
+            <p:nvSpPr>
+              <p:cNvPr id="21" name="TextBox 20"/>
+              <p:cNvSpPr txBox="1"/>
+              <p:nvPr/>
+            </p:nvSpPr>
+            <p:spPr>
+              <a:xfrm>
+                <a:off x="7291552" y="2413831"/>
+                <a:ext cx="1332801" cy="369332"/>
+              </a:xfrm>
+              <a:prstGeom prst="rect">
+                <a:avLst/>
+              </a:prstGeom>
+              <a:noFill/>
+            </p:spPr>
+            <p:txBody>
+              <a:bodyPr wrap="none" rtlCol="0">
+                <a:spAutoFit/>
+              </a:bodyPr>
+              <a:lstStyle/>
+              <a:p>
+                <a:pPr/>
+                <a14:m>
+                  <m:oMathPara xmlns:m="http://schemas.openxmlformats.org/officeDocument/2006/math">
+                    <m:oMathParaPr>
+                      <m:jc m:val="centerGroup"/>
+                    </m:oMathParaPr>
+                    <m:oMath xmlns:m="http://schemas.openxmlformats.org/officeDocument/2006/math">
+                      <m:r>
+                        <a:rPr lang="en-US" i="1">
+                          <a:latin typeface="Cambria Math" panose="02040503050406030204" pitchFamily="18" charset="0"/>
+                        </a:rPr>
+                        <m:t>𝑡𝑒𝑚𝑝</m:t>
+                      </m:r>
+                      <m:r>
+                        <a:rPr lang="en-US" i="1">
+                          <a:latin typeface="Cambria Math" panose="02040503050406030204" pitchFamily="18" charset="0"/>
+                        </a:rPr>
+                        <m:t>_</m:t>
+                      </m:r>
+                      <m:r>
+                        <a:rPr lang="en-US" i="1">
+                          <a:latin typeface="Cambria Math" panose="02040503050406030204" pitchFamily="18" charset="0"/>
+                        </a:rPr>
+                        <m:t>h𝑖𝑔h</m:t>
+                      </m:r>
+                    </m:oMath>
+                  </m:oMathPara>
+                </a14:m>
+                <a:endParaRPr lang="en-US" dirty="0">
+                  <a:latin typeface="Times New Roman" panose="02020603050405020304" pitchFamily="18" charset="0"/>
+                  <a:cs typeface="Times New Roman" panose="02020603050405020304" pitchFamily="18" charset="0"/>
+                </a:endParaRPr>
+              </a:p>
+            </p:txBody>
+          </p:sp>
+        </mc:Choice>
+        <mc:Fallback xmlns="">
+          <p:sp>
+            <p:nvSpPr>
+              <p:cNvPr id="21" name="TextBox 20"/>
+              <p:cNvSpPr txBox="1">
+                <a:spLocks noRot="1" noChangeAspect="1" noMove="1" noResize="1" noEditPoints="1" noAdjustHandles="1" noChangeArrowheads="1" noChangeShapeType="1" noTextEdit="1"/>
+              </p:cNvSpPr>
+              <p:nvPr/>
+            </p:nvSpPr>
+            <p:spPr>
+              <a:xfrm>
+                <a:off x="7291552" y="2413831"/>
+                <a:ext cx="1332801" cy="369332"/>
+              </a:xfrm>
+              <a:prstGeom prst="rect">
+                <a:avLst/>
+              </a:prstGeom>
+              <a:blipFill>
+                <a:blip r:embed="rId6"/>
+                <a:stretch>
+                  <a:fillRect b="-13115"/>
+                </a:stretch>
+              </a:blipFill>
+            </p:spPr>
+            <p:txBody>
+              <a:bodyPr/>
+              <a:lstStyle/>
+              <a:p>
+                <a:r>
+                  <a:rPr lang="en-US">
+                    <a:noFill/>
+                  </a:rPr>
+                  <a:t> </a:t>
+                </a:r>
+              </a:p>
+            </p:txBody>
+          </p:sp>
+        </mc:Fallback>
+      </mc:AlternateContent>
+      <mc:AlternateContent xmlns:mc="http://schemas.openxmlformats.org/markup-compatibility/2006" xmlns:a14="http://schemas.microsoft.com/office/drawing/2010/main">
+        <mc:Choice Requires="a14">
+          <p:sp>
+            <p:nvSpPr>
+              <p:cNvPr id="24" name="TextBox 23"/>
+              <p:cNvSpPr txBox="1"/>
+              <p:nvPr/>
+            </p:nvSpPr>
+            <p:spPr>
+              <a:xfrm>
+                <a:off x="7291552" y="3247387"/>
+                <a:ext cx="1246175" cy="369332"/>
+              </a:xfrm>
+              <a:prstGeom prst="rect">
+                <a:avLst/>
+              </a:prstGeom>
+              <a:noFill/>
+            </p:spPr>
+            <p:txBody>
+              <a:bodyPr wrap="none" rtlCol="0">
+                <a:spAutoFit/>
+              </a:bodyPr>
+              <a:lstStyle/>
+              <a:p>
+                <a:pPr/>
+                <a14:m>
+                  <m:oMathPara xmlns:m="http://schemas.openxmlformats.org/officeDocument/2006/math">
+                    <m:oMathParaPr>
+                      <m:jc m:val="centerGroup"/>
+                    </m:oMathParaPr>
+                    <m:oMath xmlns:m="http://schemas.openxmlformats.org/officeDocument/2006/math">
+                      <m:r>
+                        <a:rPr lang="en-US" i="1">
+                          <a:latin typeface="Cambria Math" panose="02040503050406030204" pitchFamily="18" charset="0"/>
+                        </a:rPr>
+                        <m:t>𝑡𝑒𝑚𝑝</m:t>
+                      </m:r>
+                      <m:r>
+                        <a:rPr lang="en-US" i="1">
+                          <a:latin typeface="Cambria Math" panose="02040503050406030204" pitchFamily="18" charset="0"/>
+                        </a:rPr>
+                        <m:t>_</m:t>
+                      </m:r>
+                      <m:r>
+                        <a:rPr lang="en-US" i="1">
+                          <a:latin typeface="Cambria Math" panose="02040503050406030204" pitchFamily="18" charset="0"/>
+                        </a:rPr>
+                        <m:t>𝑜𝑢𝑡</m:t>
+                      </m:r>
+                    </m:oMath>
+                  </m:oMathPara>
+                </a14:m>
+                <a:endParaRPr lang="en-US" dirty="0">
+                  <a:latin typeface="Times New Roman" panose="02020603050405020304" pitchFamily="18" charset="0"/>
+                  <a:cs typeface="Times New Roman" panose="02020603050405020304" pitchFamily="18" charset="0"/>
+                </a:endParaRPr>
+              </a:p>
+            </p:txBody>
+          </p:sp>
+        </mc:Choice>
+        <mc:Fallback xmlns="">
+          <p:sp>
+            <p:nvSpPr>
+              <p:cNvPr id="24" name="TextBox 23"/>
+              <p:cNvSpPr txBox="1">
+                <a:spLocks noRot="1" noChangeAspect="1" noMove="1" noResize="1" noEditPoints="1" noAdjustHandles="1" noChangeArrowheads="1" noChangeShapeType="1" noTextEdit="1"/>
+              </p:cNvSpPr>
+              <p:nvPr/>
+            </p:nvSpPr>
+            <p:spPr>
+              <a:xfrm>
+                <a:off x="7291552" y="3247387"/>
+                <a:ext cx="1246175" cy="369332"/>
+              </a:xfrm>
+              <a:prstGeom prst="rect">
+                <a:avLst/>
+              </a:prstGeom>
+              <a:blipFill>
+                <a:blip r:embed="rId7"/>
+                <a:stretch>
+                  <a:fillRect b="-13333"/>
+                </a:stretch>
+              </a:blipFill>
+            </p:spPr>
+            <p:txBody>
+              <a:bodyPr/>
+              <a:lstStyle/>
+              <a:p>
+                <a:r>
+                  <a:rPr lang="en-US">
+                    <a:noFill/>
+                  </a:rPr>
+                  <a:t> </a:t>
+                </a:r>
+              </a:p>
+            </p:txBody>
+          </p:sp>
+        </mc:Fallback>
+      </mc:AlternateContent>
+      <p:sp>
+        <p:nvSpPr>
+          <p:cNvPr id="9" name="Right Arrow 8"/>
+          <p:cNvSpPr/>
+          <p:nvPr/>
+        </p:nvSpPr>
+        <p:spPr>
+          <a:xfrm>
+            <a:off x="1414733" y="2909486"/>
+            <a:ext cx="293298" cy="178926"/>
+          </a:xfrm>
+          <a:prstGeom prst="rightArrow">
+            <a:avLst/>
+          </a:prstGeom>
+          <a:solidFill>
+            <a:schemeClr val="tx1"/>
+          </a:solidFill>
+        </p:spPr>
+        <p:style>
+          <a:lnRef idx="2">
+            <a:schemeClr val="accent1">
+              <a:shade val="50000"/>
+            </a:schemeClr>
+          </a:lnRef>
+          <a:fillRef idx="1">
+            <a:schemeClr val="accent1"/>
+          </a:fillRef>
+          <a:effectRef idx="0">
+            <a:schemeClr val="accent1"/>
+          </a:effectRef>
+          <a:fontRef idx="minor">
+            <a:schemeClr val="lt1"/>
+          </a:fontRef>
+        </p:style>
+        <p:txBody>
+          <a:bodyPr rtlCol="0" anchor="ctr"/>
+          <a:lstStyle/>
+          <a:p>
+            <a:pPr algn="ctr"/>
+            <a:endParaRPr lang="en-US"/>
+          </a:p>
+        </p:txBody>
+      </p:sp>
+      <p:sp>
+        <p:nvSpPr>
+          <p:cNvPr id="27" name="Right Arrow 26"/>
+          <p:cNvSpPr/>
+          <p:nvPr/>
+        </p:nvSpPr>
+        <p:spPr>
+          <a:xfrm>
+            <a:off x="8511847" y="3339719"/>
+            <a:ext cx="1279134" cy="188485"/>
+          </a:xfrm>
+          <a:prstGeom prst="rightArrow">
+            <a:avLst/>
+          </a:prstGeom>
+          <a:solidFill>
+            <a:schemeClr val="tx1"/>
+          </a:solidFill>
+        </p:spPr>
+        <p:style>
+          <a:lnRef idx="2">
+            <a:schemeClr val="accent1">
+              <a:shade val="50000"/>
+            </a:schemeClr>
+          </a:lnRef>
+          <a:fillRef idx="1">
+            <a:schemeClr val="accent1"/>
+          </a:fillRef>
+          <a:effectRef idx="0">
+            <a:schemeClr val="accent1"/>
+          </a:effectRef>
+          <a:fontRef idx="minor">
+            <a:schemeClr val="lt1"/>
+          </a:fontRef>
+        </p:style>
+        <p:txBody>
+          <a:bodyPr rtlCol="0" anchor="ctr"/>
+          <a:lstStyle/>
+          <a:p>
+            <a:pPr algn="ctr"/>
+            <a:endParaRPr lang="en-US"/>
+          </a:p>
+        </p:txBody>
+      </p:sp>
+      <p:sp>
+        <p:nvSpPr>
+          <p:cNvPr id="28" name="Right Arrow 27"/>
+          <p:cNvSpPr/>
+          <p:nvPr/>
+        </p:nvSpPr>
+        <p:spPr>
+          <a:xfrm>
+            <a:off x="8534626" y="2510286"/>
+            <a:ext cx="1256355" cy="198407"/>
+          </a:xfrm>
+          <a:prstGeom prst="rightArrow">
+            <a:avLst/>
+          </a:prstGeom>
+          <a:solidFill>
+            <a:schemeClr val="tx1"/>
+          </a:solidFill>
+        </p:spPr>
+        <p:style>
+          <a:lnRef idx="2">
+            <a:schemeClr val="accent1">
+              <a:shade val="50000"/>
+            </a:schemeClr>
+          </a:lnRef>
+          <a:fillRef idx="1">
+            <a:schemeClr val="accent1"/>
+          </a:fillRef>
+          <a:effectRef idx="0">
+            <a:schemeClr val="accent1"/>
+          </a:effectRef>
+          <a:fontRef idx="minor">
+            <a:schemeClr val="lt1"/>
+          </a:fontRef>
+        </p:style>
+        <p:txBody>
+          <a:bodyPr rtlCol="0" anchor="ctr"/>
+          <a:lstStyle/>
+          <a:p>
+            <a:pPr algn="ctr"/>
+            <a:endParaRPr lang="en-US"/>
+          </a:p>
+        </p:txBody>
+      </p:sp>
+      <p:sp>
+        <p:nvSpPr>
+          <p:cNvPr id="30" name="Right Arrow 29"/>
+          <p:cNvSpPr/>
+          <p:nvPr/>
+        </p:nvSpPr>
+        <p:spPr>
+          <a:xfrm>
+            <a:off x="2486762" y="2919820"/>
+            <a:ext cx="293298" cy="178926"/>
+          </a:xfrm>
+          <a:prstGeom prst="rightArrow">
+            <a:avLst/>
+          </a:prstGeom>
+          <a:solidFill>
+            <a:schemeClr val="tx1"/>
+          </a:solidFill>
+        </p:spPr>
+        <p:style>
+          <a:lnRef idx="2">
+            <a:schemeClr val="accent1">
+              <a:shade val="50000"/>
+            </a:schemeClr>
+          </a:lnRef>
+          <a:fillRef idx="1">
+            <a:schemeClr val="accent1"/>
+          </a:fillRef>
+          <a:effectRef idx="0">
+            <a:schemeClr val="accent1"/>
+          </a:effectRef>
+          <a:fontRef idx="minor">
+            <a:schemeClr val="lt1"/>
+          </a:fontRef>
+        </p:style>
+        <p:txBody>
+          <a:bodyPr rtlCol="0" anchor="ctr"/>
+          <a:lstStyle/>
+          <a:p>
+            <a:pPr algn="ctr"/>
+            <a:endParaRPr lang="en-US"/>
+          </a:p>
+        </p:txBody>
+      </p:sp>
+      <p:sp>
+        <p:nvSpPr>
+          <p:cNvPr id="31" name="Oval 30"/>
+          <p:cNvSpPr/>
+          <p:nvPr/>
+        </p:nvSpPr>
+        <p:spPr>
+          <a:xfrm>
+            <a:off x="6710131" y="3251591"/>
+            <a:ext cx="514473" cy="385963"/>
+          </a:xfrm>
+          <a:prstGeom prst="ellipse">
+            <a:avLst/>
+          </a:prstGeom>
+          <a:solidFill>
+            <a:srgbClr val="C00000"/>
+          </a:solidFill>
+        </p:spPr>
+        <p:style>
+          <a:lnRef idx="2">
+            <a:schemeClr val="accent1">
+              <a:shade val="50000"/>
+            </a:schemeClr>
+          </a:lnRef>
+          <a:fillRef idx="1">
+            <a:schemeClr val="accent1"/>
+          </a:fillRef>
+          <a:effectRef idx="0">
+            <a:schemeClr val="accent1"/>
+          </a:effectRef>
+          <a:fontRef idx="minor">
+            <a:schemeClr val="lt1"/>
+          </a:fontRef>
+        </p:style>
+        <p:txBody>
+          <a:bodyPr rtlCol="0" anchor="ctr"/>
+          <a:lstStyle/>
+          <a:p>
+            <a:pPr algn="ctr"/>
+            <a:r>
+              <a:rPr lang="en-US" sz="1600" dirty="0"/>
+              <a:t>f2</a:t>
+            </a:r>
+          </a:p>
+        </p:txBody>
+      </p:sp>
+      <p:sp>
+        <p:nvSpPr>
+          <p:cNvPr id="16" name="Rectangle 15">
+            <a:extLst>
+              <a:ext uri="{FF2B5EF4-FFF2-40B4-BE49-F238E27FC236}">
+                <a16:creationId xmlns:a16="http://schemas.microsoft.com/office/drawing/2014/main" id="{F90FC9DA-7FB5-4463-8217-75A11C719394}"/>
+              </a:ext>
+            </a:extLst>
+          </p:cNvPr>
+          <p:cNvSpPr/>
+          <p:nvPr/>
+        </p:nvSpPr>
+        <p:spPr>
+          <a:xfrm>
+            <a:off x="3894712" y="2346692"/>
+            <a:ext cx="3444516" cy="2311935"/>
+          </a:xfrm>
+          <a:prstGeom prst="rect">
+            <a:avLst/>
+          </a:prstGeom>
+          <a:noFill/>
+          <a:ln>
+            <a:solidFill>
+              <a:schemeClr val="tx1"/>
+            </a:solidFill>
+          </a:ln>
+        </p:spPr>
+        <p:style>
+          <a:lnRef idx="2">
+            <a:schemeClr val="accent1">
+              <a:shade val="50000"/>
+            </a:schemeClr>
+          </a:lnRef>
+          <a:fillRef idx="1">
+            <a:schemeClr val="accent1"/>
+          </a:fillRef>
+          <a:effectRef idx="0">
+            <a:schemeClr val="accent1"/>
+          </a:effectRef>
+          <a:fontRef idx="minor">
+            <a:schemeClr val="lt1"/>
+          </a:fontRef>
+        </p:style>
+        <p:txBody>
+          <a:bodyPr rtlCol="0" anchor="ctr"/>
+          <a:lstStyle/>
+          <a:p>
+            <a:pPr algn="ctr"/>
+            <a:endParaRPr lang="en-US"/>
+          </a:p>
+        </p:txBody>
+      </p:sp>
+      <p:sp>
+        <p:nvSpPr>
+          <p:cNvPr id="17" name="Right Arrow 29">
+            <a:extLst>
+              <a:ext uri="{FF2B5EF4-FFF2-40B4-BE49-F238E27FC236}">
+                <a16:creationId xmlns:a16="http://schemas.microsoft.com/office/drawing/2014/main" id="{CD1CF6FF-2C32-4F5B-AE91-D010B55DA5E2}"/>
+              </a:ext>
+            </a:extLst>
+          </p:cNvPr>
+          <p:cNvSpPr/>
+          <p:nvPr/>
+        </p:nvSpPr>
+        <p:spPr>
+          <a:xfrm>
+            <a:off x="3905439" y="2947295"/>
+            <a:ext cx="293298" cy="178926"/>
+          </a:xfrm>
+          <a:prstGeom prst="rightArrow">
+            <a:avLst/>
+          </a:prstGeom>
+          <a:solidFill>
+            <a:schemeClr val="tx1"/>
+          </a:solidFill>
+        </p:spPr>
+        <p:style>
+          <a:lnRef idx="2">
+            <a:schemeClr val="accent1">
+              <a:shade val="50000"/>
+            </a:schemeClr>
+          </a:lnRef>
+          <a:fillRef idx="1">
+            <a:schemeClr val="accent1"/>
+          </a:fillRef>
+          <a:effectRef idx="0">
+            <a:schemeClr val="accent1"/>
+          </a:effectRef>
+          <a:fontRef idx="minor">
+            <a:schemeClr val="lt1"/>
+          </a:fontRef>
+        </p:style>
+        <p:txBody>
+          <a:bodyPr rtlCol="0" anchor="ctr"/>
+          <a:lstStyle/>
+          <a:p>
+            <a:pPr algn="ctr"/>
+            <a:endParaRPr lang="en-US"/>
+          </a:p>
+        </p:txBody>
+      </p:sp>
+      <p:sp>
+        <p:nvSpPr>
+          <p:cNvPr id="18" name="Right Arrow 29">
+            <a:extLst>
+              <a:ext uri="{FF2B5EF4-FFF2-40B4-BE49-F238E27FC236}">
+                <a16:creationId xmlns:a16="http://schemas.microsoft.com/office/drawing/2014/main" id="{02C53C95-2E30-45CC-8D33-188C0012DD04}"/>
+              </a:ext>
+            </a:extLst>
+          </p:cNvPr>
+          <p:cNvSpPr/>
+          <p:nvPr/>
+        </p:nvSpPr>
+        <p:spPr>
+          <a:xfrm>
+            <a:off x="7045931" y="3349278"/>
+            <a:ext cx="293298" cy="178926"/>
+          </a:xfrm>
+          <a:prstGeom prst="rightArrow">
+            <a:avLst/>
+          </a:prstGeom>
+          <a:solidFill>
+            <a:schemeClr val="tx1"/>
+          </a:solidFill>
+        </p:spPr>
+        <p:style>
+          <a:lnRef idx="2">
+            <a:schemeClr val="accent1">
+              <a:shade val="50000"/>
+            </a:schemeClr>
+          </a:lnRef>
+          <a:fillRef idx="1">
+            <a:schemeClr val="accent1"/>
+          </a:fillRef>
+          <a:effectRef idx="0">
+            <a:schemeClr val="accent1"/>
+          </a:effectRef>
+          <a:fontRef idx="minor">
+            <a:schemeClr val="lt1"/>
+          </a:fontRef>
+        </p:style>
+        <p:txBody>
+          <a:bodyPr rtlCol="0" anchor="ctr"/>
+          <a:lstStyle/>
+          <a:p>
+            <a:pPr algn="ctr"/>
+            <a:endParaRPr lang="en-US"/>
+          </a:p>
+        </p:txBody>
+      </p:sp>
+      <mc:AlternateContent xmlns:mc="http://schemas.openxmlformats.org/markup-compatibility/2006">
+        <mc:Choice xmlns:a14="http://schemas.microsoft.com/office/drawing/2010/main" Requires="a14">
+          <p:sp>
+            <p:nvSpPr>
+              <p:cNvPr id="20" name="TextBox 19">
+                <a:extLst>
+                  <a:ext uri="{FF2B5EF4-FFF2-40B4-BE49-F238E27FC236}">
+                    <a16:creationId xmlns:a16="http://schemas.microsoft.com/office/drawing/2014/main" id="{6E76C1FF-16C3-4512-A872-6841D02BE60C}"/>
+                  </a:ext>
+                </a:extLst>
+              </p:cNvPr>
+              <p:cNvSpPr txBox="1"/>
+              <p:nvPr/>
+            </p:nvSpPr>
+            <p:spPr>
+              <a:xfrm>
+                <a:off x="4007497" y="2413831"/>
+                <a:ext cx="3375476" cy="2308324"/>
+              </a:xfrm>
+              <a:prstGeom prst="rect">
+                <a:avLst/>
+              </a:prstGeom>
+              <a:noFill/>
+            </p:spPr>
+            <p:txBody>
+              <a:bodyPr wrap="none" rtlCol="0">
+                <a:spAutoFit/>
+              </a:bodyPr>
+              <a:lstStyle/>
+              <a:p>
+                <a:pPr algn="ctr"/>
+                <a:r>
+                  <a:rPr lang="en-US" u="sng" dirty="0">
+                    <a:latin typeface="Times New Roman" panose="02020603050405020304" pitchFamily="18" charset="0"/>
+                    <a:cs typeface="Times New Roman" panose="02020603050405020304" pitchFamily="18" charset="0"/>
+                  </a:rPr>
+                  <a:t>Sensor Contract:</a:t>
+                </a:r>
+              </a:p>
+              <a:p>
+                <a:pPr algn="ctr"/>
+                <a:endParaRPr lang="en-US" u="sng" dirty="0">
+                  <a:latin typeface="Times New Roman" panose="02020603050405020304" pitchFamily="18" charset="0"/>
+                  <a:cs typeface="Times New Roman" panose="02020603050405020304" pitchFamily="18" charset="0"/>
+                </a:endParaRPr>
+              </a:p>
+              <a:p>
+                <a:pPr algn="ctr"/>
+                <a:endParaRPr lang="en-US" u="sng" dirty="0">
+                  <a:latin typeface="Times New Roman" panose="02020603050405020304" pitchFamily="18" charset="0"/>
+                  <a:cs typeface="Times New Roman" panose="02020603050405020304" pitchFamily="18" charset="0"/>
+                </a:endParaRPr>
+              </a:p>
+              <a:p>
+                <a:pPr algn="ctr"/>
+                <a:endParaRPr lang="en-US" u="sng" dirty="0">
+                  <a:latin typeface="Times New Roman" panose="02020603050405020304" pitchFamily="18" charset="0"/>
+                  <a:cs typeface="Times New Roman" panose="02020603050405020304" pitchFamily="18" charset="0"/>
+                </a:endParaRPr>
+              </a:p>
+              <a:p>
+                <a:pPr algn="ctr"/>
+                <a:endParaRPr lang="en-US" u="sng" dirty="0">
+                  <a:latin typeface="Times New Roman" panose="02020603050405020304" pitchFamily="18" charset="0"/>
+                  <a:cs typeface="Times New Roman" panose="02020603050405020304" pitchFamily="18" charset="0"/>
+                </a:endParaRPr>
+              </a:p>
+              <a:p>
+                <a:pPr algn="ctr"/>
+                <a:r>
+                  <a:rPr lang="en-US" dirty="0">
+                    <a:latin typeface="Times New Roman" panose="02020603050405020304" pitchFamily="18" charset="0"/>
+                    <a:cs typeface="Times New Roman" panose="02020603050405020304" pitchFamily="18" charset="0"/>
+                  </a:rPr>
+                  <a:t> </a:t>
+                </a:r>
+                <a14:m>
+                  <m:oMath xmlns:m="http://schemas.openxmlformats.org/officeDocument/2006/math">
+                    <m:sSub>
+                      <m:sSubPr>
+                        <m:ctrlPr>
+                          <a:rPr lang="en-US" i="1">
+                            <a:latin typeface="Cambria Math" panose="02040503050406030204" pitchFamily="18" charset="0"/>
+                          </a:rPr>
+                        </m:ctrlPr>
+                      </m:sSubPr>
+                      <m:e>
+                        <m:r>
+                          <a:rPr lang="en-US" i="1">
+                            <a:latin typeface="Cambria Math" panose="02040503050406030204" pitchFamily="18" charset="0"/>
+                          </a:rPr>
+                          <m:t>𝑔</m:t>
+                        </m:r>
+                      </m:e>
+                      <m:sub>
+                        <m:r>
+                          <a:rPr lang="en-US" b="0" i="1" smtClean="0">
+                            <a:latin typeface="Cambria Math" panose="02040503050406030204" pitchFamily="18" charset="0"/>
+                          </a:rPr>
+                          <m:t>𝑎</m:t>
+                        </m:r>
+                        <m:r>
+                          <a:rPr lang="en-US" b="0" i="1" smtClean="0">
+                            <a:latin typeface="Cambria Math" panose="02040503050406030204" pitchFamily="18" charset="0"/>
+                          </a:rPr>
+                          <m:t>1</m:t>
+                        </m:r>
+                      </m:sub>
+                    </m:sSub>
+                    <m:r>
+                      <a:rPr lang="en-US" i="1">
+                        <a:latin typeface="Cambria Math" panose="02040503050406030204" pitchFamily="18" charset="0"/>
+                      </a:rPr>
+                      <m:t>=</m:t>
+                    </m:r>
+                    <m:d>
+                      <m:dPr>
+                        <m:ctrlPr>
+                          <a:rPr lang="en-US" i="1">
+                            <a:latin typeface="Cambria Math" panose="02040503050406030204" pitchFamily="18" charset="0"/>
+                          </a:rPr>
+                        </m:ctrlPr>
+                      </m:dPr>
+                      <m:e>
+                        <m:sSub>
+                          <m:sSubPr>
+                            <m:ctrlPr>
+                              <a:rPr lang="en-US" b="0" i="1" smtClean="0">
+                                <a:latin typeface="Cambria Math" panose="02040503050406030204" pitchFamily="18" charset="0"/>
+                              </a:rPr>
+                            </m:ctrlPr>
+                          </m:sSubPr>
+                          <m:e>
+                            <m:r>
+                              <a:rPr lang="en-US" i="1">
+                                <a:latin typeface="Cambria Math" panose="02040503050406030204" pitchFamily="18" charset="0"/>
+                              </a:rPr>
+                              <m:t>𝑇</m:t>
+                            </m:r>
+                          </m:e>
+                          <m:sub>
+                            <m:r>
+                              <a:rPr lang="en-US" b="0" i="1" smtClean="0">
+                                <a:latin typeface="Cambria Math" panose="02040503050406030204" pitchFamily="18" charset="0"/>
+                              </a:rPr>
+                              <m:t>𝑡</m:t>
+                            </m:r>
+                          </m:sub>
+                        </m:sSub>
+                        <m:r>
+                          <a:rPr lang="en-US" i="1">
+                            <a:latin typeface="Cambria Math" panose="02040503050406030204" pitchFamily="18" charset="0"/>
+                          </a:rPr>
+                          <m:t>≥90⇒</m:t>
+                        </m:r>
+                        <m:r>
+                          <a:rPr lang="en-US" i="1">
+                            <a:latin typeface="Cambria Math" panose="02040503050406030204" pitchFamily="18" charset="0"/>
+                          </a:rPr>
+                          <m:t>𝑡𝑒𝑚𝑝</m:t>
+                        </m:r>
+                        <m:r>
+                          <a:rPr lang="en-US" i="1">
+                            <a:latin typeface="Cambria Math" panose="02040503050406030204" pitchFamily="18" charset="0"/>
+                          </a:rPr>
+                          <m:t>_</m:t>
+                        </m:r>
+                        <m:r>
+                          <a:rPr lang="en-US" i="1">
+                            <a:latin typeface="Cambria Math" panose="02040503050406030204" pitchFamily="18" charset="0"/>
+                          </a:rPr>
+                          <m:t>h𝑖𝑔h</m:t>
+                        </m:r>
+                      </m:e>
+                    </m:d>
+                  </m:oMath>
+                </a14:m>
+                <a:endParaRPr lang="en-US" i="1" dirty="0">
+                  <a:latin typeface="Cambria Math" panose="02040503050406030204" pitchFamily="18" charset="0"/>
+                </a:endParaRPr>
+              </a:p>
+              <a:p>
+                <a:pPr algn="ctr"/>
+                <a14:m>
+                  <m:oMathPara xmlns:m="http://schemas.openxmlformats.org/officeDocument/2006/math">
+                    <m:oMathParaPr>
+                      <m:jc m:val="centerGroup"/>
+                    </m:oMathParaPr>
+                    <m:oMath xmlns:m="http://schemas.openxmlformats.org/officeDocument/2006/math">
+                      <m:sSub>
+                        <m:sSubPr>
+                          <m:ctrlPr>
+                            <a:rPr lang="en-US" b="0" i="1" smtClean="0">
+                              <a:latin typeface="Cambria Math" panose="02040503050406030204" pitchFamily="18" charset="0"/>
+                            </a:rPr>
+                          </m:ctrlPr>
+                        </m:sSubPr>
+                        <m:e>
+                          <m:r>
+                            <a:rPr lang="en-US" b="0" i="1" smtClean="0">
+                              <a:latin typeface="Cambria Math" panose="02040503050406030204" pitchFamily="18" charset="0"/>
+                            </a:rPr>
+                            <m:t>𝑔</m:t>
+                          </m:r>
+                        </m:e>
+                        <m:sub>
+                          <m:r>
+                            <a:rPr lang="en-US" b="0" i="1" smtClean="0">
+                              <a:latin typeface="Cambria Math" panose="02040503050406030204" pitchFamily="18" charset="0"/>
+                            </a:rPr>
+                            <m:t>𝑎</m:t>
+                          </m:r>
+                          <m:r>
+                            <a:rPr lang="en-US" b="0" i="1" smtClean="0">
+                              <a:latin typeface="Cambria Math" panose="02040503050406030204" pitchFamily="18" charset="0"/>
+                            </a:rPr>
+                            <m:t>2</m:t>
+                          </m:r>
+                        </m:sub>
+                      </m:sSub>
+                      <m:r>
+                        <a:rPr lang="en-US" b="0" i="1" smtClean="0">
+                          <a:latin typeface="Cambria Math" panose="02040503050406030204" pitchFamily="18" charset="0"/>
+                        </a:rPr>
+                        <m:t>=</m:t>
+                      </m:r>
+                      <m:r>
+                        <a:rPr lang="en-US" i="1">
+                          <a:latin typeface="Cambria Math" panose="02040503050406030204" pitchFamily="18" charset="0"/>
+                        </a:rPr>
+                        <m:t>(</m:t>
+                      </m:r>
+                      <m:r>
+                        <a:rPr lang="en-US" i="1">
+                          <a:latin typeface="Cambria Math" panose="02040503050406030204" pitchFamily="18" charset="0"/>
+                        </a:rPr>
+                        <m:t>𝑡𝑒𝑚𝑝</m:t>
+                      </m:r>
+                      <m:r>
+                        <a:rPr lang="en-US" i="1">
+                          <a:latin typeface="Cambria Math" panose="02040503050406030204" pitchFamily="18" charset="0"/>
+                        </a:rPr>
+                        <m:t>_</m:t>
+                      </m:r>
+                      <m:r>
+                        <a:rPr lang="en-US" i="1">
+                          <a:latin typeface="Cambria Math" panose="02040503050406030204" pitchFamily="18" charset="0"/>
+                        </a:rPr>
+                        <m:t>𝑜𝑢𝑡</m:t>
+                      </m:r>
+                      <m:r>
+                        <a:rPr lang="en-US" i="1">
+                          <a:latin typeface="Cambria Math" panose="02040503050406030204" pitchFamily="18" charset="0"/>
+                        </a:rPr>
+                        <m:t>=</m:t>
+                      </m:r>
+                      <m:sSub>
+                        <m:sSubPr>
+                          <m:ctrlPr>
+                            <a:rPr lang="en-US" b="0" i="1" smtClean="0">
+                              <a:latin typeface="Cambria Math" panose="02040503050406030204" pitchFamily="18" charset="0"/>
+                            </a:rPr>
+                          </m:ctrlPr>
+                        </m:sSubPr>
+                        <m:e>
+                          <m:r>
+                            <a:rPr lang="en-US" i="1">
+                              <a:latin typeface="Cambria Math" panose="02040503050406030204" pitchFamily="18" charset="0"/>
+                            </a:rPr>
+                            <m:t>𝑇</m:t>
+                          </m:r>
+                        </m:e>
+                        <m:sub>
+                          <m:r>
+                            <a:rPr lang="en-US" b="0" i="1" smtClean="0">
+                              <a:latin typeface="Cambria Math" panose="02040503050406030204" pitchFamily="18" charset="0"/>
+                            </a:rPr>
+                            <m:t>𝑡</m:t>
+                          </m:r>
+                        </m:sub>
+                      </m:sSub>
+                      <m:r>
+                        <a:rPr lang="en-US" i="1">
+                          <a:latin typeface="Cambria Math" panose="02040503050406030204" pitchFamily="18" charset="0"/>
+                        </a:rPr>
+                        <m:t>)</m:t>
+                      </m:r>
+                    </m:oMath>
+                  </m:oMathPara>
+                </a14:m>
+                <a:endParaRPr lang="en-US" dirty="0"/>
+              </a:p>
+              <a:p>
+                <a:endParaRPr lang="en-US" dirty="0"/>
+              </a:p>
+            </p:txBody>
+          </p:sp>
+        </mc:Choice>
+        <mc:Fallback>
+          <p:sp>
+            <p:nvSpPr>
+              <p:cNvPr id="20" name="TextBox 19">
+                <a:extLst>
+                  <a:ext uri="{FF2B5EF4-FFF2-40B4-BE49-F238E27FC236}">
+                    <a16:creationId xmlns:a16="http://schemas.microsoft.com/office/drawing/2014/main" id="{6E76C1FF-16C3-4512-A872-6841D02BE60C}"/>
+                  </a:ext>
+                </a:extLst>
+              </p:cNvPr>
+              <p:cNvSpPr txBox="1">
+                <a:spLocks noRot="1" noChangeAspect="1" noMove="1" noResize="1" noEditPoints="1" noAdjustHandles="1" noChangeArrowheads="1" noChangeShapeType="1" noTextEdit="1"/>
+              </p:cNvSpPr>
+              <p:nvPr/>
+            </p:nvSpPr>
+            <p:spPr>
+              <a:xfrm>
+                <a:off x="4007497" y="2413831"/>
+                <a:ext cx="3375476" cy="2308324"/>
+              </a:xfrm>
+              <a:prstGeom prst="rect">
+                <a:avLst/>
+              </a:prstGeom>
+              <a:blipFill>
+                <a:blip r:embed="rId8"/>
+                <a:stretch>
+                  <a:fillRect t="-1583"/>
+                </a:stretch>
+              </a:blipFill>
+            </p:spPr>
+            <p:txBody>
+              <a:bodyPr/>
+              <a:lstStyle/>
+              <a:p>
+                <a:r>
+                  <a:rPr lang="en-US">
+                    <a:noFill/>
+                  </a:rPr>
+                  <a:t> </a:t>
+                </a:r>
+              </a:p>
+            </p:txBody>
+          </p:sp>
+        </mc:Fallback>
+      </mc:AlternateContent>
+      <p:sp>
+        <p:nvSpPr>
+          <p:cNvPr id="22" name="Oval 21">
+            <a:extLst>
+              <a:ext uri="{FF2B5EF4-FFF2-40B4-BE49-F238E27FC236}">
+                <a16:creationId xmlns:a16="http://schemas.microsoft.com/office/drawing/2014/main" id="{F9F5E60F-3F7C-45D4-9880-0B89CF4EABF7}"/>
+              </a:ext>
+            </a:extLst>
+          </p:cNvPr>
+          <p:cNvSpPr/>
+          <p:nvPr/>
+        </p:nvSpPr>
+        <p:spPr>
+          <a:xfrm>
+            <a:off x="6666027" y="2430246"/>
+            <a:ext cx="514473" cy="385963"/>
+          </a:xfrm>
+          <a:prstGeom prst="ellipse">
+            <a:avLst/>
+          </a:prstGeom>
+          <a:solidFill>
+            <a:srgbClr val="C00000"/>
+          </a:solidFill>
+        </p:spPr>
+        <p:style>
+          <a:lnRef idx="2">
+            <a:schemeClr val="accent1">
+              <a:shade val="50000"/>
+            </a:schemeClr>
+          </a:lnRef>
+          <a:fillRef idx="1">
+            <a:schemeClr val="accent1"/>
+          </a:fillRef>
+          <a:effectRef idx="0">
+            <a:schemeClr val="accent1"/>
+          </a:effectRef>
+          <a:fontRef idx="minor">
+            <a:schemeClr val="lt1"/>
+          </a:fontRef>
+        </p:style>
+        <p:txBody>
+          <a:bodyPr rtlCol="0" anchor="ctr"/>
+          <a:lstStyle/>
+          <a:p>
+            <a:pPr algn="ctr"/>
+            <a:r>
+              <a:rPr lang="en-US" sz="1600" dirty="0"/>
+              <a:t>f1</a:t>
+            </a:r>
+          </a:p>
+        </p:txBody>
+      </p:sp>
+      <p:sp>
+        <p:nvSpPr>
+          <p:cNvPr id="19" name="Right Arrow 29">
+            <a:extLst>
+              <a:ext uri="{FF2B5EF4-FFF2-40B4-BE49-F238E27FC236}">
+                <a16:creationId xmlns:a16="http://schemas.microsoft.com/office/drawing/2014/main" id="{DD60B6FF-D5C0-4A0E-BDA4-69669579E08B}"/>
+              </a:ext>
+            </a:extLst>
+          </p:cNvPr>
+          <p:cNvSpPr/>
+          <p:nvPr/>
+        </p:nvSpPr>
+        <p:spPr>
+          <a:xfrm>
+            <a:off x="7033851" y="2544224"/>
+            <a:ext cx="293298" cy="178926"/>
+          </a:xfrm>
+          <a:prstGeom prst="rightArrow">
+            <a:avLst/>
+          </a:prstGeom>
+          <a:solidFill>
+            <a:schemeClr val="tx1"/>
+          </a:solidFill>
+        </p:spPr>
+        <p:style>
+          <a:lnRef idx="2">
+            <a:schemeClr val="accent1">
+              <a:shade val="50000"/>
+            </a:schemeClr>
+          </a:lnRef>
+          <a:fillRef idx="1">
+            <a:schemeClr val="accent1"/>
+          </a:fillRef>
+          <a:effectRef idx="0">
+            <a:schemeClr val="accent1"/>
+          </a:effectRef>
+          <a:fontRef idx="minor">
+            <a:schemeClr val="lt1"/>
+          </a:fontRef>
+        </p:style>
+        <p:txBody>
+          <a:bodyPr rtlCol="0" anchor="ctr"/>
+          <a:lstStyle/>
+          <a:p>
+            <a:pPr algn="ctr"/>
+            <a:endParaRPr lang="en-US"/>
+          </a:p>
+        </p:txBody>
+      </p:sp>
+    </p:spTree>
+    <p:extLst>
+      <p:ext uri="{BB962C8B-B14F-4D97-AF65-F5344CB8AC3E}">
+        <p14:creationId xmlns:p14="http://schemas.microsoft.com/office/powerpoint/2010/main" val="1930566809"/>
+      </p:ext>
+    </p:extLst>
+  </p:cSld>
+  <p:clrMapOvr>
+    <a:masterClrMapping/>
+  </p:clrMapOvr>
+</p:sld>
+</file>
+
+<file path=ppt/slides/slide3.xml><?xml version="1.0" encoding="utf-8"?>
+<p:sld xmlns:a="http://schemas.openxmlformats.org/drawingml/2006/main" xmlns:r="http://schemas.openxmlformats.org/officeDocument/2006/relationships" xmlns:p="http://schemas.openxmlformats.org/presentationml/2006/main">
+  <p:cSld>
+    <p:spTree>
+      <p:nvGrpSpPr>
+        <p:cNvPr id="1" name=""/>
+        <p:cNvGrpSpPr/>
+        <p:nvPr/>
+      </p:nvGrpSpPr>
+      <p:grpSpPr>
+        <a:xfrm>
+          <a:off x="0" y="0"/>
+          <a:ext cx="0" cy="0"/>
+          <a:chOff x="0" y="0"/>
+          <a:chExt cx="0" cy="0"/>
+        </a:xfrm>
+      </p:grpSpPr>
+      <p:sp>
+        <p:nvSpPr>
+          <p:cNvPr id="2" name="Rectangle 1"/>
+          <p:cNvSpPr/>
+          <p:nvPr/>
+        </p:nvSpPr>
+        <p:spPr>
+          <a:xfrm>
+            <a:off x="1708030" y="508958"/>
+            <a:ext cx="8082951" cy="4361425"/>
+          </a:xfrm>
+          <a:prstGeom prst="rect">
+            <a:avLst/>
+          </a:prstGeom>
+          <a:noFill/>
+          <a:ln>
+            <a:solidFill>
+              <a:schemeClr val="tx1"/>
+            </a:solidFill>
+          </a:ln>
+        </p:spPr>
+        <p:style>
+          <a:lnRef idx="2">
+            <a:schemeClr val="accent1">
+              <a:shade val="50000"/>
+            </a:schemeClr>
+          </a:lnRef>
+          <a:fillRef idx="1">
+            <a:schemeClr val="accent1"/>
+          </a:fillRef>
+          <a:effectRef idx="0">
+            <a:schemeClr val="accent1"/>
+          </a:effectRef>
+          <a:fontRef idx="minor">
+            <a:schemeClr val="lt1"/>
+          </a:fontRef>
+        </p:style>
+        <p:txBody>
+          <a:bodyPr rtlCol="0" anchor="ctr"/>
+          <a:lstStyle/>
+          <a:p>
+            <a:pPr algn="ctr"/>
+            <a:endParaRPr lang="en-US"/>
+          </a:p>
+        </p:txBody>
+      </p:sp>
+      <mc:AlternateContent xmlns:mc="http://schemas.openxmlformats.org/markup-compatibility/2006">
+        <mc:Choice xmlns:a14="http://schemas.microsoft.com/office/drawing/2010/main" Requires="a14">
+          <p:sp>
+            <p:nvSpPr>
+              <p:cNvPr id="3" name="TextBox 2"/>
+              <p:cNvSpPr txBox="1"/>
+              <p:nvPr/>
+            </p:nvSpPr>
+            <p:spPr>
+              <a:xfrm>
+                <a:off x="1820174" y="603850"/>
+                <a:ext cx="5996898" cy="923330"/>
+              </a:xfrm>
+              <a:prstGeom prst="rect">
+                <a:avLst/>
+              </a:prstGeom>
+              <a:noFill/>
+            </p:spPr>
+            <p:txBody>
+              <a:bodyPr wrap="none" rtlCol="0">
+                <a:spAutoFit/>
+              </a:bodyPr>
+              <a:lstStyle/>
+              <a:p>
+                <a:r>
+                  <a:rPr lang="en-US" u="sng" dirty="0">
+                    <a:latin typeface="Times New Roman" panose="02020603050405020304" pitchFamily="18" charset="0"/>
+                    <a:cs typeface="Times New Roman" panose="02020603050405020304" pitchFamily="18" charset="0"/>
+                  </a:rPr>
+                  <a:t>System Safety Property:</a:t>
+                </a:r>
+              </a:p>
+              <a:p>
+                <a:r>
+                  <a:rPr lang="en-US" dirty="0">
+                    <a:latin typeface="Times New Roman" panose="02020603050405020304" pitchFamily="18" charset="0"/>
+                    <a:cs typeface="Times New Roman" panose="02020603050405020304" pitchFamily="18" charset="0"/>
+                  </a:rPr>
+                  <a:t> </a:t>
+                </a:r>
+                <a14:m>
+                  <m:oMath xmlns:m="http://schemas.openxmlformats.org/officeDocument/2006/math">
+                    <m:r>
+                      <a:rPr lang="en-US" i="1">
+                        <a:latin typeface="Cambria Math" panose="02040503050406030204" pitchFamily="18" charset="0"/>
+                      </a:rPr>
+                      <m:t>𝑃</m:t>
+                    </m:r>
+                    <m:r>
+                      <a:rPr lang="en-US" i="1">
+                        <a:latin typeface="Cambria Math" panose="02040503050406030204" pitchFamily="18" charset="0"/>
+                      </a:rPr>
+                      <m:t>:</m:t>
+                    </m:r>
+                    <m:r>
+                      <a:rPr lang="en-US" i="1">
+                        <a:latin typeface="Cambria Math" panose="02040503050406030204" pitchFamily="18" charset="0"/>
+                      </a:rPr>
+                      <m:t>𝐼𝑓</m:t>
+                    </m:r>
+                    <m:r>
+                      <a:rPr lang="en-US" i="1">
+                        <a:latin typeface="Cambria Math" panose="02040503050406030204" pitchFamily="18" charset="0"/>
+                      </a:rPr>
+                      <m:t> </m:t>
+                    </m:r>
+                    <m:r>
+                      <a:rPr lang="en-US" i="1">
+                        <a:latin typeface="Cambria Math" panose="02040503050406030204" pitchFamily="18" charset="0"/>
+                      </a:rPr>
+                      <m:t>𝑒𝑛𝑣</m:t>
+                    </m:r>
+                    <m:r>
+                      <a:rPr lang="en-US" b="0" i="1" smtClean="0">
+                        <a:latin typeface="Cambria Math" panose="02040503050406030204" pitchFamily="18" charset="0"/>
+                      </a:rPr>
+                      <m:t> </m:t>
+                    </m:r>
+                    <m:r>
+                      <a:rPr lang="en-US" b="0" i="1" smtClean="0">
+                        <a:latin typeface="Cambria Math" panose="02040503050406030204" pitchFamily="18" charset="0"/>
+                      </a:rPr>
+                      <m:t>𝑡𝑒𝑚𝑝</m:t>
+                    </m:r>
+                    <m:r>
+                      <a:rPr lang="en-US" i="1">
+                        <a:latin typeface="Cambria Math" panose="02040503050406030204" pitchFamily="18" charset="0"/>
+                      </a:rPr>
+                      <m:t>≥90, </m:t>
+                    </m:r>
+                    <m:r>
+                      <a:rPr lang="en-US" b="0" i="1" smtClean="0">
+                        <a:latin typeface="Cambria Math" panose="02040503050406030204" pitchFamily="18" charset="0"/>
+                      </a:rPr>
+                      <m:t>𝑡h𝑒𝑛</m:t>
+                    </m:r>
+                    <m:r>
+                      <a:rPr lang="en-US" b="0" i="1" smtClean="0">
+                        <a:latin typeface="Cambria Math" panose="02040503050406030204" pitchFamily="18" charset="0"/>
+                      </a:rPr>
+                      <m:t> </m:t>
+                    </m:r>
+                    <m:r>
+                      <a:rPr lang="en-US" i="1">
+                        <a:latin typeface="Cambria Math" panose="02040503050406030204" pitchFamily="18" charset="0"/>
+                      </a:rPr>
+                      <m:t>𝑠𝑢𝑏𝑠𝑦𝑠𝑡𝑒𝑚</m:t>
+                    </m:r>
+                    <m:r>
+                      <a:rPr lang="en-US" i="1">
+                        <a:latin typeface="Cambria Math" panose="02040503050406030204" pitchFamily="18" charset="0"/>
+                      </a:rPr>
+                      <m:t> </m:t>
+                    </m:r>
+                    <m:r>
+                      <a:rPr lang="en-US" i="1">
+                        <a:latin typeface="Cambria Math" panose="02040503050406030204" pitchFamily="18" charset="0"/>
+                      </a:rPr>
+                      <m:t>𝑟𝑒𝑝𝑜𝑟𝑡𝑠</m:t>
+                    </m:r>
+                    <m:r>
+                      <a:rPr lang="en-US" i="1">
+                        <a:latin typeface="Cambria Math" panose="02040503050406030204" pitchFamily="18" charset="0"/>
+                      </a:rPr>
+                      <m:t> </m:t>
+                    </m:r>
+                    <m:r>
+                      <a:rPr lang="en-US" i="1">
+                        <a:latin typeface="Cambria Math" panose="02040503050406030204" pitchFamily="18" charset="0"/>
+                      </a:rPr>
+                      <m:t>h𝑖𝑔h</m:t>
+                    </m:r>
+                    <m:r>
+                      <a:rPr lang="en-US" i="1">
+                        <a:latin typeface="Cambria Math" panose="02040503050406030204" pitchFamily="18" charset="0"/>
+                      </a:rPr>
+                      <m:t> </m:t>
+                    </m:r>
+                    <m:r>
+                      <a:rPr lang="en-US" i="1">
+                        <a:latin typeface="Cambria Math" panose="02040503050406030204" pitchFamily="18" charset="0"/>
+                      </a:rPr>
+                      <m:t>𝑡𝑒𝑚𝑝</m:t>
+                    </m:r>
+                    <m:r>
+                      <a:rPr lang="en-US" i="1">
+                        <a:latin typeface="Cambria Math" panose="02040503050406030204" pitchFamily="18" charset="0"/>
+                      </a:rPr>
+                      <m:t>.</m:t>
+                    </m:r>
+                  </m:oMath>
+                </a14:m>
+                <a:endParaRPr lang="en-US" dirty="0"/>
+              </a:p>
+              <a:p>
+                <a:endParaRPr lang="en-US" dirty="0"/>
+              </a:p>
+            </p:txBody>
+          </p:sp>
+        </mc:Choice>
+        <mc:Fallback>
+          <p:sp>
+            <p:nvSpPr>
+              <p:cNvPr id="3" name="TextBox 2"/>
+              <p:cNvSpPr txBox="1">
+                <a:spLocks noRot="1" noChangeAspect="1" noMove="1" noResize="1" noEditPoints="1" noAdjustHandles="1" noChangeArrowheads="1" noChangeShapeType="1" noTextEdit="1"/>
+              </p:cNvSpPr>
+              <p:nvPr/>
+            </p:nvSpPr>
+            <p:spPr>
+              <a:xfrm>
+                <a:off x="1820174" y="603850"/>
+                <a:ext cx="5996898" cy="923330"/>
+              </a:xfrm>
+              <a:prstGeom prst="rect">
+                <a:avLst/>
+              </a:prstGeom>
+              <a:blipFill>
+                <a:blip r:embed="rId2"/>
+                <a:stretch>
+                  <a:fillRect l="-916" t="-3289"/>
+                </a:stretch>
+              </a:blipFill>
+            </p:spPr>
+            <p:txBody>
+              <a:bodyPr/>
+              <a:lstStyle/>
+              <a:p>
+                <a:r>
+                  <a:rPr lang="en-US">
+                    <a:noFill/>
+                  </a:rPr>
+                  <a:t> </a:t>
+                </a:r>
+              </a:p>
+            </p:txBody>
+          </p:sp>
+        </mc:Fallback>
+      </mc:AlternateContent>
+      <mc:AlternateContent xmlns:mc="http://schemas.openxmlformats.org/markup-compatibility/2006" xmlns:a14="http://schemas.microsoft.com/office/drawing/2010/main">
+        <mc:Choice Requires="a14">
+          <p:sp>
+            <p:nvSpPr>
+              <p:cNvPr id="5" name="TextBox 4"/>
+              <p:cNvSpPr txBox="1"/>
+              <p:nvPr/>
+            </p:nvSpPr>
+            <p:spPr>
+              <a:xfrm>
+                <a:off x="285771" y="2510286"/>
+                <a:ext cx="1531894" cy="369332"/>
+              </a:xfrm>
+              <a:prstGeom prst="rect">
+                <a:avLst/>
+              </a:prstGeom>
+              <a:noFill/>
+            </p:spPr>
+            <p:txBody>
+              <a:bodyPr wrap="none" rtlCol="0">
+                <a:spAutoFit/>
+              </a:bodyPr>
+              <a:lstStyle/>
+              <a:p>
+                <a:pPr/>
+                <a14:m>
+                  <m:oMathPara xmlns:m="http://schemas.openxmlformats.org/officeDocument/2006/math">
+                    <m:oMathParaPr>
+                      <m:jc m:val="centerGroup"/>
+                    </m:oMathParaPr>
+                    <m:oMath xmlns:m="http://schemas.openxmlformats.org/officeDocument/2006/math">
+                      <m:r>
+                        <a:rPr lang="en-US" b="0" i="1" smtClean="0">
+                          <a:latin typeface="Cambria Math" panose="02040503050406030204" pitchFamily="18" charset="0"/>
+                        </a:rPr>
+                        <m:t>𝑒𝑛𝑣</m:t>
+                      </m:r>
+                      <m:r>
+                        <a:rPr lang="en-US" b="0" i="1" smtClean="0">
+                          <a:latin typeface="Cambria Math" panose="02040503050406030204" pitchFamily="18" charset="0"/>
+                        </a:rPr>
+                        <m:t>_</m:t>
+                      </m:r>
+                      <m:r>
+                        <a:rPr lang="en-US" i="1" smtClean="0">
+                          <a:latin typeface="Cambria Math" panose="02040503050406030204" pitchFamily="18" charset="0"/>
+                        </a:rPr>
+                        <m:t>𝑡𝑒𝑚𝑝</m:t>
+                      </m:r>
+                      <m:r>
+                        <a:rPr lang="en-US" i="1" smtClean="0">
+                          <a:latin typeface="Cambria Math" panose="02040503050406030204" pitchFamily="18" charset="0"/>
+                        </a:rPr>
+                        <m:t>_</m:t>
+                      </m:r>
+                      <m:r>
+                        <a:rPr lang="en-US" b="0" i="1" smtClean="0">
+                          <a:latin typeface="Cambria Math" panose="02040503050406030204" pitchFamily="18" charset="0"/>
+                        </a:rPr>
+                        <m:t>𝑖𝑛</m:t>
+                      </m:r>
+                    </m:oMath>
+                  </m:oMathPara>
+                </a14:m>
+                <a:endParaRPr lang="en-US" dirty="0">
+                  <a:latin typeface="Times New Roman" panose="02020603050405020304" pitchFamily="18" charset="0"/>
+                  <a:cs typeface="Times New Roman" panose="02020603050405020304" pitchFamily="18" charset="0"/>
+                </a:endParaRPr>
+              </a:p>
+            </p:txBody>
+          </p:sp>
+        </mc:Choice>
+        <mc:Fallback xmlns="">
+          <p:sp>
+            <p:nvSpPr>
+              <p:cNvPr id="5" name="TextBox 4"/>
+              <p:cNvSpPr txBox="1">
+                <a:spLocks noRot="1" noChangeAspect="1" noMove="1" noResize="1" noEditPoints="1" noAdjustHandles="1" noChangeArrowheads="1" noChangeShapeType="1" noTextEdit="1"/>
+              </p:cNvSpPr>
+              <p:nvPr/>
+            </p:nvSpPr>
+            <p:spPr>
+              <a:xfrm>
+                <a:off x="285771" y="2510286"/>
+                <a:ext cx="1531894" cy="369332"/>
+              </a:xfrm>
+              <a:prstGeom prst="rect">
+                <a:avLst/>
+              </a:prstGeom>
+              <a:blipFill>
+                <a:blip r:embed="rId3"/>
+                <a:stretch>
+                  <a:fillRect b="-13333"/>
+                </a:stretch>
+              </a:blipFill>
+            </p:spPr>
+            <p:txBody>
+              <a:bodyPr/>
+              <a:lstStyle/>
+              <a:p>
+                <a:r>
+                  <a:rPr lang="en-US">
+                    <a:noFill/>
+                  </a:rPr>
+                  <a:t> </a:t>
+                </a:r>
+              </a:p>
+            </p:txBody>
+          </p:sp>
+        </mc:Fallback>
+      </mc:AlternateContent>
+      <p:sp>
+        <p:nvSpPr>
+          <p:cNvPr id="6" name="Rectangle 5"/>
+          <p:cNvSpPr/>
+          <p:nvPr/>
+        </p:nvSpPr>
+        <p:spPr>
+          <a:xfrm>
+            <a:off x="2822683" y="1423362"/>
+            <a:ext cx="5734722" cy="3350769"/>
+          </a:xfrm>
+          <a:prstGeom prst="rect">
+            <a:avLst/>
+          </a:prstGeom>
+          <a:noFill/>
+          <a:ln>
+            <a:solidFill>
+              <a:schemeClr val="tx1"/>
+            </a:solidFill>
+          </a:ln>
+        </p:spPr>
+        <p:style>
+          <a:lnRef idx="2">
+            <a:schemeClr val="accent1">
+              <a:shade val="50000"/>
+            </a:schemeClr>
+          </a:lnRef>
+          <a:fillRef idx="1">
+            <a:schemeClr val="accent1"/>
+          </a:fillRef>
+          <a:effectRef idx="0">
+            <a:schemeClr val="accent1"/>
+          </a:effectRef>
+          <a:fontRef idx="minor">
+            <a:schemeClr val="lt1"/>
+          </a:fontRef>
+        </p:style>
+        <p:txBody>
+          <a:bodyPr rtlCol="0" anchor="ctr"/>
+          <a:lstStyle/>
+          <a:p>
+            <a:pPr algn="ctr"/>
+            <a:endParaRPr lang="en-US"/>
+          </a:p>
+        </p:txBody>
+      </p:sp>
+      <mc:AlternateContent xmlns:mc="http://schemas.openxmlformats.org/markup-compatibility/2006">
+        <mc:Choice xmlns:a14="http://schemas.microsoft.com/office/drawing/2010/main" Requires="a14">
+          <p:sp>
+            <p:nvSpPr>
+              <p:cNvPr id="7" name="TextBox 6"/>
+              <p:cNvSpPr txBox="1"/>
+              <p:nvPr/>
+            </p:nvSpPr>
+            <p:spPr>
+              <a:xfrm>
+                <a:off x="3967582" y="1450153"/>
+                <a:ext cx="3457293" cy="1200329"/>
+              </a:xfrm>
+              <a:prstGeom prst="rect">
+                <a:avLst/>
+              </a:prstGeom>
+              <a:noFill/>
+            </p:spPr>
+            <p:txBody>
+              <a:bodyPr wrap="none" rtlCol="0">
+                <a:spAutoFit/>
+              </a:bodyPr>
+              <a:lstStyle/>
+              <a:p>
+                <a:pPr algn="ctr"/>
+                <a:r>
+                  <a:rPr lang="en-US" u="sng" dirty="0">
+                    <a:latin typeface="Times New Roman" panose="02020603050405020304" pitchFamily="18" charset="0"/>
+                    <a:cs typeface="Times New Roman" panose="02020603050405020304" pitchFamily="18" charset="0"/>
+                  </a:rPr>
+                  <a:t>Subsystem Contract:</a:t>
+                </a:r>
+              </a:p>
+              <a:p>
+                <a:pPr algn="ctr"/>
+                <a:r>
+                  <a:rPr lang="en-US" dirty="0">
+                    <a:latin typeface="Times New Roman" panose="02020603050405020304" pitchFamily="18" charset="0"/>
+                    <a:cs typeface="Times New Roman" panose="02020603050405020304" pitchFamily="18" charset="0"/>
+                  </a:rPr>
+                  <a:t> </a:t>
+                </a:r>
+                <a14:m>
+                  <m:oMath xmlns:m="http://schemas.openxmlformats.org/officeDocument/2006/math">
+                    <m:sSub>
+                      <m:sSubPr>
+                        <m:ctrlPr>
+                          <a:rPr lang="en-US" i="1">
+                            <a:latin typeface="Cambria Math" panose="02040503050406030204" pitchFamily="18" charset="0"/>
+                          </a:rPr>
+                        </m:ctrlPr>
+                      </m:sSubPr>
+                      <m:e>
+                        <m:r>
+                          <a:rPr lang="en-US" i="1">
+                            <a:latin typeface="Cambria Math" panose="02040503050406030204" pitchFamily="18" charset="0"/>
+                          </a:rPr>
+                          <m:t>𝑔</m:t>
+                        </m:r>
+                      </m:e>
+                      <m:sub>
+                        <m:r>
+                          <a:rPr lang="en-US" i="1">
+                            <a:latin typeface="Cambria Math" panose="02040503050406030204" pitchFamily="18" charset="0"/>
+                          </a:rPr>
+                          <m:t>𝐴</m:t>
+                        </m:r>
+                      </m:sub>
+                    </m:sSub>
+                    <m:r>
+                      <a:rPr lang="en-US" i="1">
+                        <a:latin typeface="Cambria Math" panose="02040503050406030204" pitchFamily="18" charset="0"/>
+                      </a:rPr>
+                      <m:t>=</m:t>
+                    </m:r>
+                    <m:d>
+                      <m:dPr>
+                        <m:ctrlPr>
+                          <a:rPr lang="en-US" i="1">
+                            <a:latin typeface="Cambria Math" panose="02040503050406030204" pitchFamily="18" charset="0"/>
+                          </a:rPr>
+                        </m:ctrlPr>
+                      </m:dPr>
+                      <m:e>
+                        <m:sSub>
+                          <m:sSubPr>
+                            <m:ctrlPr>
+                              <a:rPr lang="en-US" b="0" i="1" smtClean="0">
+                                <a:latin typeface="Cambria Math" panose="02040503050406030204" pitchFamily="18" charset="0"/>
+                              </a:rPr>
+                            </m:ctrlPr>
+                          </m:sSubPr>
+                          <m:e>
+                            <m:r>
+                              <a:rPr lang="en-US" i="1">
+                                <a:latin typeface="Cambria Math" panose="02040503050406030204" pitchFamily="18" charset="0"/>
+                              </a:rPr>
+                              <m:t>𝑇</m:t>
+                            </m:r>
+                          </m:e>
+                          <m:sub>
+                            <m:r>
+                              <a:rPr lang="en-US" b="0" i="1" smtClean="0">
+                                <a:latin typeface="Cambria Math" panose="02040503050406030204" pitchFamily="18" charset="0"/>
+                              </a:rPr>
+                              <m:t>𝑡</m:t>
+                            </m:r>
+                          </m:sub>
+                        </m:sSub>
+                        <m:r>
+                          <a:rPr lang="en-US" i="1">
+                            <a:latin typeface="Cambria Math" panose="02040503050406030204" pitchFamily="18" charset="0"/>
+                          </a:rPr>
+                          <m:t>≥90⇒</m:t>
+                        </m:r>
+                        <m:r>
+                          <a:rPr lang="en-US" i="1">
+                            <a:latin typeface="Cambria Math" panose="02040503050406030204" pitchFamily="18" charset="0"/>
+                          </a:rPr>
+                          <m:t>𝑡𝑒𝑚𝑝</m:t>
+                        </m:r>
+                        <m:r>
+                          <a:rPr lang="en-US" i="1">
+                            <a:latin typeface="Cambria Math" panose="02040503050406030204" pitchFamily="18" charset="0"/>
+                          </a:rPr>
+                          <m:t>_</m:t>
+                        </m:r>
+                        <m:r>
+                          <a:rPr lang="en-US" i="1">
+                            <a:latin typeface="Cambria Math" panose="02040503050406030204" pitchFamily="18" charset="0"/>
+                          </a:rPr>
+                          <m:t>h𝑖𝑔h</m:t>
+                        </m:r>
+                      </m:e>
+                    </m:d>
+                  </m:oMath>
+                </a14:m>
+                <a:endParaRPr lang="en-US" i="1" dirty="0">
+                  <a:latin typeface="Cambria Math" panose="02040503050406030204" pitchFamily="18" charset="0"/>
+                </a:endParaRPr>
+              </a:p>
+              <a:p>
+                <a:pPr algn="ctr"/>
+                <a14:m>
+                  <m:oMathPara xmlns:m="http://schemas.openxmlformats.org/officeDocument/2006/math">
+                    <m:oMathParaPr>
+                      <m:jc m:val="centerGroup"/>
+                    </m:oMathParaPr>
+                    <m:oMath xmlns:m="http://schemas.openxmlformats.org/officeDocument/2006/math">
+                      <m:sSub>
+                        <m:sSubPr>
+                          <m:ctrlPr>
+                            <a:rPr lang="en-US" b="0" i="1" smtClean="0">
+                              <a:latin typeface="Cambria Math" panose="02040503050406030204" pitchFamily="18" charset="0"/>
+                            </a:rPr>
+                          </m:ctrlPr>
+                        </m:sSubPr>
+                        <m:e>
+                          <m:r>
+                            <a:rPr lang="en-US" b="0" i="1" smtClean="0">
+                              <a:latin typeface="Cambria Math" panose="02040503050406030204" pitchFamily="18" charset="0"/>
+                            </a:rPr>
+                            <m:t>𝑔</m:t>
+                          </m:r>
+                        </m:e>
+                        <m:sub>
+                          <m:r>
+                            <a:rPr lang="en-US" b="0" i="1" smtClean="0">
+                              <a:latin typeface="Cambria Math" panose="02040503050406030204" pitchFamily="18" charset="0"/>
+                            </a:rPr>
+                            <m:t>𝐵</m:t>
+                          </m:r>
+                        </m:sub>
+                      </m:sSub>
+                      <m:r>
+                        <a:rPr lang="en-US" b="0" i="1" smtClean="0">
+                          <a:latin typeface="Cambria Math" panose="02040503050406030204" pitchFamily="18" charset="0"/>
+                        </a:rPr>
+                        <m:t>=</m:t>
+                      </m:r>
+                      <m:r>
+                        <a:rPr lang="en-US" i="1">
+                          <a:latin typeface="Cambria Math" panose="02040503050406030204" pitchFamily="18" charset="0"/>
+                        </a:rPr>
+                        <m:t>(</m:t>
+                      </m:r>
+                      <m:r>
+                        <a:rPr lang="en-US" i="1">
+                          <a:latin typeface="Cambria Math" panose="02040503050406030204" pitchFamily="18" charset="0"/>
+                        </a:rPr>
+                        <m:t>𝑡𝑒𝑚𝑝</m:t>
+                      </m:r>
+                      <m:r>
+                        <a:rPr lang="en-US" i="1">
+                          <a:latin typeface="Cambria Math" panose="02040503050406030204" pitchFamily="18" charset="0"/>
+                        </a:rPr>
+                        <m:t>_</m:t>
+                      </m:r>
+                      <m:r>
+                        <a:rPr lang="en-US" i="1">
+                          <a:latin typeface="Cambria Math" panose="02040503050406030204" pitchFamily="18" charset="0"/>
+                        </a:rPr>
+                        <m:t>𝑜𝑢𝑡</m:t>
+                      </m:r>
+                      <m:r>
+                        <a:rPr lang="en-US" i="1">
+                          <a:latin typeface="Cambria Math" panose="02040503050406030204" pitchFamily="18" charset="0"/>
+                        </a:rPr>
+                        <m:t>=</m:t>
+                      </m:r>
+                      <m:sSub>
+                        <m:sSubPr>
+                          <m:ctrlPr>
+                            <a:rPr lang="en-US" b="0" i="1" smtClean="0">
+                              <a:latin typeface="Cambria Math" panose="02040503050406030204" pitchFamily="18" charset="0"/>
+                            </a:rPr>
+                          </m:ctrlPr>
+                        </m:sSubPr>
+                        <m:e>
+                          <m:r>
+                            <a:rPr lang="en-US" i="1">
+                              <a:latin typeface="Cambria Math" panose="02040503050406030204" pitchFamily="18" charset="0"/>
+                            </a:rPr>
+                            <m:t>𝑇</m:t>
+                          </m:r>
+                        </m:e>
+                        <m:sub>
+                          <m:r>
+                            <a:rPr lang="en-US" b="0" i="1" smtClean="0">
+                              <a:latin typeface="Cambria Math" panose="02040503050406030204" pitchFamily="18" charset="0"/>
+                            </a:rPr>
+                            <m:t>𝑡</m:t>
+                          </m:r>
+                        </m:sub>
+                      </m:sSub>
+                      <m:r>
+                        <a:rPr lang="en-US" i="1">
+                          <a:latin typeface="Cambria Math" panose="02040503050406030204" pitchFamily="18" charset="0"/>
+                        </a:rPr>
+                        <m:t>)</m:t>
+                      </m:r>
+                    </m:oMath>
+                  </m:oMathPara>
+                </a14:m>
+                <a:endParaRPr lang="en-US" dirty="0"/>
+              </a:p>
+              <a:p>
+                <a:endParaRPr lang="en-US" dirty="0"/>
+              </a:p>
+            </p:txBody>
+          </p:sp>
+        </mc:Choice>
+        <mc:Fallback>
+          <p:sp>
+            <p:nvSpPr>
+              <p:cNvPr id="7" name="TextBox 6"/>
+              <p:cNvSpPr txBox="1">
+                <a:spLocks noRot="1" noChangeAspect="1" noMove="1" noResize="1" noEditPoints="1" noAdjustHandles="1" noChangeArrowheads="1" noChangeShapeType="1" noTextEdit="1"/>
+              </p:cNvSpPr>
+              <p:nvPr/>
+            </p:nvSpPr>
+            <p:spPr>
+              <a:xfrm>
+                <a:off x="3967582" y="1450153"/>
+                <a:ext cx="3457293" cy="1200329"/>
+              </a:xfrm>
+              <a:prstGeom prst="rect">
+                <a:avLst/>
+              </a:prstGeom>
+              <a:blipFill>
+                <a:blip r:embed="rId4"/>
+                <a:stretch>
+                  <a:fillRect t="-3046"/>
+                </a:stretch>
+              </a:blipFill>
+            </p:spPr>
+            <p:txBody>
+              <a:bodyPr/>
+              <a:lstStyle/>
+              <a:p>
+                <a:r>
+                  <a:rPr lang="en-US">
+                    <a:noFill/>
+                  </a:rPr>
+                  <a:t> </a:t>
+                </a:r>
+              </a:p>
+            </p:txBody>
+          </p:sp>
+        </mc:Fallback>
+      </mc:AlternateContent>
+      <mc:AlternateContent xmlns:mc="http://schemas.openxmlformats.org/markup-compatibility/2006">
+        <mc:Choice xmlns:a14="http://schemas.microsoft.com/office/drawing/2010/main" Requires="a14">
+          <p:sp>
+            <p:nvSpPr>
+              <p:cNvPr id="8" name="TextBox 7"/>
+              <p:cNvSpPr txBox="1"/>
+              <p:nvPr/>
+            </p:nvSpPr>
+            <p:spPr>
+              <a:xfrm>
+                <a:off x="2862695" y="2814283"/>
+                <a:ext cx="1068306" cy="369332"/>
+              </a:xfrm>
+              <a:prstGeom prst="rect">
+                <a:avLst/>
+              </a:prstGeom>
+              <a:noFill/>
+            </p:spPr>
+            <p:txBody>
+              <a:bodyPr wrap="none" rtlCol="0">
+                <a:spAutoFit/>
+              </a:bodyPr>
+              <a:lstStyle/>
+              <a:p>
+                <a:pPr/>
+                <a14:m>
+                  <m:oMathPara xmlns:m="http://schemas.openxmlformats.org/officeDocument/2006/math">
+                    <m:oMathParaPr>
+                      <m:jc m:val="centerGroup"/>
+                    </m:oMathParaPr>
+                    <m:oMath xmlns:m="http://schemas.openxmlformats.org/officeDocument/2006/math">
+                      <m:r>
+                        <a:rPr lang="en-US" i="1" smtClean="0">
+                          <a:latin typeface="Cambria Math" panose="02040503050406030204" pitchFamily="18" charset="0"/>
+                        </a:rPr>
+                        <m:t>𝑡𝑒𝑚𝑝</m:t>
+                      </m:r>
+                      <m:r>
+                        <a:rPr lang="en-US" i="1" smtClean="0">
+                          <a:latin typeface="Cambria Math" panose="02040503050406030204" pitchFamily="18" charset="0"/>
+                        </a:rPr>
+                        <m:t>_</m:t>
+                      </m:r>
+                      <m:r>
+                        <a:rPr lang="en-US" b="0" i="1" smtClean="0">
+                          <a:latin typeface="Cambria Math" panose="02040503050406030204" pitchFamily="18" charset="0"/>
+                        </a:rPr>
+                        <m:t>𝑖𝑛</m:t>
+                      </m:r>
+                    </m:oMath>
+                  </m:oMathPara>
+                </a14:m>
+                <a:endParaRPr lang="en-US" dirty="0">
+                  <a:latin typeface="Times New Roman" panose="02020603050405020304" pitchFamily="18" charset="0"/>
+                  <a:cs typeface="Times New Roman" panose="02020603050405020304" pitchFamily="18" charset="0"/>
+                </a:endParaRPr>
+              </a:p>
+            </p:txBody>
+          </p:sp>
+        </mc:Choice>
+        <mc:Fallback>
+          <p:sp>
+            <p:nvSpPr>
+              <p:cNvPr id="8" name="TextBox 7"/>
+              <p:cNvSpPr txBox="1">
+                <a:spLocks noRot="1" noChangeAspect="1" noMove="1" noResize="1" noEditPoints="1" noAdjustHandles="1" noChangeArrowheads="1" noChangeShapeType="1" noTextEdit="1"/>
+              </p:cNvSpPr>
+              <p:nvPr/>
+            </p:nvSpPr>
+            <p:spPr>
+              <a:xfrm>
+                <a:off x="2862695" y="2814283"/>
+                <a:ext cx="1068306" cy="369332"/>
+              </a:xfrm>
+              <a:prstGeom prst="rect">
+                <a:avLst/>
+              </a:prstGeom>
+              <a:blipFill>
+                <a:blip r:embed="rId5"/>
+                <a:stretch>
+                  <a:fillRect b="-13333"/>
+                </a:stretch>
+              </a:blipFill>
+            </p:spPr>
+            <p:txBody>
+              <a:bodyPr/>
+              <a:lstStyle/>
+              <a:p>
+                <a:r>
+                  <a:rPr lang="en-US">
+                    <a:noFill/>
+                  </a:rPr>
+                  <a:t> </a:t>
+                </a:r>
+              </a:p>
+            </p:txBody>
+          </p:sp>
+        </mc:Fallback>
+      </mc:AlternateContent>
+      <mc:AlternateContent xmlns:mc="http://schemas.openxmlformats.org/markup-compatibility/2006" xmlns:a14="http://schemas.microsoft.com/office/drawing/2010/main">
+        <mc:Choice Requires="a14">
+          <p:sp>
+            <p:nvSpPr>
+              <p:cNvPr id="21" name="TextBox 20"/>
+              <p:cNvSpPr txBox="1"/>
+              <p:nvPr/>
+            </p:nvSpPr>
+            <p:spPr>
+              <a:xfrm>
+                <a:off x="7291552" y="2413831"/>
+                <a:ext cx="1332801" cy="369332"/>
+              </a:xfrm>
+              <a:prstGeom prst="rect">
+                <a:avLst/>
+              </a:prstGeom>
+              <a:noFill/>
+            </p:spPr>
+            <p:txBody>
+              <a:bodyPr wrap="none" rtlCol="0">
+                <a:spAutoFit/>
+              </a:bodyPr>
+              <a:lstStyle/>
+              <a:p>
+                <a:pPr/>
+                <a14:m>
+                  <m:oMathPara xmlns:m="http://schemas.openxmlformats.org/officeDocument/2006/math">
+                    <m:oMathParaPr>
+                      <m:jc m:val="centerGroup"/>
+                    </m:oMathParaPr>
+                    <m:oMath xmlns:m="http://schemas.openxmlformats.org/officeDocument/2006/math">
+                      <m:r>
+                        <a:rPr lang="en-US" i="1">
+                          <a:latin typeface="Cambria Math" panose="02040503050406030204" pitchFamily="18" charset="0"/>
+                        </a:rPr>
+                        <m:t>𝑡𝑒𝑚𝑝</m:t>
+                      </m:r>
+                      <m:r>
+                        <a:rPr lang="en-US" i="1">
+                          <a:latin typeface="Cambria Math" panose="02040503050406030204" pitchFamily="18" charset="0"/>
+                        </a:rPr>
+                        <m:t>_</m:t>
+                      </m:r>
+                      <m:r>
+                        <a:rPr lang="en-US" i="1">
+                          <a:latin typeface="Cambria Math" panose="02040503050406030204" pitchFamily="18" charset="0"/>
+                        </a:rPr>
+                        <m:t>h𝑖𝑔h</m:t>
+                      </m:r>
+                    </m:oMath>
+                  </m:oMathPara>
+                </a14:m>
+                <a:endParaRPr lang="en-US" dirty="0">
+                  <a:latin typeface="Times New Roman" panose="02020603050405020304" pitchFamily="18" charset="0"/>
+                  <a:cs typeface="Times New Roman" panose="02020603050405020304" pitchFamily="18" charset="0"/>
+                </a:endParaRPr>
+              </a:p>
+            </p:txBody>
+          </p:sp>
+        </mc:Choice>
+        <mc:Fallback xmlns="">
+          <p:sp>
+            <p:nvSpPr>
+              <p:cNvPr id="21" name="TextBox 20"/>
+              <p:cNvSpPr txBox="1">
+                <a:spLocks noRot="1" noChangeAspect="1" noMove="1" noResize="1" noEditPoints="1" noAdjustHandles="1" noChangeArrowheads="1" noChangeShapeType="1" noTextEdit="1"/>
+              </p:cNvSpPr>
+              <p:nvPr/>
+            </p:nvSpPr>
+            <p:spPr>
+              <a:xfrm>
+                <a:off x="7291552" y="2413831"/>
+                <a:ext cx="1332801" cy="369332"/>
+              </a:xfrm>
+              <a:prstGeom prst="rect">
+                <a:avLst/>
+              </a:prstGeom>
+              <a:blipFill>
+                <a:blip r:embed="rId6"/>
+                <a:stretch>
+                  <a:fillRect b="-13115"/>
+                </a:stretch>
+              </a:blipFill>
+            </p:spPr>
+            <p:txBody>
+              <a:bodyPr/>
+              <a:lstStyle/>
+              <a:p>
+                <a:r>
+                  <a:rPr lang="en-US">
+                    <a:noFill/>
+                  </a:rPr>
+                  <a:t> </a:t>
+                </a:r>
+              </a:p>
+            </p:txBody>
+          </p:sp>
+        </mc:Fallback>
+      </mc:AlternateContent>
+      <mc:AlternateContent xmlns:mc="http://schemas.openxmlformats.org/markup-compatibility/2006" xmlns:a14="http://schemas.microsoft.com/office/drawing/2010/main">
+        <mc:Choice Requires="a14">
+          <p:sp>
+            <p:nvSpPr>
+              <p:cNvPr id="24" name="TextBox 23"/>
+              <p:cNvSpPr txBox="1"/>
+              <p:nvPr/>
+            </p:nvSpPr>
+            <p:spPr>
+              <a:xfrm>
+                <a:off x="7291552" y="3247387"/>
+                <a:ext cx="1246175" cy="369332"/>
+              </a:xfrm>
+              <a:prstGeom prst="rect">
+                <a:avLst/>
+              </a:prstGeom>
+              <a:noFill/>
+            </p:spPr>
+            <p:txBody>
+              <a:bodyPr wrap="none" rtlCol="0">
+                <a:spAutoFit/>
+              </a:bodyPr>
+              <a:lstStyle/>
+              <a:p>
+                <a:pPr/>
+                <a14:m>
+                  <m:oMathPara xmlns:m="http://schemas.openxmlformats.org/officeDocument/2006/math">
+                    <m:oMathParaPr>
+                      <m:jc m:val="centerGroup"/>
+                    </m:oMathParaPr>
+                    <m:oMath xmlns:m="http://schemas.openxmlformats.org/officeDocument/2006/math">
+                      <m:r>
+                        <a:rPr lang="en-US" i="1">
+                          <a:latin typeface="Cambria Math" panose="02040503050406030204" pitchFamily="18" charset="0"/>
+                        </a:rPr>
+                        <m:t>𝑡𝑒𝑚𝑝</m:t>
+                      </m:r>
+                      <m:r>
+                        <a:rPr lang="en-US" i="1">
+                          <a:latin typeface="Cambria Math" panose="02040503050406030204" pitchFamily="18" charset="0"/>
+                        </a:rPr>
+                        <m:t>_</m:t>
+                      </m:r>
+                      <m:r>
+                        <a:rPr lang="en-US" i="1">
+                          <a:latin typeface="Cambria Math" panose="02040503050406030204" pitchFamily="18" charset="0"/>
+                        </a:rPr>
+                        <m:t>𝑜𝑢𝑡</m:t>
+                      </m:r>
+                    </m:oMath>
+                  </m:oMathPara>
+                </a14:m>
+                <a:endParaRPr lang="en-US" dirty="0">
+                  <a:latin typeface="Times New Roman" panose="02020603050405020304" pitchFamily="18" charset="0"/>
+                  <a:cs typeface="Times New Roman" panose="02020603050405020304" pitchFamily="18" charset="0"/>
+                </a:endParaRPr>
+              </a:p>
+            </p:txBody>
+          </p:sp>
+        </mc:Choice>
+        <mc:Fallback xmlns="">
+          <p:sp>
+            <p:nvSpPr>
+              <p:cNvPr id="24" name="TextBox 23"/>
+              <p:cNvSpPr txBox="1">
+                <a:spLocks noRot="1" noChangeAspect="1" noMove="1" noResize="1" noEditPoints="1" noAdjustHandles="1" noChangeArrowheads="1" noChangeShapeType="1" noTextEdit="1"/>
+              </p:cNvSpPr>
+              <p:nvPr/>
+            </p:nvSpPr>
+            <p:spPr>
+              <a:xfrm>
+                <a:off x="7291552" y="3247387"/>
+                <a:ext cx="1246175" cy="369332"/>
+              </a:xfrm>
+              <a:prstGeom prst="rect">
+                <a:avLst/>
+              </a:prstGeom>
+              <a:blipFill>
+                <a:blip r:embed="rId7"/>
+                <a:stretch>
+                  <a:fillRect b="-13333"/>
+                </a:stretch>
+              </a:blipFill>
+            </p:spPr>
+            <p:txBody>
+              <a:bodyPr/>
+              <a:lstStyle/>
+              <a:p>
+                <a:r>
+                  <a:rPr lang="en-US">
+                    <a:noFill/>
+                  </a:rPr>
+                  <a:t> </a:t>
+                </a:r>
+              </a:p>
+            </p:txBody>
+          </p:sp>
+        </mc:Fallback>
+      </mc:AlternateContent>
+      <p:sp>
+        <p:nvSpPr>
+          <p:cNvPr id="9" name="Right Arrow 8"/>
+          <p:cNvSpPr/>
+          <p:nvPr/>
+        </p:nvSpPr>
+        <p:spPr>
+          <a:xfrm>
+            <a:off x="1414733" y="2909486"/>
+            <a:ext cx="293298" cy="178926"/>
+          </a:xfrm>
+          <a:prstGeom prst="rightArrow">
+            <a:avLst/>
+          </a:prstGeom>
+          <a:solidFill>
+            <a:schemeClr val="tx1"/>
+          </a:solidFill>
+        </p:spPr>
+        <p:style>
+          <a:lnRef idx="2">
+            <a:schemeClr val="accent1">
+              <a:shade val="50000"/>
+            </a:schemeClr>
+          </a:lnRef>
+          <a:fillRef idx="1">
+            <a:schemeClr val="accent1"/>
+          </a:fillRef>
+          <a:effectRef idx="0">
+            <a:schemeClr val="accent1"/>
+          </a:effectRef>
+          <a:fontRef idx="minor">
+            <a:schemeClr val="lt1"/>
+          </a:fontRef>
+        </p:style>
+        <p:txBody>
+          <a:bodyPr rtlCol="0" anchor="ctr"/>
+          <a:lstStyle/>
+          <a:p>
+            <a:pPr algn="ctr"/>
+            <a:endParaRPr lang="en-US"/>
+          </a:p>
+        </p:txBody>
+      </p:sp>
+      <p:sp>
+        <p:nvSpPr>
+          <p:cNvPr id="27" name="Right Arrow 26"/>
+          <p:cNvSpPr/>
+          <p:nvPr/>
+        </p:nvSpPr>
+        <p:spPr>
+          <a:xfrm>
+            <a:off x="8511847" y="3339719"/>
+            <a:ext cx="1279134" cy="188485"/>
+          </a:xfrm>
+          <a:prstGeom prst="rightArrow">
+            <a:avLst/>
+          </a:prstGeom>
+          <a:solidFill>
+            <a:schemeClr val="tx1"/>
+          </a:solidFill>
+        </p:spPr>
+        <p:style>
+          <a:lnRef idx="2">
+            <a:schemeClr val="accent1">
+              <a:shade val="50000"/>
+            </a:schemeClr>
+          </a:lnRef>
+          <a:fillRef idx="1">
+            <a:schemeClr val="accent1"/>
+          </a:fillRef>
+          <a:effectRef idx="0">
+            <a:schemeClr val="accent1"/>
+          </a:effectRef>
+          <a:fontRef idx="minor">
+            <a:schemeClr val="lt1"/>
+          </a:fontRef>
+        </p:style>
+        <p:txBody>
+          <a:bodyPr rtlCol="0" anchor="ctr"/>
+          <a:lstStyle/>
+          <a:p>
+            <a:pPr algn="ctr"/>
+            <a:endParaRPr lang="en-US"/>
+          </a:p>
+        </p:txBody>
+      </p:sp>
+      <p:sp>
+        <p:nvSpPr>
+          <p:cNvPr id="28" name="Right Arrow 27"/>
+          <p:cNvSpPr/>
+          <p:nvPr/>
+        </p:nvSpPr>
+        <p:spPr>
+          <a:xfrm>
+            <a:off x="8534626" y="2510286"/>
+            <a:ext cx="1256355" cy="198407"/>
+          </a:xfrm>
+          <a:prstGeom prst="rightArrow">
+            <a:avLst/>
+          </a:prstGeom>
+          <a:solidFill>
+            <a:schemeClr val="tx1"/>
+          </a:solidFill>
+        </p:spPr>
+        <p:style>
+          <a:lnRef idx="2">
+            <a:schemeClr val="accent1">
+              <a:shade val="50000"/>
+            </a:schemeClr>
+          </a:lnRef>
+          <a:fillRef idx="1">
+            <a:schemeClr val="accent1"/>
+          </a:fillRef>
+          <a:effectRef idx="0">
+            <a:schemeClr val="accent1"/>
+          </a:effectRef>
+          <a:fontRef idx="minor">
+            <a:schemeClr val="lt1"/>
+          </a:fontRef>
+        </p:style>
+        <p:txBody>
+          <a:bodyPr rtlCol="0" anchor="ctr"/>
+          <a:lstStyle/>
+          <a:p>
+            <a:pPr algn="ctr"/>
+            <a:endParaRPr lang="en-US"/>
+          </a:p>
+        </p:txBody>
+      </p:sp>
+      <p:sp>
+        <p:nvSpPr>
+          <p:cNvPr id="30" name="Right Arrow 29"/>
+          <p:cNvSpPr/>
+          <p:nvPr/>
+        </p:nvSpPr>
+        <p:spPr>
+          <a:xfrm>
+            <a:off x="2486762" y="2919820"/>
+            <a:ext cx="293298" cy="178926"/>
+          </a:xfrm>
+          <a:prstGeom prst="rightArrow">
+            <a:avLst/>
+          </a:prstGeom>
+          <a:solidFill>
+            <a:schemeClr val="tx1"/>
+          </a:solidFill>
+        </p:spPr>
+        <p:style>
+          <a:lnRef idx="2">
+            <a:schemeClr val="accent1">
+              <a:shade val="50000"/>
+            </a:schemeClr>
+          </a:lnRef>
+          <a:fillRef idx="1">
+            <a:schemeClr val="accent1"/>
+          </a:fillRef>
+          <a:effectRef idx="0">
+            <a:schemeClr val="accent1"/>
+          </a:effectRef>
+          <a:fontRef idx="minor">
+            <a:schemeClr val="lt1"/>
+          </a:fontRef>
+        </p:style>
+        <p:txBody>
+          <a:bodyPr rtlCol="0" anchor="ctr"/>
+          <a:lstStyle/>
+          <a:p>
+            <a:pPr algn="ctr"/>
+            <a:endParaRPr lang="en-US"/>
+          </a:p>
+        </p:txBody>
+      </p:sp>
+      <p:sp>
+        <p:nvSpPr>
+          <p:cNvPr id="31" name="Oval 30"/>
+          <p:cNvSpPr/>
+          <p:nvPr/>
+        </p:nvSpPr>
+        <p:spPr>
+          <a:xfrm>
+            <a:off x="6710131" y="3251591"/>
+            <a:ext cx="514473" cy="385963"/>
+          </a:xfrm>
+          <a:prstGeom prst="ellipse">
+            <a:avLst/>
+          </a:prstGeom>
+          <a:solidFill>
+            <a:srgbClr val="C00000"/>
+          </a:solidFill>
+        </p:spPr>
+        <p:style>
+          <a:lnRef idx="2">
+            <a:schemeClr val="accent1">
+              <a:shade val="50000"/>
+            </a:schemeClr>
+          </a:lnRef>
+          <a:fillRef idx="1">
+            <a:schemeClr val="accent1"/>
+          </a:fillRef>
+          <a:effectRef idx="0">
+            <a:schemeClr val="accent1"/>
+          </a:effectRef>
+          <a:fontRef idx="minor">
+            <a:schemeClr val="lt1"/>
+          </a:fontRef>
+        </p:style>
+        <p:txBody>
+          <a:bodyPr rtlCol="0" anchor="ctr"/>
+          <a:lstStyle/>
+          <a:p>
+            <a:pPr algn="ctr"/>
+            <a:r>
+              <a:rPr lang="en-US" sz="1600" dirty="0"/>
+              <a:t>f2</a:t>
+            </a:r>
+          </a:p>
+        </p:txBody>
+      </p:sp>
+      <p:sp>
+        <p:nvSpPr>
+          <p:cNvPr id="16" name="Rectangle 15">
+            <a:extLst>
+              <a:ext uri="{FF2B5EF4-FFF2-40B4-BE49-F238E27FC236}">
+                <a16:creationId xmlns:a16="http://schemas.microsoft.com/office/drawing/2014/main" id="{F90FC9DA-7FB5-4463-8217-75A11C719394}"/>
+              </a:ext>
+            </a:extLst>
+          </p:cNvPr>
+          <p:cNvSpPr/>
+          <p:nvPr/>
+        </p:nvSpPr>
+        <p:spPr>
+          <a:xfrm>
+            <a:off x="3894712" y="2346692"/>
+            <a:ext cx="3444516" cy="2311935"/>
+          </a:xfrm>
+          <a:prstGeom prst="rect">
+            <a:avLst/>
+          </a:prstGeom>
+          <a:noFill/>
+          <a:ln>
+            <a:solidFill>
+              <a:schemeClr val="tx1"/>
+            </a:solidFill>
+          </a:ln>
+        </p:spPr>
+        <p:style>
+          <a:lnRef idx="2">
+            <a:schemeClr val="accent1">
+              <a:shade val="50000"/>
+            </a:schemeClr>
+          </a:lnRef>
+          <a:fillRef idx="1">
+            <a:schemeClr val="accent1"/>
+          </a:fillRef>
+          <a:effectRef idx="0">
+            <a:schemeClr val="accent1"/>
+          </a:effectRef>
+          <a:fontRef idx="minor">
+            <a:schemeClr val="lt1"/>
+          </a:fontRef>
+        </p:style>
+        <p:txBody>
+          <a:bodyPr rtlCol="0" anchor="ctr"/>
+          <a:lstStyle/>
+          <a:p>
+            <a:pPr algn="ctr"/>
+            <a:endParaRPr lang="en-US"/>
+          </a:p>
+        </p:txBody>
+      </p:sp>
+      <p:sp>
+        <p:nvSpPr>
+          <p:cNvPr id="17" name="Right Arrow 29">
+            <a:extLst>
+              <a:ext uri="{FF2B5EF4-FFF2-40B4-BE49-F238E27FC236}">
+                <a16:creationId xmlns:a16="http://schemas.microsoft.com/office/drawing/2014/main" id="{CD1CF6FF-2C32-4F5B-AE91-D010B55DA5E2}"/>
+              </a:ext>
+            </a:extLst>
+          </p:cNvPr>
+          <p:cNvSpPr/>
+          <p:nvPr/>
+        </p:nvSpPr>
+        <p:spPr>
+          <a:xfrm>
+            <a:off x="3905439" y="2947295"/>
+            <a:ext cx="293298" cy="178926"/>
+          </a:xfrm>
+          <a:prstGeom prst="rightArrow">
+            <a:avLst/>
+          </a:prstGeom>
+          <a:solidFill>
+            <a:schemeClr val="tx1"/>
+          </a:solidFill>
+        </p:spPr>
+        <p:style>
+          <a:lnRef idx="2">
+            <a:schemeClr val="accent1">
+              <a:shade val="50000"/>
+            </a:schemeClr>
+          </a:lnRef>
+          <a:fillRef idx="1">
+            <a:schemeClr val="accent1"/>
+          </a:fillRef>
+          <a:effectRef idx="0">
+            <a:schemeClr val="accent1"/>
+          </a:effectRef>
+          <a:fontRef idx="minor">
+            <a:schemeClr val="lt1"/>
+          </a:fontRef>
+        </p:style>
+        <p:txBody>
+          <a:bodyPr rtlCol="0" anchor="ctr"/>
+          <a:lstStyle/>
+          <a:p>
+            <a:pPr algn="ctr"/>
+            <a:endParaRPr lang="en-US"/>
+          </a:p>
+        </p:txBody>
+      </p:sp>
+      <p:sp>
+        <p:nvSpPr>
+          <p:cNvPr id="18" name="Right Arrow 29">
+            <a:extLst>
+              <a:ext uri="{FF2B5EF4-FFF2-40B4-BE49-F238E27FC236}">
+                <a16:creationId xmlns:a16="http://schemas.microsoft.com/office/drawing/2014/main" id="{02C53C95-2E30-45CC-8D33-188C0012DD04}"/>
+              </a:ext>
+            </a:extLst>
+          </p:cNvPr>
+          <p:cNvSpPr/>
+          <p:nvPr/>
+        </p:nvSpPr>
+        <p:spPr>
+          <a:xfrm>
+            <a:off x="7045931" y="3349278"/>
+            <a:ext cx="293298" cy="178926"/>
+          </a:xfrm>
+          <a:prstGeom prst="rightArrow">
+            <a:avLst/>
+          </a:prstGeom>
+          <a:solidFill>
+            <a:schemeClr val="tx1"/>
+          </a:solidFill>
+        </p:spPr>
+        <p:style>
+          <a:lnRef idx="2">
+            <a:schemeClr val="accent1">
+              <a:shade val="50000"/>
+            </a:schemeClr>
+          </a:lnRef>
+          <a:fillRef idx="1">
+            <a:schemeClr val="accent1"/>
+          </a:fillRef>
+          <a:effectRef idx="0">
+            <a:schemeClr val="accent1"/>
+          </a:effectRef>
+          <a:fontRef idx="minor">
+            <a:schemeClr val="lt1"/>
+          </a:fontRef>
+        </p:style>
+        <p:txBody>
+          <a:bodyPr rtlCol="0" anchor="ctr"/>
+          <a:lstStyle/>
+          <a:p>
+            <a:pPr algn="ctr"/>
+            <a:endParaRPr lang="en-US"/>
+          </a:p>
+        </p:txBody>
+      </p:sp>
+      <mc:AlternateContent xmlns:mc="http://schemas.openxmlformats.org/markup-compatibility/2006">
+        <mc:Choice xmlns:a14="http://schemas.microsoft.com/office/drawing/2010/main" Requires="a14">
+          <p:sp>
+            <p:nvSpPr>
+              <p:cNvPr id="20" name="TextBox 19">
+                <a:extLst>
+                  <a:ext uri="{FF2B5EF4-FFF2-40B4-BE49-F238E27FC236}">
+                    <a16:creationId xmlns:a16="http://schemas.microsoft.com/office/drawing/2014/main" id="{6E76C1FF-16C3-4512-A872-6841D02BE60C}"/>
+                  </a:ext>
+                </a:extLst>
+              </p:cNvPr>
+              <p:cNvSpPr txBox="1"/>
+              <p:nvPr/>
+            </p:nvSpPr>
+            <p:spPr>
+              <a:xfrm>
+                <a:off x="4007497" y="2413831"/>
+                <a:ext cx="3375476" cy="2308324"/>
+              </a:xfrm>
+              <a:prstGeom prst="rect">
+                <a:avLst/>
+              </a:prstGeom>
+              <a:noFill/>
+            </p:spPr>
+            <p:txBody>
+              <a:bodyPr wrap="none" rtlCol="0">
+                <a:spAutoFit/>
+              </a:bodyPr>
+              <a:lstStyle/>
+              <a:p>
+                <a:pPr algn="ctr"/>
+                <a:r>
+                  <a:rPr lang="en-US" u="sng" dirty="0">
+                    <a:latin typeface="Times New Roman" panose="02020603050405020304" pitchFamily="18" charset="0"/>
+                    <a:cs typeface="Times New Roman" panose="02020603050405020304" pitchFamily="18" charset="0"/>
+                  </a:rPr>
+                  <a:t>Sensor Contract:</a:t>
+                </a:r>
+              </a:p>
+              <a:p>
+                <a:pPr algn="ctr"/>
+                <a:endParaRPr lang="en-US" u="sng" dirty="0">
+                  <a:latin typeface="Times New Roman" panose="02020603050405020304" pitchFamily="18" charset="0"/>
+                  <a:cs typeface="Times New Roman" panose="02020603050405020304" pitchFamily="18" charset="0"/>
+                </a:endParaRPr>
+              </a:p>
+              <a:p>
+                <a:pPr algn="ctr"/>
+                <a:endParaRPr lang="en-US" u="sng" dirty="0">
+                  <a:latin typeface="Times New Roman" panose="02020603050405020304" pitchFamily="18" charset="0"/>
+                  <a:cs typeface="Times New Roman" panose="02020603050405020304" pitchFamily="18" charset="0"/>
+                </a:endParaRPr>
+              </a:p>
+              <a:p>
+                <a:pPr algn="ctr"/>
+                <a:endParaRPr lang="en-US" u="sng">
+                  <a:latin typeface="Times New Roman" panose="02020603050405020304" pitchFamily="18" charset="0"/>
+                  <a:cs typeface="Times New Roman" panose="02020603050405020304" pitchFamily="18" charset="0"/>
+                </a:endParaRPr>
+              </a:p>
+              <a:p>
+                <a:pPr algn="ctr"/>
+                <a:endParaRPr lang="en-US" u="sng" dirty="0">
+                  <a:latin typeface="Times New Roman" panose="02020603050405020304" pitchFamily="18" charset="0"/>
+                  <a:cs typeface="Times New Roman" panose="02020603050405020304" pitchFamily="18" charset="0"/>
+                </a:endParaRPr>
+              </a:p>
+              <a:p>
+                <a:pPr algn="ctr"/>
+                <a:r>
+                  <a:rPr lang="en-US" dirty="0">
+                    <a:latin typeface="Times New Roman" panose="02020603050405020304" pitchFamily="18" charset="0"/>
+                    <a:cs typeface="Times New Roman" panose="02020603050405020304" pitchFamily="18" charset="0"/>
+                  </a:rPr>
+                  <a:t> </a:t>
+                </a:r>
+                <a14:m>
+                  <m:oMath xmlns:m="http://schemas.openxmlformats.org/officeDocument/2006/math">
+                    <m:sSub>
+                      <m:sSubPr>
+                        <m:ctrlPr>
+                          <a:rPr lang="en-US" i="1">
+                            <a:latin typeface="Cambria Math" panose="02040503050406030204" pitchFamily="18" charset="0"/>
+                          </a:rPr>
+                        </m:ctrlPr>
+                      </m:sSubPr>
+                      <m:e>
+                        <m:r>
+                          <a:rPr lang="en-US" i="1">
+                            <a:latin typeface="Cambria Math" panose="02040503050406030204" pitchFamily="18" charset="0"/>
+                          </a:rPr>
+                          <m:t>𝑔</m:t>
+                        </m:r>
+                      </m:e>
+                      <m:sub>
+                        <m:r>
+                          <a:rPr lang="en-US" b="0" i="1" smtClean="0">
+                            <a:latin typeface="Cambria Math" panose="02040503050406030204" pitchFamily="18" charset="0"/>
+                          </a:rPr>
+                          <m:t>𝑎</m:t>
+                        </m:r>
+                        <m:r>
+                          <a:rPr lang="en-US" b="0" i="1" smtClean="0">
+                            <a:latin typeface="Cambria Math" panose="02040503050406030204" pitchFamily="18" charset="0"/>
+                          </a:rPr>
+                          <m:t>1</m:t>
+                        </m:r>
+                      </m:sub>
+                    </m:sSub>
+                    <m:r>
+                      <a:rPr lang="en-US" i="1">
+                        <a:latin typeface="Cambria Math" panose="02040503050406030204" pitchFamily="18" charset="0"/>
+                      </a:rPr>
+                      <m:t>=</m:t>
+                    </m:r>
+                    <m:d>
+                      <m:dPr>
+                        <m:ctrlPr>
+                          <a:rPr lang="en-US" i="1">
+                            <a:latin typeface="Cambria Math" panose="02040503050406030204" pitchFamily="18" charset="0"/>
+                          </a:rPr>
+                        </m:ctrlPr>
+                      </m:dPr>
+                      <m:e>
+                        <m:sSub>
+                          <m:sSubPr>
+                            <m:ctrlPr>
+                              <a:rPr lang="en-US" b="0" i="1" smtClean="0">
+                                <a:latin typeface="Cambria Math" panose="02040503050406030204" pitchFamily="18" charset="0"/>
+                              </a:rPr>
+                            </m:ctrlPr>
+                          </m:sSubPr>
+                          <m:e>
+                            <m:r>
+                              <a:rPr lang="en-US" i="1">
+                                <a:latin typeface="Cambria Math" panose="02040503050406030204" pitchFamily="18" charset="0"/>
+                              </a:rPr>
+                              <m:t>𝑇</m:t>
+                            </m:r>
+                          </m:e>
+                          <m:sub>
+                            <m:r>
+                              <a:rPr lang="en-US" b="0" i="1" smtClean="0">
+                                <a:latin typeface="Cambria Math" panose="02040503050406030204" pitchFamily="18" charset="0"/>
+                              </a:rPr>
+                              <m:t>𝑡</m:t>
+                            </m:r>
+                          </m:sub>
+                        </m:sSub>
+                        <m:r>
+                          <a:rPr lang="en-US" i="1">
+                            <a:latin typeface="Cambria Math" panose="02040503050406030204" pitchFamily="18" charset="0"/>
+                          </a:rPr>
+                          <m:t>≥90⇒</m:t>
+                        </m:r>
+                        <m:r>
+                          <a:rPr lang="en-US" i="1">
+                            <a:latin typeface="Cambria Math" panose="02040503050406030204" pitchFamily="18" charset="0"/>
+                          </a:rPr>
+                          <m:t>𝑡𝑒𝑚𝑝</m:t>
+                        </m:r>
+                        <m:r>
+                          <a:rPr lang="en-US" i="1">
+                            <a:latin typeface="Cambria Math" panose="02040503050406030204" pitchFamily="18" charset="0"/>
+                          </a:rPr>
+                          <m:t>_</m:t>
+                        </m:r>
+                        <m:r>
+                          <a:rPr lang="en-US" i="1">
+                            <a:latin typeface="Cambria Math" panose="02040503050406030204" pitchFamily="18" charset="0"/>
+                          </a:rPr>
+                          <m:t>h𝑖𝑔h</m:t>
+                        </m:r>
+                      </m:e>
+                    </m:d>
+                  </m:oMath>
+                </a14:m>
+                <a:endParaRPr lang="en-US" i="1" dirty="0">
+                  <a:latin typeface="Cambria Math" panose="02040503050406030204" pitchFamily="18" charset="0"/>
+                </a:endParaRPr>
+              </a:p>
+              <a:p>
+                <a:pPr algn="ctr"/>
+                <a14:m>
+                  <m:oMathPara xmlns:m="http://schemas.openxmlformats.org/officeDocument/2006/math">
+                    <m:oMathParaPr>
+                      <m:jc m:val="centerGroup"/>
+                    </m:oMathParaPr>
+                    <m:oMath xmlns:m="http://schemas.openxmlformats.org/officeDocument/2006/math">
+                      <m:sSub>
+                        <m:sSubPr>
+                          <m:ctrlPr>
+                            <a:rPr lang="en-US" b="0" i="1" smtClean="0">
+                              <a:latin typeface="Cambria Math" panose="02040503050406030204" pitchFamily="18" charset="0"/>
+                            </a:rPr>
+                          </m:ctrlPr>
+                        </m:sSubPr>
+                        <m:e>
+                          <m:r>
+                            <a:rPr lang="en-US" b="0" i="1" smtClean="0">
+                              <a:latin typeface="Cambria Math" panose="02040503050406030204" pitchFamily="18" charset="0"/>
+                            </a:rPr>
+                            <m:t>𝑔</m:t>
+                          </m:r>
+                        </m:e>
+                        <m:sub>
+                          <m:r>
+                            <a:rPr lang="en-US" b="0" i="1" smtClean="0">
+                              <a:latin typeface="Cambria Math" panose="02040503050406030204" pitchFamily="18" charset="0"/>
+                            </a:rPr>
+                            <m:t>𝑎</m:t>
+                          </m:r>
+                          <m:r>
+                            <a:rPr lang="en-US" b="0" i="1" smtClean="0">
+                              <a:latin typeface="Cambria Math" panose="02040503050406030204" pitchFamily="18" charset="0"/>
+                            </a:rPr>
+                            <m:t>2</m:t>
+                          </m:r>
+                        </m:sub>
+                      </m:sSub>
+                      <m:r>
+                        <a:rPr lang="en-US" b="0" i="1" smtClean="0">
+                          <a:latin typeface="Cambria Math" panose="02040503050406030204" pitchFamily="18" charset="0"/>
+                        </a:rPr>
+                        <m:t>=</m:t>
+                      </m:r>
+                      <m:r>
+                        <a:rPr lang="en-US" i="1">
+                          <a:latin typeface="Cambria Math" panose="02040503050406030204" pitchFamily="18" charset="0"/>
+                        </a:rPr>
+                        <m:t>(</m:t>
+                      </m:r>
+                      <m:r>
+                        <a:rPr lang="en-US" i="1">
+                          <a:latin typeface="Cambria Math" panose="02040503050406030204" pitchFamily="18" charset="0"/>
+                        </a:rPr>
+                        <m:t>𝑡𝑒𝑚𝑝</m:t>
+                      </m:r>
+                      <m:r>
+                        <a:rPr lang="en-US" i="1">
+                          <a:latin typeface="Cambria Math" panose="02040503050406030204" pitchFamily="18" charset="0"/>
+                        </a:rPr>
+                        <m:t>_</m:t>
+                      </m:r>
+                      <m:r>
+                        <a:rPr lang="en-US" i="1">
+                          <a:latin typeface="Cambria Math" panose="02040503050406030204" pitchFamily="18" charset="0"/>
+                        </a:rPr>
+                        <m:t>𝑜𝑢𝑡</m:t>
+                      </m:r>
+                      <m:r>
+                        <a:rPr lang="en-US" i="1">
+                          <a:latin typeface="Cambria Math" panose="02040503050406030204" pitchFamily="18" charset="0"/>
+                        </a:rPr>
+                        <m:t>=</m:t>
+                      </m:r>
+                      <m:sSub>
+                        <m:sSubPr>
+                          <m:ctrlPr>
+                            <a:rPr lang="en-US" b="0" i="1" smtClean="0">
+                              <a:latin typeface="Cambria Math" panose="02040503050406030204" pitchFamily="18" charset="0"/>
+                            </a:rPr>
+                          </m:ctrlPr>
+                        </m:sSubPr>
+                        <m:e>
+                          <m:r>
+                            <a:rPr lang="en-US" i="1">
+                              <a:latin typeface="Cambria Math" panose="02040503050406030204" pitchFamily="18" charset="0"/>
+                            </a:rPr>
+                            <m:t>𝑇</m:t>
+                          </m:r>
+                        </m:e>
+                        <m:sub>
+                          <m:r>
+                            <a:rPr lang="en-US" b="0" i="1" smtClean="0">
+                              <a:latin typeface="Cambria Math" panose="02040503050406030204" pitchFamily="18" charset="0"/>
+                            </a:rPr>
+                            <m:t>𝑡</m:t>
+                          </m:r>
+                        </m:sub>
+                      </m:sSub>
+                      <m:r>
+                        <a:rPr lang="en-US" i="1">
+                          <a:latin typeface="Cambria Math" panose="02040503050406030204" pitchFamily="18" charset="0"/>
+                        </a:rPr>
+                        <m:t>)</m:t>
+                      </m:r>
+                    </m:oMath>
+                  </m:oMathPara>
+                </a14:m>
+                <a:endParaRPr lang="en-US" dirty="0"/>
+              </a:p>
+              <a:p>
+                <a:endParaRPr lang="en-US" dirty="0"/>
+              </a:p>
+            </p:txBody>
+          </p:sp>
+        </mc:Choice>
+        <mc:Fallback>
+          <p:sp>
+            <p:nvSpPr>
+              <p:cNvPr id="20" name="TextBox 19">
+                <a:extLst>
+                  <a:ext uri="{FF2B5EF4-FFF2-40B4-BE49-F238E27FC236}">
+                    <a16:creationId xmlns:a16="http://schemas.microsoft.com/office/drawing/2014/main" id="{6E76C1FF-16C3-4512-A872-6841D02BE60C}"/>
+                  </a:ext>
+                </a:extLst>
+              </p:cNvPr>
+              <p:cNvSpPr txBox="1">
+                <a:spLocks noRot="1" noChangeAspect="1" noMove="1" noResize="1" noEditPoints="1" noAdjustHandles="1" noChangeArrowheads="1" noChangeShapeType="1" noTextEdit="1"/>
+              </p:cNvSpPr>
+              <p:nvPr/>
+            </p:nvSpPr>
+            <p:spPr>
+              <a:xfrm>
+                <a:off x="4007497" y="2413831"/>
+                <a:ext cx="3375476" cy="2308324"/>
+              </a:xfrm>
+              <a:prstGeom prst="rect">
+                <a:avLst/>
+              </a:prstGeom>
+              <a:blipFill>
+                <a:blip r:embed="rId8"/>
+                <a:stretch>
+                  <a:fillRect t="-1583"/>
+                </a:stretch>
+              </a:blipFill>
+            </p:spPr>
+            <p:txBody>
+              <a:bodyPr/>
+              <a:lstStyle/>
+              <a:p>
+                <a:r>
+                  <a:rPr lang="en-US">
+                    <a:noFill/>
+                  </a:rPr>
+                  <a:t> </a:t>
+                </a:r>
+              </a:p>
+            </p:txBody>
+          </p:sp>
+        </mc:Fallback>
+      </mc:AlternateContent>
+      <p:sp>
+        <p:nvSpPr>
+          <p:cNvPr id="22" name="Oval 21">
+            <a:extLst>
+              <a:ext uri="{FF2B5EF4-FFF2-40B4-BE49-F238E27FC236}">
+                <a16:creationId xmlns:a16="http://schemas.microsoft.com/office/drawing/2014/main" id="{F9F5E60F-3F7C-45D4-9880-0B89CF4EABF7}"/>
+              </a:ext>
+            </a:extLst>
+          </p:cNvPr>
+          <p:cNvSpPr/>
+          <p:nvPr/>
+        </p:nvSpPr>
+        <p:spPr>
+          <a:xfrm>
+            <a:off x="6666027" y="2430246"/>
+            <a:ext cx="514473" cy="385963"/>
+          </a:xfrm>
+          <a:prstGeom prst="ellipse">
+            <a:avLst/>
+          </a:prstGeom>
+          <a:solidFill>
+            <a:srgbClr val="C00000"/>
+          </a:solidFill>
+        </p:spPr>
+        <p:style>
+          <a:lnRef idx="2">
+            <a:schemeClr val="accent1">
+              <a:shade val="50000"/>
+            </a:schemeClr>
+          </a:lnRef>
+          <a:fillRef idx="1">
+            <a:schemeClr val="accent1"/>
+          </a:fillRef>
+          <a:effectRef idx="0">
+            <a:schemeClr val="accent1"/>
+          </a:effectRef>
+          <a:fontRef idx="minor">
+            <a:schemeClr val="lt1"/>
+          </a:fontRef>
+        </p:style>
+        <p:txBody>
+          <a:bodyPr rtlCol="0" anchor="ctr"/>
+          <a:lstStyle/>
+          <a:p>
+            <a:pPr algn="ctr"/>
+            <a:r>
+              <a:rPr lang="en-US" sz="1600" dirty="0"/>
+              <a:t>f1</a:t>
+            </a:r>
+          </a:p>
+        </p:txBody>
+      </p:sp>
+      <p:sp>
+        <p:nvSpPr>
+          <p:cNvPr id="19" name="Right Arrow 29">
+            <a:extLst>
+              <a:ext uri="{FF2B5EF4-FFF2-40B4-BE49-F238E27FC236}">
+                <a16:creationId xmlns:a16="http://schemas.microsoft.com/office/drawing/2014/main" id="{DD60B6FF-D5C0-4A0E-BDA4-69669579E08B}"/>
+              </a:ext>
+            </a:extLst>
+          </p:cNvPr>
+          <p:cNvSpPr/>
+          <p:nvPr/>
+        </p:nvSpPr>
+        <p:spPr>
+          <a:xfrm>
+            <a:off x="7033851" y="2544224"/>
+            <a:ext cx="293298" cy="178926"/>
+          </a:xfrm>
+          <a:prstGeom prst="rightArrow">
+            <a:avLst/>
+          </a:prstGeom>
+          <a:solidFill>
+            <a:schemeClr val="tx1"/>
+          </a:solidFill>
+        </p:spPr>
+        <p:style>
+          <a:lnRef idx="2">
+            <a:schemeClr val="accent1">
+              <a:shade val="50000"/>
+            </a:schemeClr>
+          </a:lnRef>
+          <a:fillRef idx="1">
+            <a:schemeClr val="accent1"/>
+          </a:fillRef>
+          <a:effectRef idx="0">
+            <a:schemeClr val="accent1"/>
+          </a:effectRef>
+          <a:fontRef idx="minor">
+            <a:schemeClr val="lt1"/>
+          </a:fontRef>
+        </p:style>
+        <p:txBody>
+          <a:bodyPr rtlCol="0" anchor="ctr"/>
+          <a:lstStyle/>
+          <a:p>
+            <a:pPr algn="ctr"/>
+            <a:endParaRPr lang="en-US"/>
+          </a:p>
+        </p:txBody>
+      </p:sp>
+    </p:spTree>
+    <p:extLst>
+      <p:ext uri="{BB962C8B-B14F-4D97-AF65-F5344CB8AC3E}">
+        <p14:creationId xmlns:p14="http://schemas.microsoft.com/office/powerpoint/2010/main" val="1340984424"/>
+      </p:ext>
+    </p:extLst>
+  </p:cSld>
+  <p:clrMapOvr>
+    <a:masterClrMapping/>
+  </p:clrMapOvr>
+</p:sld>
+</file>
+
+<file path=ppt/slides/slide4.xml><?xml version="1.0" encoding="utf-8"?>
+<p:sld xmlns:a="http://schemas.openxmlformats.org/drawingml/2006/main" xmlns:r="http://schemas.openxmlformats.org/officeDocument/2006/relationships" xmlns:p="http://schemas.openxmlformats.org/presentationml/2006/main">
+  <p:cSld>
+    <p:spTree>
+      <p:nvGrpSpPr>
+        <p:cNvPr id="1" name=""/>
+        <p:cNvGrpSpPr/>
+        <p:nvPr/>
+      </p:nvGrpSpPr>
+      <p:grpSpPr>
+        <a:xfrm>
+          <a:off x="0" y="0"/>
+          <a:ext cx="0" cy="0"/>
+          <a:chOff x="0" y="0"/>
+          <a:chExt cx="0" cy="0"/>
+        </a:xfrm>
+      </p:grpSpPr>
+      <p:sp>
+        <p:nvSpPr>
+          <p:cNvPr id="2" name="Rectangle 1"/>
+          <p:cNvSpPr/>
+          <p:nvPr/>
+        </p:nvSpPr>
+        <p:spPr>
+          <a:xfrm>
+            <a:off x="1708030" y="508958"/>
             <a:ext cx="8082951" cy="3502325"/>
           </a:xfrm>
           <a:prstGeom prst="rect">
@@ -4063,8 +7653,8 @@
           </a:p>
         </p:txBody>
       </p:sp>
-      <mc:AlternateContent xmlns:mc="http://schemas.openxmlformats.org/markup-compatibility/2006">
-        <mc:Choice xmlns:a14="http://schemas.microsoft.com/office/drawing/2010/main" Requires="a14">
+      <mc:AlternateContent xmlns:mc="http://schemas.openxmlformats.org/markup-compatibility/2006" xmlns:a14="http://schemas.microsoft.com/office/drawing/2010/main">
+        <mc:Choice Requires="a14">
           <p:sp>
             <p:nvSpPr>
               <p:cNvPr id="3" name="TextBox 2"/>
@@ -4088,18 +7678,11 @@
               <a:lstStyle/>
               <a:p>
                 <a:r>
-                  <a:rPr lang="en-US" u="sng" dirty="0" smtClean="0">
-                    <a:latin typeface="Times New Roman" panose="02020603050405020304" pitchFamily="18" charset="0"/>
-                    <a:cs typeface="Times New Roman" panose="02020603050405020304" pitchFamily="18" charset="0"/>
-                  </a:rPr>
-                  <a:t>System Safety </a:t>
-                </a:r>
-                <a:r>
                   <a:rPr lang="en-US" u="sng" dirty="0">
                     <a:latin typeface="Times New Roman" panose="02020603050405020304" pitchFamily="18" charset="0"/>
                     <a:cs typeface="Times New Roman" panose="02020603050405020304" pitchFamily="18" charset="0"/>
                   </a:rPr>
-                  <a:t>Property:</a:t>
+                  <a:t>System Safety Property:</a:t>
                 </a:r>
               </a:p>
               <a:p>
@@ -4218,7 +7801,7 @@
             </p:txBody>
           </p:sp>
         </mc:Choice>
-        <mc:Fallback>
+        <mc:Fallback xmlns="">
           <p:sp>
             <p:nvSpPr>
               <p:cNvPr id="3" name="TextBox 2"/>
@@ -4257,8 +7840,8 @@
           </p:sp>
         </mc:Fallback>
       </mc:AlternateContent>
-      <mc:AlternateContent xmlns:mc="http://schemas.openxmlformats.org/markup-compatibility/2006">
-        <mc:Choice xmlns:a14="http://schemas.microsoft.com/office/drawing/2010/main" Requires="a14">
+      <mc:AlternateContent xmlns:mc="http://schemas.openxmlformats.org/markup-compatibility/2006" xmlns:a14="http://schemas.microsoft.com/office/drawing/2010/main">
+        <mc:Choice Requires="a14">
           <p:sp>
             <p:nvSpPr>
               <p:cNvPr id="5" name="TextBox 4"/>
@@ -4329,7 +7912,7 @@
             </p:txBody>
           </p:sp>
         </mc:Choice>
-        <mc:Fallback>
+        <mc:Fallback xmlns="">
           <p:sp>
             <p:nvSpPr>
               <p:cNvPr id="5" name="TextBox 4"/>
@@ -4414,1207 +7997,8 @@
           </a:p>
         </p:txBody>
       </p:sp>
-      <mc:AlternateContent xmlns:mc="http://schemas.openxmlformats.org/markup-compatibility/2006">
-        <mc:Choice xmlns:a14="http://schemas.microsoft.com/office/drawing/2010/main" Requires="a14">
-          <p:sp>
-            <p:nvSpPr>
-              <p:cNvPr id="7" name="TextBox 6"/>
-              <p:cNvSpPr txBox="1"/>
-              <p:nvPr/>
-            </p:nvSpPr>
-            <p:spPr>
-              <a:xfrm>
-                <a:off x="3347049" y="1518254"/>
-                <a:ext cx="4955908" cy="923330"/>
-              </a:xfrm>
-              <a:prstGeom prst="rect">
-                <a:avLst/>
-              </a:prstGeom>
-              <a:noFill/>
-            </p:spPr>
-            <p:txBody>
-              <a:bodyPr wrap="none" rtlCol="0">
-                <a:spAutoFit/>
-              </a:bodyPr>
-              <a:lstStyle/>
-              <a:p>
-                <a:pPr algn="ctr"/>
-                <a:r>
-                  <a:rPr lang="en-US" u="sng" dirty="0" smtClean="0">
-                    <a:latin typeface="Times New Roman" panose="02020603050405020304" pitchFamily="18" charset="0"/>
-                    <a:cs typeface="Times New Roman" panose="02020603050405020304" pitchFamily="18" charset="0"/>
-                  </a:rPr>
-                  <a:t>Subsystem Contract:</a:t>
-                </a:r>
-                <a:endParaRPr lang="en-US" u="sng" dirty="0">
-                  <a:latin typeface="Times New Roman" panose="02020603050405020304" pitchFamily="18" charset="0"/>
-                  <a:cs typeface="Times New Roman" panose="02020603050405020304" pitchFamily="18" charset="0"/>
-                </a:endParaRPr>
-              </a:p>
-              <a:p>
-                <a:pPr algn="ctr"/>
-                <a:r>
-                  <a:rPr lang="en-US" dirty="0">
-                    <a:latin typeface="Times New Roman" panose="02020603050405020304" pitchFamily="18" charset="0"/>
-                    <a:cs typeface="Times New Roman" panose="02020603050405020304" pitchFamily="18" charset="0"/>
-                  </a:rPr>
-                  <a:t> </a:t>
-                </a:r>
-                <a14:m>
-                  <m:oMath xmlns:m="http://schemas.openxmlformats.org/officeDocument/2006/math">
-                    <m:sSub>
-                      <m:sSubPr>
-                        <m:ctrlPr>
-                          <a:rPr lang="en-US" i="1">
-                            <a:latin typeface="Cambria Math" panose="02040503050406030204" pitchFamily="18" charset="0"/>
-                          </a:rPr>
-                        </m:ctrlPr>
-                      </m:sSubPr>
-                      <m:e>
-                        <m:r>
-                          <a:rPr lang="en-US" i="1">
-                            <a:latin typeface="Cambria Math" panose="02040503050406030204" pitchFamily="18" charset="0"/>
-                          </a:rPr>
-                          <m:t>𝑔</m:t>
-                        </m:r>
-                      </m:e>
-                      <m:sub>
-                        <m:r>
-                          <a:rPr lang="en-US" i="1">
-                            <a:latin typeface="Cambria Math" panose="02040503050406030204" pitchFamily="18" charset="0"/>
-                          </a:rPr>
-                          <m:t>𝐴</m:t>
-                        </m:r>
-                      </m:sub>
-                    </m:sSub>
-                    <m:r>
-                      <a:rPr lang="en-US" i="1">
-                        <a:latin typeface="Cambria Math" panose="02040503050406030204" pitchFamily="18" charset="0"/>
-                      </a:rPr>
-                      <m:t>=</m:t>
-                    </m:r>
-                    <m:d>
-                      <m:dPr>
-                        <m:ctrlPr>
-                          <a:rPr lang="en-US" i="1">
-                            <a:latin typeface="Cambria Math" panose="02040503050406030204" pitchFamily="18" charset="0"/>
-                          </a:rPr>
-                        </m:ctrlPr>
-                      </m:dPr>
-                      <m:e>
-                        <m:r>
-                          <a:rPr lang="en-US" i="1">
-                            <a:latin typeface="Cambria Math" panose="02040503050406030204" pitchFamily="18" charset="0"/>
-                          </a:rPr>
-                          <m:t>𝑇</m:t>
-                        </m:r>
-                        <m:r>
-                          <a:rPr lang="en-US" i="1">
-                            <a:latin typeface="Cambria Math" panose="02040503050406030204" pitchFamily="18" charset="0"/>
-                          </a:rPr>
-                          <m:t>≥90⇒</m:t>
-                        </m:r>
-                        <m:r>
-                          <a:rPr lang="en-US" i="1">
-                            <a:latin typeface="Cambria Math" panose="02040503050406030204" pitchFamily="18" charset="0"/>
-                          </a:rPr>
-                          <m:t>𝑡𝑒𝑚𝑝</m:t>
-                        </m:r>
-                        <m:r>
-                          <a:rPr lang="en-US" i="1">
-                            <a:latin typeface="Cambria Math" panose="02040503050406030204" pitchFamily="18" charset="0"/>
-                          </a:rPr>
-                          <m:t>_</m:t>
-                        </m:r>
-                        <m:r>
-                          <a:rPr lang="en-US" i="1">
-                            <a:latin typeface="Cambria Math" panose="02040503050406030204" pitchFamily="18" charset="0"/>
-                          </a:rPr>
-                          <m:t>h𝑖𝑔h</m:t>
-                        </m:r>
-                      </m:e>
-                    </m:d>
-                    <m:r>
-                      <a:rPr lang="en-US" i="1">
-                        <a:latin typeface="Cambria Math" panose="02040503050406030204" pitchFamily="18" charset="0"/>
-                      </a:rPr>
-                      <m:t>∧(</m:t>
-                    </m:r>
-                    <m:r>
-                      <a:rPr lang="en-US" i="1">
-                        <a:latin typeface="Cambria Math" panose="02040503050406030204" pitchFamily="18" charset="0"/>
-                      </a:rPr>
-                      <m:t>𝑡𝑒𝑚𝑝</m:t>
-                    </m:r>
-                    <m:r>
-                      <a:rPr lang="en-US" i="1">
-                        <a:latin typeface="Cambria Math" panose="02040503050406030204" pitchFamily="18" charset="0"/>
-                      </a:rPr>
-                      <m:t>_</m:t>
-                    </m:r>
-                    <m:r>
-                      <a:rPr lang="en-US" i="1">
-                        <a:latin typeface="Cambria Math" panose="02040503050406030204" pitchFamily="18" charset="0"/>
-                      </a:rPr>
-                      <m:t>𝑜𝑢𝑡</m:t>
-                    </m:r>
-                    <m:r>
-                      <a:rPr lang="en-US" i="1">
-                        <a:latin typeface="Cambria Math" panose="02040503050406030204" pitchFamily="18" charset="0"/>
-                      </a:rPr>
-                      <m:t>=</m:t>
-                    </m:r>
-                    <m:r>
-                      <a:rPr lang="en-US" i="1">
-                        <a:latin typeface="Cambria Math" panose="02040503050406030204" pitchFamily="18" charset="0"/>
-                      </a:rPr>
-                      <m:t>𝑇</m:t>
-                    </m:r>
-                    <m:r>
-                      <a:rPr lang="en-US" i="1">
-                        <a:latin typeface="Cambria Math" panose="02040503050406030204" pitchFamily="18" charset="0"/>
-                      </a:rPr>
-                      <m:t>)</m:t>
-                    </m:r>
-                  </m:oMath>
-                </a14:m>
-                <a:endParaRPr lang="en-US" dirty="0"/>
-              </a:p>
-              <a:p>
-                <a:endParaRPr lang="en-US" dirty="0"/>
-              </a:p>
-            </p:txBody>
-          </p:sp>
-        </mc:Choice>
-        <mc:Fallback>
-          <p:sp>
-            <p:nvSpPr>
-              <p:cNvPr id="7" name="TextBox 6"/>
-              <p:cNvSpPr txBox="1">
-                <a:spLocks noRot="1" noChangeAspect="1" noMove="1" noResize="1" noEditPoints="1" noAdjustHandles="1" noChangeArrowheads="1" noChangeShapeType="1" noTextEdit="1"/>
-              </p:cNvSpPr>
-              <p:nvPr/>
-            </p:nvSpPr>
-            <p:spPr>
-              <a:xfrm>
-                <a:off x="3347049" y="1518254"/>
-                <a:ext cx="4955908" cy="923330"/>
-              </a:xfrm>
-              <a:prstGeom prst="rect">
-                <a:avLst/>
-              </a:prstGeom>
-              <a:blipFill>
-                <a:blip r:embed="rId4"/>
-                <a:stretch>
-                  <a:fillRect t="-3289"/>
-                </a:stretch>
-              </a:blipFill>
-            </p:spPr>
-            <p:txBody>
-              <a:bodyPr/>
-              <a:lstStyle/>
-              <a:p>
-                <a:r>
-                  <a:rPr lang="en-US">
-                    <a:noFill/>
-                  </a:rPr>
-                  <a:t> </a:t>
-                </a:r>
-              </a:p>
-            </p:txBody>
-          </p:sp>
-        </mc:Fallback>
-      </mc:AlternateContent>
-      <mc:AlternateContent xmlns:mc="http://schemas.openxmlformats.org/markup-compatibility/2006">
-        <mc:Choice xmlns:a14="http://schemas.microsoft.com/office/drawing/2010/main" Requires="a14">
-          <p:sp>
-            <p:nvSpPr>
-              <p:cNvPr id="8" name="TextBox 7"/>
-              <p:cNvSpPr txBox="1"/>
-              <p:nvPr/>
-            </p:nvSpPr>
-            <p:spPr>
-              <a:xfrm>
-                <a:off x="3344540" y="2783163"/>
-                <a:ext cx="1068306" cy="369332"/>
-              </a:xfrm>
-              <a:prstGeom prst="rect">
-                <a:avLst/>
-              </a:prstGeom>
-              <a:noFill/>
-            </p:spPr>
-            <p:txBody>
-              <a:bodyPr wrap="none" rtlCol="0">
-                <a:spAutoFit/>
-              </a:bodyPr>
-              <a:lstStyle/>
-              <a:p>
-                <a:pPr/>
-                <a14:m>
-                  <m:oMathPara xmlns:m="http://schemas.openxmlformats.org/officeDocument/2006/math">
-                    <m:oMathParaPr>
-                      <m:jc m:val="centerGroup"/>
-                    </m:oMathParaPr>
-                    <m:oMath xmlns:m="http://schemas.openxmlformats.org/officeDocument/2006/math">
-                      <m:r>
-                        <a:rPr lang="en-US" i="1" smtClean="0">
-                          <a:latin typeface="Cambria Math" panose="02040503050406030204" pitchFamily="18" charset="0"/>
-                        </a:rPr>
-                        <m:t>𝑡𝑒𝑚𝑝</m:t>
-                      </m:r>
-                      <m:r>
-                        <a:rPr lang="en-US" i="1" smtClean="0">
-                          <a:latin typeface="Cambria Math" panose="02040503050406030204" pitchFamily="18" charset="0"/>
-                        </a:rPr>
-                        <m:t>_</m:t>
-                      </m:r>
-                      <m:r>
-                        <a:rPr lang="en-US" b="0" i="1" smtClean="0">
-                          <a:latin typeface="Cambria Math" panose="02040503050406030204" pitchFamily="18" charset="0"/>
-                        </a:rPr>
-                        <m:t>𝑖𝑛</m:t>
-                      </m:r>
-                    </m:oMath>
-                  </m:oMathPara>
-                </a14:m>
-                <a:endParaRPr lang="en-US" dirty="0">
-                  <a:latin typeface="Times New Roman" panose="02020603050405020304" pitchFamily="18" charset="0"/>
-                  <a:cs typeface="Times New Roman" panose="02020603050405020304" pitchFamily="18" charset="0"/>
-                </a:endParaRPr>
-              </a:p>
-            </p:txBody>
-          </p:sp>
-        </mc:Choice>
-        <mc:Fallback>
-          <p:sp>
-            <p:nvSpPr>
-              <p:cNvPr id="8" name="TextBox 7"/>
-              <p:cNvSpPr txBox="1">
-                <a:spLocks noRot="1" noChangeAspect="1" noMove="1" noResize="1" noEditPoints="1" noAdjustHandles="1" noChangeArrowheads="1" noChangeShapeType="1" noTextEdit="1"/>
-              </p:cNvSpPr>
-              <p:nvPr/>
-            </p:nvSpPr>
-            <p:spPr>
-              <a:xfrm>
-                <a:off x="3344540" y="2783163"/>
-                <a:ext cx="1068306" cy="369332"/>
-              </a:xfrm>
-              <a:prstGeom prst="rect">
-                <a:avLst/>
-              </a:prstGeom>
-              <a:blipFill>
-                <a:blip r:embed="rId5"/>
-                <a:stretch>
-                  <a:fillRect b="-13333"/>
-                </a:stretch>
-              </a:blipFill>
-            </p:spPr>
-            <p:txBody>
-              <a:bodyPr/>
-              <a:lstStyle/>
-              <a:p>
-                <a:r>
-                  <a:rPr lang="en-US">
-                    <a:noFill/>
-                  </a:rPr>
-                  <a:t> </a:t>
-                </a:r>
-              </a:p>
-            </p:txBody>
-          </p:sp>
-        </mc:Fallback>
-      </mc:AlternateContent>
-      <mc:AlternateContent xmlns:mc="http://schemas.openxmlformats.org/markup-compatibility/2006">
-        <mc:Choice xmlns:a14="http://schemas.microsoft.com/office/drawing/2010/main" Requires="a14">
-          <p:sp>
-            <p:nvSpPr>
-              <p:cNvPr id="21" name="TextBox 20"/>
-              <p:cNvSpPr txBox="1"/>
-              <p:nvPr/>
-            </p:nvSpPr>
-            <p:spPr>
-              <a:xfrm>
-                <a:off x="7291552" y="2413831"/>
-                <a:ext cx="1332801" cy="369332"/>
-              </a:xfrm>
-              <a:prstGeom prst="rect">
-                <a:avLst/>
-              </a:prstGeom>
-              <a:noFill/>
-            </p:spPr>
-            <p:txBody>
-              <a:bodyPr wrap="none" rtlCol="0">
-                <a:spAutoFit/>
-              </a:bodyPr>
-              <a:lstStyle/>
-              <a:p>
-                <a14:m>
-                  <m:oMathPara xmlns:m="http://schemas.openxmlformats.org/officeDocument/2006/math">
-                    <m:oMathParaPr>
-                      <m:jc m:val="centerGroup"/>
-                    </m:oMathParaPr>
-                    <m:oMath xmlns:m="http://schemas.openxmlformats.org/officeDocument/2006/math">
-                      <m:r>
-                        <a:rPr lang="en-US" i="1">
-                          <a:latin typeface="Cambria Math" panose="02040503050406030204" pitchFamily="18" charset="0"/>
-                        </a:rPr>
-                        <m:t>𝑡𝑒𝑚𝑝</m:t>
-                      </m:r>
-                      <m:r>
-                        <a:rPr lang="en-US" i="1">
-                          <a:latin typeface="Cambria Math" panose="02040503050406030204" pitchFamily="18" charset="0"/>
-                        </a:rPr>
-                        <m:t>_</m:t>
-                      </m:r>
-                      <m:r>
-                        <a:rPr lang="en-US" i="1">
-                          <a:latin typeface="Cambria Math" panose="02040503050406030204" pitchFamily="18" charset="0"/>
-                        </a:rPr>
-                        <m:t>h𝑖𝑔h</m:t>
-                      </m:r>
-                    </m:oMath>
-                  </m:oMathPara>
-                </a14:m>
-                <a:endParaRPr lang="en-US" dirty="0">
-                  <a:latin typeface="Times New Roman" panose="02020603050405020304" pitchFamily="18" charset="0"/>
-                  <a:cs typeface="Times New Roman" panose="02020603050405020304" pitchFamily="18" charset="0"/>
-                </a:endParaRPr>
-              </a:p>
-            </p:txBody>
-          </p:sp>
-        </mc:Choice>
-        <mc:Fallback>
-          <p:sp>
-            <p:nvSpPr>
-              <p:cNvPr id="21" name="TextBox 20"/>
-              <p:cNvSpPr txBox="1">
-                <a:spLocks noRot="1" noChangeAspect="1" noMove="1" noResize="1" noEditPoints="1" noAdjustHandles="1" noChangeArrowheads="1" noChangeShapeType="1" noTextEdit="1"/>
-              </p:cNvSpPr>
-              <p:nvPr/>
-            </p:nvSpPr>
-            <p:spPr>
-              <a:xfrm>
-                <a:off x="7291552" y="2413831"/>
-                <a:ext cx="1332801" cy="369332"/>
-              </a:xfrm>
-              <a:prstGeom prst="rect">
-                <a:avLst/>
-              </a:prstGeom>
-              <a:blipFill>
-                <a:blip r:embed="rId6"/>
-                <a:stretch>
-                  <a:fillRect b="-13115"/>
-                </a:stretch>
-              </a:blipFill>
-            </p:spPr>
-            <p:txBody>
-              <a:bodyPr/>
-              <a:lstStyle/>
-              <a:p>
-                <a:r>
-                  <a:rPr lang="en-US">
-                    <a:noFill/>
-                  </a:rPr>
-                  <a:t> </a:t>
-                </a:r>
-              </a:p>
-            </p:txBody>
-          </p:sp>
-        </mc:Fallback>
-      </mc:AlternateContent>
-      <mc:AlternateContent xmlns:mc="http://schemas.openxmlformats.org/markup-compatibility/2006">
-        <mc:Choice xmlns:a14="http://schemas.microsoft.com/office/drawing/2010/main" Requires="a14">
-          <p:sp>
-            <p:nvSpPr>
-              <p:cNvPr id="24" name="TextBox 23"/>
-              <p:cNvSpPr txBox="1"/>
-              <p:nvPr/>
-            </p:nvSpPr>
-            <p:spPr>
-              <a:xfrm>
-                <a:off x="7291552" y="3247387"/>
-                <a:ext cx="1246175" cy="369332"/>
-              </a:xfrm>
-              <a:prstGeom prst="rect">
-                <a:avLst/>
-              </a:prstGeom>
-              <a:noFill/>
-            </p:spPr>
-            <p:txBody>
-              <a:bodyPr wrap="none" rtlCol="0">
-                <a:spAutoFit/>
-              </a:bodyPr>
-              <a:lstStyle/>
-              <a:p>
-                <a14:m>
-                  <m:oMathPara xmlns:m="http://schemas.openxmlformats.org/officeDocument/2006/math">
-                    <m:oMathParaPr>
-                      <m:jc m:val="centerGroup"/>
-                    </m:oMathParaPr>
-                    <m:oMath xmlns:m="http://schemas.openxmlformats.org/officeDocument/2006/math">
-                      <m:r>
-                        <a:rPr lang="en-US" i="1">
-                          <a:latin typeface="Cambria Math" panose="02040503050406030204" pitchFamily="18" charset="0"/>
-                        </a:rPr>
-                        <m:t>𝑡𝑒𝑚𝑝</m:t>
-                      </m:r>
-                      <m:r>
-                        <a:rPr lang="en-US" i="1">
-                          <a:latin typeface="Cambria Math" panose="02040503050406030204" pitchFamily="18" charset="0"/>
-                        </a:rPr>
-                        <m:t>_</m:t>
-                      </m:r>
-                      <m:r>
-                        <a:rPr lang="en-US" i="1">
-                          <a:latin typeface="Cambria Math" panose="02040503050406030204" pitchFamily="18" charset="0"/>
-                        </a:rPr>
-                        <m:t>𝑜𝑢𝑡</m:t>
-                      </m:r>
-                    </m:oMath>
-                  </m:oMathPara>
-                </a14:m>
-                <a:endParaRPr lang="en-US" dirty="0">
-                  <a:latin typeface="Times New Roman" panose="02020603050405020304" pitchFamily="18" charset="0"/>
-                  <a:cs typeface="Times New Roman" panose="02020603050405020304" pitchFamily="18" charset="0"/>
-                </a:endParaRPr>
-              </a:p>
-            </p:txBody>
-          </p:sp>
-        </mc:Choice>
-        <mc:Fallback>
-          <p:sp>
-            <p:nvSpPr>
-              <p:cNvPr id="24" name="TextBox 23"/>
-              <p:cNvSpPr txBox="1">
-                <a:spLocks noRot="1" noChangeAspect="1" noMove="1" noResize="1" noEditPoints="1" noAdjustHandles="1" noChangeArrowheads="1" noChangeShapeType="1" noTextEdit="1"/>
-              </p:cNvSpPr>
-              <p:nvPr/>
-            </p:nvSpPr>
-            <p:spPr>
-              <a:xfrm>
-                <a:off x="7291552" y="3247387"/>
-                <a:ext cx="1246175" cy="369332"/>
-              </a:xfrm>
-              <a:prstGeom prst="rect">
-                <a:avLst/>
-              </a:prstGeom>
-              <a:blipFill>
-                <a:blip r:embed="rId7"/>
-                <a:stretch>
-                  <a:fillRect b="-13333"/>
-                </a:stretch>
-              </a:blipFill>
-            </p:spPr>
-            <p:txBody>
-              <a:bodyPr/>
-              <a:lstStyle/>
-              <a:p>
-                <a:r>
-                  <a:rPr lang="en-US">
-                    <a:noFill/>
-                  </a:rPr>
-                  <a:t> </a:t>
-                </a:r>
-              </a:p>
-            </p:txBody>
-          </p:sp>
-        </mc:Fallback>
-      </mc:AlternateContent>
-      <p:sp>
-        <p:nvSpPr>
-          <p:cNvPr id="9" name="Right Arrow 8"/>
-          <p:cNvSpPr/>
-          <p:nvPr/>
-        </p:nvSpPr>
-        <p:spPr>
-          <a:xfrm>
-            <a:off x="1414733" y="2909486"/>
-            <a:ext cx="293298" cy="178926"/>
-          </a:xfrm>
-          <a:prstGeom prst="rightArrow">
-            <a:avLst/>
-          </a:prstGeom>
-          <a:solidFill>
-            <a:schemeClr val="tx1"/>
-          </a:solidFill>
-        </p:spPr>
-        <p:style>
-          <a:lnRef idx="2">
-            <a:schemeClr val="accent1">
-              <a:shade val="50000"/>
-            </a:schemeClr>
-          </a:lnRef>
-          <a:fillRef idx="1">
-            <a:schemeClr val="accent1"/>
-          </a:fillRef>
-          <a:effectRef idx="0">
-            <a:schemeClr val="accent1"/>
-          </a:effectRef>
-          <a:fontRef idx="minor">
-            <a:schemeClr val="lt1"/>
-          </a:fontRef>
-        </p:style>
-        <p:txBody>
-          <a:bodyPr rtlCol="0" anchor="ctr"/>
-          <a:lstStyle/>
-          <a:p>
-            <a:pPr algn="ctr"/>
-            <a:endParaRPr lang="en-US"/>
-          </a:p>
-        </p:txBody>
-      </p:sp>
-      <p:sp>
-        <p:nvSpPr>
-          <p:cNvPr id="27" name="Right Arrow 26"/>
-          <p:cNvSpPr/>
-          <p:nvPr/>
-        </p:nvSpPr>
-        <p:spPr>
-          <a:xfrm>
-            <a:off x="8511847" y="3339719"/>
-            <a:ext cx="1279134" cy="188485"/>
-          </a:xfrm>
-          <a:prstGeom prst="rightArrow">
-            <a:avLst/>
-          </a:prstGeom>
-          <a:solidFill>
-            <a:schemeClr val="tx1"/>
-          </a:solidFill>
-        </p:spPr>
-        <p:style>
-          <a:lnRef idx="2">
-            <a:schemeClr val="accent1">
-              <a:shade val="50000"/>
-            </a:schemeClr>
-          </a:lnRef>
-          <a:fillRef idx="1">
-            <a:schemeClr val="accent1"/>
-          </a:fillRef>
-          <a:effectRef idx="0">
-            <a:schemeClr val="accent1"/>
-          </a:effectRef>
-          <a:fontRef idx="minor">
-            <a:schemeClr val="lt1"/>
-          </a:fontRef>
-        </p:style>
-        <p:txBody>
-          <a:bodyPr rtlCol="0" anchor="ctr"/>
-          <a:lstStyle/>
-          <a:p>
-            <a:pPr algn="ctr"/>
-            <a:endParaRPr lang="en-US"/>
-          </a:p>
-        </p:txBody>
-      </p:sp>
-      <p:sp>
-        <p:nvSpPr>
-          <p:cNvPr id="28" name="Right Arrow 27"/>
-          <p:cNvSpPr/>
-          <p:nvPr/>
-        </p:nvSpPr>
-        <p:spPr>
-          <a:xfrm>
-            <a:off x="8534626" y="2510286"/>
-            <a:ext cx="1256355" cy="198407"/>
-          </a:xfrm>
-          <a:prstGeom prst="rightArrow">
-            <a:avLst/>
-          </a:prstGeom>
-          <a:solidFill>
-            <a:schemeClr val="tx1"/>
-          </a:solidFill>
-        </p:spPr>
-        <p:style>
-          <a:lnRef idx="2">
-            <a:schemeClr val="accent1">
-              <a:shade val="50000"/>
-            </a:schemeClr>
-          </a:lnRef>
-          <a:fillRef idx="1">
-            <a:schemeClr val="accent1"/>
-          </a:fillRef>
-          <a:effectRef idx="0">
-            <a:schemeClr val="accent1"/>
-          </a:effectRef>
-          <a:fontRef idx="minor">
-            <a:schemeClr val="lt1"/>
-          </a:fontRef>
-        </p:style>
-        <p:txBody>
-          <a:bodyPr rtlCol="0" anchor="ctr"/>
-          <a:lstStyle/>
-          <a:p>
-            <a:pPr algn="ctr"/>
-            <a:endParaRPr lang="en-US"/>
-          </a:p>
-        </p:txBody>
-      </p:sp>
-      <p:sp>
-        <p:nvSpPr>
-          <p:cNvPr id="30" name="Right Arrow 29"/>
-          <p:cNvSpPr/>
-          <p:nvPr/>
-        </p:nvSpPr>
-        <p:spPr>
-          <a:xfrm>
-            <a:off x="3051241" y="2909486"/>
-            <a:ext cx="293298" cy="178926"/>
-          </a:xfrm>
-          <a:prstGeom prst="rightArrow">
-            <a:avLst/>
-          </a:prstGeom>
-          <a:solidFill>
-            <a:schemeClr val="tx1"/>
-          </a:solidFill>
-        </p:spPr>
-        <p:style>
-          <a:lnRef idx="2">
-            <a:schemeClr val="accent1">
-              <a:shade val="50000"/>
-            </a:schemeClr>
-          </a:lnRef>
-          <a:fillRef idx="1">
-            <a:schemeClr val="accent1"/>
-          </a:fillRef>
-          <a:effectRef idx="0">
-            <a:schemeClr val="accent1"/>
-          </a:effectRef>
-          <a:fontRef idx="minor">
-            <a:schemeClr val="lt1"/>
-          </a:fontRef>
-        </p:style>
-        <p:txBody>
-          <a:bodyPr rtlCol="0" anchor="ctr"/>
-          <a:lstStyle/>
-          <a:p>
-            <a:pPr algn="ctr"/>
-            <a:endParaRPr lang="en-US"/>
-          </a:p>
-        </p:txBody>
-      </p:sp>
-      <p:sp>
-        <p:nvSpPr>
-          <p:cNvPr id="14" name="Oval 13"/>
-          <p:cNvSpPr/>
-          <p:nvPr/>
-        </p:nvSpPr>
-        <p:spPr>
-          <a:xfrm>
-            <a:off x="8735405" y="2286803"/>
-            <a:ext cx="633913" cy="566020"/>
-          </a:xfrm>
-          <a:prstGeom prst="ellipse">
-            <a:avLst/>
-          </a:prstGeom>
-          <a:solidFill>
-            <a:srgbClr val="C00000"/>
-          </a:solidFill>
-        </p:spPr>
-        <p:style>
-          <a:lnRef idx="2">
-            <a:schemeClr val="accent1">
-              <a:shade val="50000"/>
-            </a:schemeClr>
-          </a:lnRef>
-          <a:fillRef idx="1">
-            <a:schemeClr val="accent1"/>
-          </a:fillRef>
-          <a:effectRef idx="0">
-            <a:schemeClr val="accent1"/>
-          </a:effectRef>
-          <a:fontRef idx="minor">
-            <a:schemeClr val="lt1"/>
-          </a:fontRef>
-        </p:style>
-        <p:txBody>
-          <a:bodyPr rtlCol="0" anchor="ctr"/>
-          <a:lstStyle/>
-          <a:p>
-            <a:pPr algn="ctr"/>
-            <a:r>
-              <a:rPr lang="en-US" sz="1600" dirty="0" smtClean="0"/>
-              <a:t>f1</a:t>
-            </a:r>
-            <a:endParaRPr lang="en-US" sz="1600" dirty="0"/>
-          </a:p>
-        </p:txBody>
-      </p:sp>
-      <p:sp>
-        <p:nvSpPr>
-          <p:cNvPr id="31" name="Oval 30"/>
-          <p:cNvSpPr/>
-          <p:nvPr/>
-        </p:nvSpPr>
-        <p:spPr>
-          <a:xfrm>
-            <a:off x="8735405" y="3118149"/>
-            <a:ext cx="633913" cy="617092"/>
-          </a:xfrm>
-          <a:prstGeom prst="ellipse">
-            <a:avLst/>
-          </a:prstGeom>
-          <a:solidFill>
-            <a:srgbClr val="C00000"/>
-          </a:solidFill>
-        </p:spPr>
-        <p:style>
-          <a:lnRef idx="2">
-            <a:schemeClr val="accent1">
-              <a:shade val="50000"/>
-            </a:schemeClr>
-          </a:lnRef>
-          <a:fillRef idx="1">
-            <a:schemeClr val="accent1"/>
-          </a:fillRef>
-          <a:effectRef idx="0">
-            <a:schemeClr val="accent1"/>
-          </a:effectRef>
-          <a:fontRef idx="minor">
-            <a:schemeClr val="lt1"/>
-          </a:fontRef>
-        </p:style>
-        <p:txBody>
-          <a:bodyPr rtlCol="0" anchor="ctr"/>
-          <a:lstStyle/>
-          <a:p>
-            <a:pPr algn="ctr"/>
-            <a:r>
-              <a:rPr lang="en-US" sz="1600" dirty="0" smtClean="0"/>
-              <a:t>f2</a:t>
-            </a:r>
-            <a:endParaRPr lang="en-US" sz="1600" dirty="0"/>
-          </a:p>
-        </p:txBody>
-      </p:sp>
-    </p:spTree>
-    <p:extLst>
-      <p:ext uri="{BB962C8B-B14F-4D97-AF65-F5344CB8AC3E}">
-        <p14:creationId xmlns:p14="http://schemas.microsoft.com/office/powerpoint/2010/main" val="1930566809"/>
-      </p:ext>
-    </p:extLst>
-  </p:cSld>
-  <p:clrMapOvr>
-    <a:masterClrMapping/>
-  </p:clrMapOvr>
-</p:sld>
-</file>
-
-<file path=ppt/slides/slide3.xml><?xml version="1.0" encoding="utf-8"?>
-<p:sld xmlns:a="http://schemas.openxmlformats.org/drawingml/2006/main" xmlns:r="http://schemas.openxmlformats.org/officeDocument/2006/relationships" xmlns:p="http://schemas.openxmlformats.org/presentationml/2006/main">
-  <p:cSld>
-    <p:spTree>
-      <p:nvGrpSpPr>
-        <p:cNvPr id="1" name=""/>
-        <p:cNvGrpSpPr/>
-        <p:nvPr/>
-      </p:nvGrpSpPr>
-      <p:grpSpPr>
-        <a:xfrm>
-          <a:off x="0" y="0"/>
-          <a:ext cx="0" cy="0"/>
-          <a:chOff x="0" y="0"/>
-          <a:chExt cx="0" cy="0"/>
-        </a:xfrm>
-      </p:grpSpPr>
-      <p:sp>
-        <p:nvSpPr>
-          <p:cNvPr id="2" name="Rectangle 1"/>
-          <p:cNvSpPr/>
-          <p:nvPr/>
-        </p:nvSpPr>
-        <p:spPr>
-          <a:xfrm>
-            <a:off x="1708030" y="508958"/>
-            <a:ext cx="8082951" cy="3502325"/>
-          </a:xfrm>
-          <a:prstGeom prst="rect">
-            <a:avLst/>
-          </a:prstGeom>
-          <a:noFill/>
-          <a:ln>
-            <a:solidFill>
-              <a:schemeClr val="tx1"/>
-            </a:solidFill>
-          </a:ln>
-        </p:spPr>
-        <p:style>
-          <a:lnRef idx="2">
-            <a:schemeClr val="accent1">
-              <a:shade val="50000"/>
-            </a:schemeClr>
-          </a:lnRef>
-          <a:fillRef idx="1">
-            <a:schemeClr val="accent1"/>
-          </a:fillRef>
-          <a:effectRef idx="0">
-            <a:schemeClr val="accent1"/>
-          </a:effectRef>
-          <a:fontRef idx="minor">
-            <a:schemeClr val="lt1"/>
-          </a:fontRef>
-        </p:style>
-        <p:txBody>
-          <a:bodyPr rtlCol="0" anchor="ctr"/>
-          <a:lstStyle/>
-          <a:p>
-            <a:pPr algn="ctr"/>
-            <a:endParaRPr lang="en-US"/>
-          </a:p>
-        </p:txBody>
-      </p:sp>
-      <mc:AlternateContent xmlns:mc="http://schemas.openxmlformats.org/markup-compatibility/2006">
-        <mc:Choice xmlns:a14="http://schemas.microsoft.com/office/drawing/2010/main" Requires="a14">
-          <p:sp>
-            <p:nvSpPr>
-              <p:cNvPr id="3" name="TextBox 2"/>
-              <p:cNvSpPr txBox="1"/>
-              <p:nvPr/>
-            </p:nvSpPr>
-            <p:spPr>
-              <a:xfrm>
-                <a:off x="1820174" y="603850"/>
-                <a:ext cx="5475153" cy="923330"/>
-              </a:xfrm>
-              <a:prstGeom prst="rect">
-                <a:avLst/>
-              </a:prstGeom>
-              <a:noFill/>
-            </p:spPr>
-            <p:txBody>
-              <a:bodyPr wrap="none" rtlCol="0">
-                <a:spAutoFit/>
-              </a:bodyPr>
-              <a:lstStyle/>
-              <a:p>
-                <a:r>
-                  <a:rPr lang="en-US" u="sng" dirty="0" smtClean="0">
-                    <a:latin typeface="Times New Roman" panose="02020603050405020304" pitchFamily="18" charset="0"/>
-                    <a:cs typeface="Times New Roman" panose="02020603050405020304" pitchFamily="18" charset="0"/>
-                  </a:rPr>
-                  <a:t>System Safety </a:t>
-                </a:r>
-                <a:r>
-                  <a:rPr lang="en-US" u="sng" dirty="0">
-                    <a:latin typeface="Times New Roman" panose="02020603050405020304" pitchFamily="18" charset="0"/>
-                    <a:cs typeface="Times New Roman" panose="02020603050405020304" pitchFamily="18" charset="0"/>
-                  </a:rPr>
-                  <a:t>Property:</a:t>
-                </a:r>
-              </a:p>
-              <a:p>
-                <a:r>
-                  <a:rPr lang="en-US" dirty="0">
-                    <a:latin typeface="Times New Roman" panose="02020603050405020304" pitchFamily="18" charset="0"/>
-                    <a:cs typeface="Times New Roman" panose="02020603050405020304" pitchFamily="18" charset="0"/>
-                  </a:rPr>
-                  <a:t> </a:t>
-                </a:r>
-                <a14:m>
-                  <m:oMath xmlns:m="http://schemas.openxmlformats.org/officeDocument/2006/math">
-                    <m:r>
-                      <a:rPr lang="en-US" i="1">
-                        <a:latin typeface="Cambria Math" panose="02040503050406030204" pitchFamily="18" charset="0"/>
-                      </a:rPr>
-                      <m:t>𝑃</m:t>
-                    </m:r>
-                    <m:r>
-                      <a:rPr lang="en-US" i="1">
-                        <a:latin typeface="Cambria Math" panose="02040503050406030204" pitchFamily="18" charset="0"/>
-                      </a:rPr>
-                      <m:t>:</m:t>
-                    </m:r>
-                    <m:r>
-                      <a:rPr lang="en-US" i="1">
-                        <a:latin typeface="Cambria Math" panose="02040503050406030204" pitchFamily="18" charset="0"/>
-                      </a:rPr>
-                      <m:t>𝐼𝑓</m:t>
-                    </m:r>
-                    <m:r>
-                      <a:rPr lang="en-US" i="1">
-                        <a:latin typeface="Cambria Math" panose="02040503050406030204" pitchFamily="18" charset="0"/>
-                      </a:rPr>
-                      <m:t> </m:t>
-                    </m:r>
-                    <m:r>
-                      <a:rPr lang="en-US" i="1">
-                        <a:latin typeface="Cambria Math" panose="02040503050406030204" pitchFamily="18" charset="0"/>
-                      </a:rPr>
-                      <m:t>𝑒𝑛𝑣</m:t>
-                    </m:r>
-                    <m:r>
-                      <a:rPr lang="en-US" i="1">
-                        <a:latin typeface="Cambria Math" panose="02040503050406030204" pitchFamily="18" charset="0"/>
-                      </a:rPr>
-                      <m:t> </m:t>
-                    </m:r>
-                    <m:r>
-                      <a:rPr lang="en-US" i="1">
-                        <a:latin typeface="Cambria Math" panose="02040503050406030204" pitchFamily="18" charset="0"/>
-                      </a:rPr>
-                      <m:t>𝑡𝑒𝑚𝑝</m:t>
-                    </m:r>
-                    <m:r>
-                      <a:rPr lang="en-US" i="1">
-                        <a:latin typeface="Cambria Math" panose="02040503050406030204" pitchFamily="18" charset="0"/>
-                      </a:rPr>
-                      <m:t>≥90, </m:t>
-                    </m:r>
-                    <m:r>
-                      <a:rPr lang="en-US" i="1">
-                        <a:latin typeface="Cambria Math" panose="02040503050406030204" pitchFamily="18" charset="0"/>
-                      </a:rPr>
-                      <m:t>𝑠𝑢𝑏𝑠𝑦𝑠𝑡𝑒𝑚</m:t>
-                    </m:r>
-                    <m:r>
-                      <a:rPr lang="en-US" i="1">
-                        <a:latin typeface="Cambria Math" panose="02040503050406030204" pitchFamily="18" charset="0"/>
-                      </a:rPr>
-                      <m:t> </m:t>
-                    </m:r>
-                    <m:r>
-                      <a:rPr lang="en-US" i="1">
-                        <a:latin typeface="Cambria Math" panose="02040503050406030204" pitchFamily="18" charset="0"/>
-                      </a:rPr>
-                      <m:t>𝑟𝑒𝑝𝑜𝑟𝑡𝑠</m:t>
-                    </m:r>
-                    <m:r>
-                      <a:rPr lang="en-US" i="1">
-                        <a:latin typeface="Cambria Math" panose="02040503050406030204" pitchFamily="18" charset="0"/>
-                      </a:rPr>
-                      <m:t> </m:t>
-                    </m:r>
-                    <m:r>
-                      <a:rPr lang="en-US" i="1">
-                        <a:latin typeface="Cambria Math" panose="02040503050406030204" pitchFamily="18" charset="0"/>
-                      </a:rPr>
-                      <m:t>h𝑖𝑔h</m:t>
-                    </m:r>
-                    <m:r>
-                      <a:rPr lang="en-US" i="1">
-                        <a:latin typeface="Cambria Math" panose="02040503050406030204" pitchFamily="18" charset="0"/>
-                      </a:rPr>
-                      <m:t> </m:t>
-                    </m:r>
-                    <m:r>
-                      <a:rPr lang="en-US" i="1">
-                        <a:latin typeface="Cambria Math" panose="02040503050406030204" pitchFamily="18" charset="0"/>
-                      </a:rPr>
-                      <m:t>𝑡𝑒𝑚𝑝</m:t>
-                    </m:r>
-                    <m:r>
-                      <a:rPr lang="en-US" i="1">
-                        <a:latin typeface="Cambria Math" panose="02040503050406030204" pitchFamily="18" charset="0"/>
-                      </a:rPr>
-                      <m:t>.</m:t>
-                    </m:r>
-                  </m:oMath>
-                </a14:m>
-                <a:endParaRPr lang="en-US" dirty="0"/>
-              </a:p>
-              <a:p>
-                <a:endParaRPr lang="en-US" dirty="0"/>
-              </a:p>
-            </p:txBody>
-          </p:sp>
-        </mc:Choice>
-        <mc:Fallback>
-          <p:sp>
-            <p:nvSpPr>
-              <p:cNvPr id="3" name="TextBox 2"/>
-              <p:cNvSpPr txBox="1">
-                <a:spLocks noRot="1" noChangeAspect="1" noMove="1" noResize="1" noEditPoints="1" noAdjustHandles="1" noChangeArrowheads="1" noChangeShapeType="1" noTextEdit="1"/>
-              </p:cNvSpPr>
-              <p:nvPr/>
-            </p:nvSpPr>
-            <p:spPr>
-              <a:xfrm>
-                <a:off x="1820174" y="603850"/>
-                <a:ext cx="5475153" cy="923330"/>
-              </a:xfrm>
-              <a:prstGeom prst="rect">
-                <a:avLst/>
-              </a:prstGeom>
-              <a:blipFill>
-                <a:blip r:embed="rId2"/>
-                <a:stretch>
-                  <a:fillRect l="-1002" t="-3289"/>
-                </a:stretch>
-              </a:blipFill>
-            </p:spPr>
-            <p:txBody>
-              <a:bodyPr/>
-              <a:lstStyle/>
-              <a:p>
-                <a:r>
-                  <a:rPr lang="en-US">
-                    <a:noFill/>
-                  </a:rPr>
-                  <a:t> </a:t>
-                </a:r>
-              </a:p>
-            </p:txBody>
-          </p:sp>
-        </mc:Fallback>
-      </mc:AlternateContent>
-      <mc:AlternateContent xmlns:mc="http://schemas.openxmlformats.org/markup-compatibility/2006">
-        <mc:Choice xmlns:a14="http://schemas.microsoft.com/office/drawing/2010/main" Requires="a14">
-          <p:sp>
-            <p:nvSpPr>
-              <p:cNvPr id="5" name="TextBox 4"/>
-              <p:cNvSpPr txBox="1"/>
-              <p:nvPr/>
-            </p:nvSpPr>
-            <p:spPr>
-              <a:xfrm>
-                <a:off x="285771" y="2510286"/>
-                <a:ext cx="1531894" cy="369332"/>
-              </a:xfrm>
-              <a:prstGeom prst="rect">
-                <a:avLst/>
-              </a:prstGeom>
-              <a:noFill/>
-            </p:spPr>
-            <p:txBody>
-              <a:bodyPr wrap="none" rtlCol="0">
-                <a:spAutoFit/>
-              </a:bodyPr>
-              <a:lstStyle/>
-              <a:p>
-                <a:pPr/>
-                <a14:m>
-                  <m:oMathPara xmlns:m="http://schemas.openxmlformats.org/officeDocument/2006/math">
-                    <m:oMathParaPr>
-                      <m:jc m:val="centerGroup"/>
-                    </m:oMathParaPr>
-                    <m:oMath xmlns:m="http://schemas.openxmlformats.org/officeDocument/2006/math">
-                      <m:r>
-                        <a:rPr lang="en-US" b="0" i="1" smtClean="0">
-                          <a:latin typeface="Cambria Math" panose="02040503050406030204" pitchFamily="18" charset="0"/>
-                        </a:rPr>
-                        <m:t>𝑒𝑛𝑣</m:t>
-                      </m:r>
-                      <m:r>
-                        <a:rPr lang="en-US" b="0" i="1" smtClean="0">
-                          <a:latin typeface="Cambria Math" panose="02040503050406030204" pitchFamily="18" charset="0"/>
-                        </a:rPr>
-                        <m:t>_</m:t>
-                      </m:r>
-                      <m:r>
-                        <a:rPr lang="en-US" i="1" smtClean="0">
-                          <a:latin typeface="Cambria Math" panose="02040503050406030204" pitchFamily="18" charset="0"/>
-                        </a:rPr>
-                        <m:t>𝑡𝑒𝑚𝑝</m:t>
-                      </m:r>
-                      <m:r>
-                        <a:rPr lang="en-US" i="1" smtClean="0">
-                          <a:latin typeface="Cambria Math" panose="02040503050406030204" pitchFamily="18" charset="0"/>
-                        </a:rPr>
-                        <m:t>_</m:t>
-                      </m:r>
-                      <m:r>
-                        <a:rPr lang="en-US" b="0" i="1" smtClean="0">
-                          <a:latin typeface="Cambria Math" panose="02040503050406030204" pitchFamily="18" charset="0"/>
-                        </a:rPr>
-                        <m:t>𝑖𝑛</m:t>
-                      </m:r>
-                    </m:oMath>
-                  </m:oMathPara>
-                </a14:m>
-                <a:endParaRPr lang="en-US" dirty="0">
-                  <a:latin typeface="Times New Roman" panose="02020603050405020304" pitchFamily="18" charset="0"/>
-                  <a:cs typeface="Times New Roman" panose="02020603050405020304" pitchFamily="18" charset="0"/>
-                </a:endParaRPr>
-              </a:p>
-            </p:txBody>
-          </p:sp>
-        </mc:Choice>
-        <mc:Fallback>
-          <p:sp>
-            <p:nvSpPr>
-              <p:cNvPr id="5" name="TextBox 4"/>
-              <p:cNvSpPr txBox="1">
-                <a:spLocks noRot="1" noChangeAspect="1" noMove="1" noResize="1" noEditPoints="1" noAdjustHandles="1" noChangeArrowheads="1" noChangeShapeType="1" noTextEdit="1"/>
-              </p:cNvSpPr>
-              <p:nvPr/>
-            </p:nvSpPr>
-            <p:spPr>
-              <a:xfrm>
-                <a:off x="285771" y="2510286"/>
-                <a:ext cx="1531894" cy="369332"/>
-              </a:xfrm>
-              <a:prstGeom prst="rect">
-                <a:avLst/>
-              </a:prstGeom>
-              <a:blipFill>
-                <a:blip r:embed="rId3"/>
-                <a:stretch>
-                  <a:fillRect b="-13333"/>
-                </a:stretch>
-              </a:blipFill>
-            </p:spPr>
-            <p:txBody>
-              <a:bodyPr/>
-              <a:lstStyle/>
-              <a:p>
-                <a:r>
-                  <a:rPr lang="en-US">
-                    <a:noFill/>
-                  </a:rPr>
-                  <a:t> </a:t>
-                </a:r>
-              </a:p>
-            </p:txBody>
-          </p:sp>
-        </mc:Fallback>
-      </mc:AlternateContent>
-      <p:sp>
-        <p:nvSpPr>
-          <p:cNvPr id="6" name="Rectangle 5"/>
-          <p:cNvSpPr/>
-          <p:nvPr/>
-        </p:nvSpPr>
-        <p:spPr>
-          <a:xfrm>
-            <a:off x="3347049" y="1423362"/>
-            <a:ext cx="5210355" cy="2311879"/>
-          </a:xfrm>
-          <a:prstGeom prst="rect">
-            <a:avLst/>
-          </a:prstGeom>
-          <a:noFill/>
-          <a:ln>
-            <a:solidFill>
-              <a:schemeClr val="tx1"/>
-            </a:solidFill>
-          </a:ln>
-        </p:spPr>
-        <p:style>
-          <a:lnRef idx="2">
-            <a:schemeClr val="accent1">
-              <a:shade val="50000"/>
-            </a:schemeClr>
-          </a:lnRef>
-          <a:fillRef idx="1">
-            <a:schemeClr val="accent1"/>
-          </a:fillRef>
-          <a:effectRef idx="0">
-            <a:schemeClr val="accent1"/>
-          </a:effectRef>
-          <a:fontRef idx="minor">
-            <a:schemeClr val="lt1"/>
-          </a:fontRef>
-        </p:style>
-        <p:txBody>
-          <a:bodyPr rtlCol="0" anchor="ctr"/>
-          <a:lstStyle/>
-          <a:p>
-            <a:pPr algn="ctr"/>
-            <a:endParaRPr lang="en-US"/>
-          </a:p>
-        </p:txBody>
-      </p:sp>
-      <mc:AlternateContent xmlns:mc="http://schemas.openxmlformats.org/markup-compatibility/2006">
-        <mc:Choice xmlns:a14="http://schemas.microsoft.com/office/drawing/2010/main" Requires="a14">
+      <mc:AlternateContent xmlns:mc="http://schemas.openxmlformats.org/markup-compatibility/2006" xmlns:a14="http://schemas.microsoft.com/office/drawing/2010/main">
+        <mc:Choice Requires="a14">
           <p:sp>
             <p:nvSpPr>
               <p:cNvPr id="7" name="TextBox 6"/>
@@ -5639,16 +8023,12 @@
               <a:p>
                 <a:pPr algn="ctr"/>
                 <a:r>
-                  <a:rPr lang="en-US" u="sng" dirty="0" smtClean="0">
+                  <a:rPr lang="en-US" u="sng" dirty="0">
                     <a:latin typeface="Times New Roman" panose="02020603050405020304" pitchFamily="18" charset="0"/>
                     <a:cs typeface="Times New Roman" panose="02020603050405020304" pitchFamily="18" charset="0"/>
                   </a:rPr>
                   <a:t>Subsystem Contracts:</a:t>
                 </a:r>
-                <a:endParaRPr lang="en-US" u="sng" dirty="0">
-                  <a:latin typeface="Times New Roman" panose="02020603050405020304" pitchFamily="18" charset="0"/>
-                  <a:cs typeface="Times New Roman" panose="02020603050405020304" pitchFamily="18" charset="0"/>
-                </a:endParaRPr>
               </a:p>
               <a:p>
                 <a:pPr algn="ctr"/>
@@ -5738,6 +8118,7 @@
                 <a:endParaRPr lang="en-US" dirty="0"/>
               </a:p>
               <a:p>
+                <a:pPr/>
                 <a14:m>
                   <m:oMathPara xmlns:m="http://schemas.openxmlformats.org/officeDocument/2006/math">
                     <m:oMathParaPr>
@@ -5834,7 +8215,7 @@
             </p:txBody>
           </p:sp>
         </mc:Choice>
-        <mc:Fallback>
+        <mc:Fallback xmlns="">
           <p:sp>
             <p:nvSpPr>
               <p:cNvPr id="7" name="TextBox 6"/>
@@ -5873,8 +8254,8 @@
           </p:sp>
         </mc:Fallback>
       </mc:AlternateContent>
-      <mc:AlternateContent xmlns:mc="http://schemas.openxmlformats.org/markup-compatibility/2006">
-        <mc:Choice xmlns:a14="http://schemas.microsoft.com/office/drawing/2010/main" Requires="a14">
+      <mc:AlternateContent xmlns:mc="http://schemas.openxmlformats.org/markup-compatibility/2006" xmlns:a14="http://schemas.microsoft.com/office/drawing/2010/main">
+        <mc:Choice Requires="a14">
           <p:sp>
             <p:nvSpPr>
               <p:cNvPr id="8" name="TextBox 7"/>
@@ -5933,7 +8314,7 @@
             </p:txBody>
           </p:sp>
         </mc:Choice>
-        <mc:Fallback>
+        <mc:Fallback xmlns="">
           <p:sp>
             <p:nvSpPr>
               <p:cNvPr id="8" name="TextBox 7"/>
@@ -5972,8 +8353,8 @@
           </p:sp>
         </mc:Fallback>
       </mc:AlternateContent>
-      <mc:AlternateContent xmlns:mc="http://schemas.openxmlformats.org/markup-compatibility/2006">
-        <mc:Choice xmlns:a14="http://schemas.microsoft.com/office/drawing/2010/main" Requires="a14">
+      <mc:AlternateContent xmlns:mc="http://schemas.openxmlformats.org/markup-compatibility/2006" xmlns:a14="http://schemas.microsoft.com/office/drawing/2010/main">
+        <mc:Choice Requires="a14">
           <p:sp>
             <p:nvSpPr>
               <p:cNvPr id="21" name="TextBox 20"/>
@@ -5996,6 +8377,7 @@
               </a:bodyPr>
               <a:lstStyle/>
               <a:p>
+                <a:pPr/>
                 <a14:m>
                   <m:oMathPara xmlns:m="http://schemas.openxmlformats.org/officeDocument/2006/math">
                     <m:oMathParaPr>
@@ -6031,7 +8413,7 @@
             </p:txBody>
           </p:sp>
         </mc:Choice>
-        <mc:Fallback>
+        <mc:Fallback xmlns="">
           <p:sp>
             <p:nvSpPr>
               <p:cNvPr id="21" name="TextBox 20"/>
@@ -6070,8 +8452,8 @@
           </p:sp>
         </mc:Fallback>
       </mc:AlternateContent>
-      <mc:AlternateContent xmlns:mc="http://schemas.openxmlformats.org/markup-compatibility/2006">
-        <mc:Choice xmlns:a14="http://schemas.microsoft.com/office/drawing/2010/main" Requires="a14">
+      <mc:AlternateContent xmlns:mc="http://schemas.openxmlformats.org/markup-compatibility/2006" xmlns:a14="http://schemas.microsoft.com/office/drawing/2010/main">
+        <mc:Choice Requires="a14">
           <p:sp>
             <p:nvSpPr>
               <p:cNvPr id="24" name="TextBox 23"/>
@@ -6094,6 +8476,7 @@
               </a:bodyPr>
               <a:lstStyle/>
               <a:p>
+                <a:pPr/>
                 <a14:m>
                   <m:oMathPara xmlns:m="http://schemas.openxmlformats.org/officeDocument/2006/math">
                     <m:oMathParaPr>
@@ -6129,7 +8512,7 @@
             </p:txBody>
           </p:sp>
         </mc:Choice>
-        <mc:Fallback>
+        <mc:Fallback xmlns="">
           <p:sp>
             <p:nvSpPr>
               <p:cNvPr id="24" name="TextBox 23"/>
@@ -6380,10 +8763,9 @@
           <a:p>
             <a:pPr algn="ctr"/>
             <a:r>
-              <a:rPr lang="en-US" sz="1600" dirty="0" smtClean="0"/>
+              <a:rPr lang="en-US" sz="1600" dirty="0"/>
               <a:t>f1</a:t>
             </a:r>
-            <a:endParaRPr lang="en-US" sz="1600" dirty="0"/>
           </a:p>
         </p:txBody>
       </p:sp>
@@ -6427,10 +8809,9 @@
           <a:p>
             <a:pPr algn="ctr"/>
             <a:r>
-              <a:rPr lang="en-US" sz="1600" dirty="0" smtClean="0"/>
+              <a:rPr lang="en-US" sz="1600" dirty="0"/>
               <a:t>f2</a:t>
             </a:r>
-            <a:endParaRPr lang="en-US" sz="1600" dirty="0"/>
           </a:p>
         </p:txBody>
       </p:sp>
@@ -6447,7 +8828,7 @@
 </p:sld>
 </file>
 
-<file path=ppt/slides/slide4.xml><?xml version="1.0" encoding="utf-8"?>
+<file path=ppt/slides/slide5.xml><?xml version="1.0" encoding="utf-8"?>
 <p:sld xmlns:a="http://schemas.openxmlformats.org/drawingml/2006/main" xmlns:r="http://schemas.openxmlformats.org/officeDocument/2006/relationships" xmlns:p="http://schemas.openxmlformats.org/presentationml/2006/main">
   <p:cSld>
     <p:spTree>
@@ -6506,7 +8887,7 @@
               <a:p>
                 <a:pPr algn="ctr"/>
                 <a:r>
-                  <a:rPr lang="en-US" dirty="0" smtClean="0">
+                  <a:rPr lang="en-US" dirty="0">
                     <a:latin typeface="Times New Roman" panose="02020603050405020304" pitchFamily="18" charset="0"/>
                     <a:cs typeface="Times New Roman" panose="02020603050405020304" pitchFamily="18" charset="0"/>
                   </a:rPr>
@@ -6651,10 +9032,9 @@
           <a:lstStyle/>
           <a:p>
             <a:r>
-              <a:rPr lang="en-US" sz="2800" b="1" dirty="0" smtClean="0"/>
+              <a:rPr lang="en-US" sz="2800" b="1" dirty="0"/>
               <a:t>…</a:t>
             </a:r>
-            <a:endParaRPr lang="en-US" sz="2800" b="1" dirty="0"/>
           </a:p>
         </p:txBody>
       </p:sp>
@@ -6816,14 +9196,14 @@
               <a:p>
                 <a:pPr algn="ctr"/>
                 <a:r>
-                  <a:rPr lang="en-US" smtClean="0">
+                  <a:rPr lang="en-US">
                     <a:latin typeface="Times New Roman" panose="02020603050405020304" pitchFamily="18" charset="0"/>
                     <a:cs typeface="Times New Roman" panose="02020603050405020304" pitchFamily="18" charset="0"/>
                   </a:rPr>
                   <a:t>Comp B: </a:t>
                 </a:r>
                 <a:r>
-                  <a:rPr lang="en-US" dirty="0" smtClean="0">
+                  <a:rPr lang="en-US" dirty="0">
                     <a:latin typeface="Times New Roman" panose="02020603050405020304" pitchFamily="18" charset="0"/>
                     <a:cs typeface="Times New Roman" panose="02020603050405020304" pitchFamily="18" charset="0"/>
                   </a:rPr>
@@ -6870,7 +9250,7 @@
                     </m:r>
                   </m:oMath>
                 </a14:m>
-                <a:endParaRPr lang="en-US" b="0" dirty="0" smtClean="0">
+                <a:endParaRPr lang="en-US" b="0" dirty="0">
                   <a:latin typeface="Times New Roman" panose="02020603050405020304" pitchFamily="18" charset="0"/>
                 </a:endParaRPr>
               </a:p>
@@ -7075,10 +9455,9 @@
           <a:lstStyle/>
           <a:p>
             <a:r>
-              <a:rPr lang="en-US" sz="2800" b="1" dirty="0" smtClean="0"/>
+              <a:rPr lang="en-US" sz="2800" b="1" dirty="0"/>
               <a:t>…</a:t>
             </a:r>
-            <a:endParaRPr lang="en-US" sz="2800" b="1" dirty="0"/>
           </a:p>
         </p:txBody>
       </p:sp>
@@ -7421,10 +9800,9 @@
           <a:lstStyle/>
           <a:p>
             <a:r>
-              <a:rPr lang="en-US" sz="2800" b="1" dirty="0" smtClean="0"/>
+              <a:rPr lang="en-US" sz="2800" b="1" dirty="0"/>
               <a:t>…</a:t>
             </a:r>
-            <a:endParaRPr lang="en-US" sz="2800" b="1" dirty="0"/>
           </a:p>
         </p:txBody>
       </p:sp>
@@ -7441,7 +9819,7 @@
 </p:sld>
 </file>
 
-<file path=ppt/slides/slide5.xml><?xml version="1.0" encoding="utf-8"?>
+<file path=ppt/slides/slide6.xml><?xml version="1.0" encoding="utf-8"?>
 <p:sld xmlns:a="http://schemas.openxmlformats.org/drawingml/2006/main" xmlns:r="http://schemas.openxmlformats.org/officeDocument/2006/relationships" xmlns:p="http://schemas.openxmlformats.org/presentationml/2006/main">
   <p:cSld>
     <p:spTree>
@@ -7500,7 +9878,7 @@
               <a:p>
                 <a:pPr algn="ctr"/>
                 <a:r>
-                  <a:rPr lang="en-US" dirty="0" smtClean="0">
+                  <a:rPr lang="en-US" dirty="0">
                     <a:latin typeface="Times New Roman" panose="02020603050405020304" pitchFamily="18" charset="0"/>
                     <a:cs typeface="Times New Roman" panose="02020603050405020304" pitchFamily="18" charset="0"/>
                   </a:rPr>
@@ -7645,10 +10023,9 @@
           <a:lstStyle/>
           <a:p>
             <a:r>
-              <a:rPr lang="en-US" sz="2800" b="1" dirty="0" smtClean="0"/>
+              <a:rPr lang="en-US" sz="2800" b="1" dirty="0"/>
               <a:t>…</a:t>
             </a:r>
-            <a:endParaRPr lang="en-US" sz="2800" b="1" dirty="0"/>
           </a:p>
         </p:txBody>
       </p:sp>
@@ -7810,7 +10187,7 @@
               <a:p>
                 <a:pPr algn="ctr"/>
                 <a:r>
-                  <a:rPr lang="en-US" dirty="0" smtClean="0">
+                  <a:rPr lang="en-US" dirty="0">
                     <a:latin typeface="Times New Roman" panose="02020603050405020304" pitchFamily="18" charset="0"/>
                     <a:cs typeface="Times New Roman" panose="02020603050405020304" pitchFamily="18" charset="0"/>
                   </a:rPr>
@@ -7845,7 +10222,7 @@
                     </m:sSub>
                   </m:oMath>
                 </a14:m>
-                <a:endParaRPr lang="en-US" b="0" dirty="0" smtClean="0">
+                <a:endParaRPr lang="en-US" b="0" dirty="0">
                   <a:latin typeface="Times New Roman" panose="02020603050405020304" pitchFamily="18" charset="0"/>
                 </a:endParaRPr>
               </a:p>
@@ -8038,10 +10415,9 @@
           <a:lstStyle/>
           <a:p>
             <a:r>
-              <a:rPr lang="en-US" sz="2800" b="1" dirty="0" smtClean="0"/>
+              <a:rPr lang="en-US" sz="2800" b="1" dirty="0"/>
               <a:t>…</a:t>
             </a:r>
-            <a:endParaRPr lang="en-US" sz="2800" b="1" dirty="0"/>
           </a:p>
         </p:txBody>
       </p:sp>
@@ -8384,10 +10760,9 @@
           <a:lstStyle/>
           <a:p>
             <a:r>
-              <a:rPr lang="en-US" sz="2800" b="1" dirty="0" smtClean="0"/>
+              <a:rPr lang="en-US" sz="2800" b="1" dirty="0"/>
               <a:t>…</a:t>
             </a:r>
-            <a:endParaRPr lang="en-US" sz="2800" b="1" dirty="0"/>
           </a:p>
         </p:txBody>
       </p:sp>
@@ -8417,7 +10792,7 @@
               <a:p>
                 <a:pPr algn="ctr"/>
                 <a:r>
-                  <a:rPr lang="en-US" sz="2400" i="1" dirty="0" smtClean="0"/>
+                  <a:rPr lang="en-US" sz="2400" i="1" dirty="0"/>
                   <a:t>Assume:</a:t>
                 </a:r>
               </a:p>
@@ -8512,7 +10887,7 @@
                     </m:oMath>
                   </m:oMathPara>
                 </a14:m>
-                <a:endParaRPr lang="en-US" sz="2400" b="0" dirty="0" smtClean="0"/>
+                <a:endParaRPr lang="en-US" sz="2400" b="0" dirty="0"/>
               </a:p>
               <a:p>
                 <a:pPr/>
@@ -8706,14 +11081,14 @@
               <a:p>
                 <a:pPr algn="ctr"/>
                 <a:r>
-                  <a:rPr lang="en-US" sz="2400" i="1" dirty="0" smtClean="0"/>
+                  <a:rPr lang="en-US" sz="2400" i="1" dirty="0"/>
                   <a:t>Assume:</a:t>
                 </a:r>
               </a:p>
               <a:p>
                 <a:pPr algn="ctr"/>
                 <a:r>
-                  <a:rPr lang="en-US" sz="2400" i="1" dirty="0" smtClean="0"/>
+                  <a:rPr lang="en-US" sz="2400" i="1" dirty="0"/>
                   <a:t>For </a:t>
                 </a:r>
                 <a14:m>
@@ -8746,7 +11121,7 @@
                   </m:oMath>
                 </a14:m>
                 <a:r>
-                  <a:rPr lang="en-US" sz="2400" i="1" dirty="0" smtClean="0"/>
+                  <a:rPr lang="en-US" sz="2400" i="1" dirty="0"/>
                   <a:t> to be violated, </a:t>
                 </a:r>
               </a:p>
@@ -8754,11 +11129,7 @@
                 <a:pPr algn="ctr"/>
                 <a:r>
                   <a:rPr lang="en-US" sz="2400" i="1" dirty="0"/>
-                  <a:t>b</a:t>
-                </a:r>
-                <a:r>
-                  <a:rPr lang="en-US" sz="2400" i="1" dirty="0" smtClean="0"/>
-                  <a:t>oth </a:t>
+                  <a:t>both </a:t>
                 </a:r>
                 <a14:m>
                   <m:oMath xmlns:m="http://schemas.openxmlformats.org/officeDocument/2006/math">
@@ -8790,7 +11161,7 @@
                   </m:oMath>
                 </a14:m>
                 <a:r>
-                  <a:rPr lang="en-US" sz="2400" i="1" dirty="0" smtClean="0"/>
+                  <a:rPr lang="en-US" sz="2400" i="1" dirty="0"/>
                   <a:t> and </a:t>
                 </a:r>
                 <a14:m>
@@ -8822,22 +11193,18 @@
                     </m:sSub>
                   </m:oMath>
                 </a14:m>
-                <a:endParaRPr lang="en-US" sz="2400" i="1" dirty="0" smtClean="0"/>
+                <a:endParaRPr lang="en-US" sz="2400" i="1" dirty="0"/>
               </a:p>
               <a:p>
                 <a:pPr algn="ctr"/>
                 <a:r>
                   <a:rPr lang="en-US" sz="2400" i="1" dirty="0"/>
-                  <a:t>m</a:t>
-                </a:r>
-                <a:r>
-                  <a:rPr lang="en-US" sz="2400" i="1" dirty="0" smtClean="0"/>
-                  <a:t>ust also be violated.</a:t>
+                  <a:t>must also be violated.</a:t>
                 </a:r>
               </a:p>
               <a:p>
                 <a:pPr algn="ctr"/>
-                <a:endParaRPr lang="en-US" sz="2400" i="1" dirty="0" smtClean="0"/>
+                <a:endParaRPr lang="en-US" sz="2400" i="1" dirty="0"/>
               </a:p>
               <a:p>
                 <a:pPr algn="ctr"/>
@@ -8965,7 +11332,7 @@
                     </m:oMath>
                   </m:oMathPara>
                 </a14:m>
-                <a:endParaRPr lang="en-US" sz="2400" dirty="0" smtClean="0">
+                <a:endParaRPr lang="en-US" sz="2400" dirty="0">
                   <a:latin typeface="Cambria Math" panose="02040503050406030204" pitchFamily="18" charset="0"/>
                 </a:endParaRPr>
               </a:p>
@@ -9174,7 +11541,7 @@
 </p:sld>
 </file>
 
-<file path=ppt/slides/slide6.xml><?xml version="1.0" encoding="utf-8"?>
+<file path=ppt/slides/slide7.xml><?xml version="1.0" encoding="utf-8"?>
 <p:sld xmlns:a="http://schemas.openxmlformats.org/drawingml/2006/main" xmlns:r="http://schemas.openxmlformats.org/officeDocument/2006/relationships" xmlns:p="http://schemas.openxmlformats.org/presentationml/2006/main">
   <p:cSld>
     <p:spTree>
@@ -9215,7 +11582,7 @@
               </a:bodyPr>
               <a:lstStyle/>
               <a:p>
-                <a:endParaRPr lang="en-US" i="1" dirty="0" smtClean="0"/>
+                <a:endParaRPr lang="en-US" i="1" dirty="0"/>
               </a:p>
               <a:p>
                 <a:pPr algn="ctr"/>
@@ -9273,13 +11640,13 @@
                   <a:t> </a:t>
                 </a:r>
                 <a:r>
-                  <a:rPr lang="en-US" dirty="0" smtClean="0">
+                  <a:rPr lang="en-US" dirty="0">
                     <a:latin typeface="Cambria Math" panose="02040503050406030204" pitchFamily="18" charset="0"/>
                   </a:rPr>
                   <a:t>=</a:t>
                 </a:r>
                 <a:r>
-                  <a:rPr lang="en-US" i="1" dirty="0" smtClean="0">
+                  <a:rPr lang="en-US" i="1" dirty="0">
                     <a:latin typeface="Cambria Math" panose="02040503050406030204" pitchFamily="18" charset="0"/>
                   </a:rPr>
                   <a:t> </a:t>
@@ -9529,11 +11896,11 @@
                     </m:r>
                   </m:oMath>
                 </a14:m>
-                <a:endParaRPr lang="en-US" b="0" dirty="0" smtClean="0"/>
+                <a:endParaRPr lang="en-US" b="0" dirty="0"/>
               </a:p>
               <a:p>
                 <a:pPr algn="ctr"/>
-                <a:endParaRPr lang="en-US" b="0" dirty="0" smtClean="0"/>
+                <a:endParaRPr lang="en-US" b="0" dirty="0"/>
               </a:p>
               <a:p>
                 <a:pPr algn="ctr"/>
@@ -9636,13 +12003,13 @@
                   </m:oMath>
                 </a14:m>
                 <a:r>
-                  <a:rPr lang="en-US" i="1" dirty="0" smtClean="0">
+                  <a:rPr lang="en-US" i="1" dirty="0">
                     <a:latin typeface="Cambria Math" panose="02040503050406030204" pitchFamily="18" charset="0"/>
                   </a:rPr>
                   <a:t> </a:t>
                 </a:r>
                 <a:r>
-                  <a:rPr lang="en-US" dirty="0" smtClean="0">
+                  <a:rPr lang="en-US" dirty="0">
                     <a:latin typeface="Cambria Math" panose="02040503050406030204" pitchFamily="18" charset="0"/>
                   </a:rPr>
                   <a:t>&gt;</a:t>
@@ -10356,23 +12723,11 @@
             </a:pPr>
             <a:r>
               <a:rPr lang="en-US" dirty="0"/>
-              <a:t>Replace guarantees </a:t>
+              <a:t>Replace guarantees with probability of their MinCutSets</a:t>
             </a:r>
-            <a:r>
-              <a:rPr lang="en-US" dirty="0" smtClean="0"/>
-              <a:t>with probability </a:t>
-            </a:r>
-            <a:r>
-              <a:rPr lang="en-US" dirty="0"/>
-              <a:t>of their </a:t>
-            </a:r>
-            <a:r>
-              <a:rPr lang="en-US" dirty="0" smtClean="0"/>
-              <a:t>MinCutSets</a:t>
-            </a:r>
-          </a:p>
-          <a:p>
-            <a:endParaRPr lang="en-US" dirty="0" smtClean="0"/>
+          </a:p>
+          <a:p>
+            <a:endParaRPr lang="en-US" dirty="0"/>
           </a:p>
           <a:p>
             <a:pPr marL="285750" indent="-285750">
@@ -10416,20 +12771,15 @@
           <a:lstStyle/>
           <a:p>
             <a:r>
-              <a:rPr lang="en-US" sz="2800" dirty="0" smtClean="0"/>
+              <a:rPr lang="en-US" sz="2800" dirty="0"/>
               <a:t>Unsafe approximation: we report </a:t>
             </a:r>
           </a:p>
           <a:p>
             <a:r>
               <a:rPr lang="en-US" sz="2800" dirty="0"/>
-              <a:t>l</a:t>
+              <a:t>lower probability than actual.</a:t>
             </a:r>
-            <a:r>
-              <a:rPr lang="en-US" sz="2800" dirty="0" smtClean="0"/>
-              <a:t>ower probability than actual.</a:t>
-            </a:r>
-            <a:endParaRPr lang="en-US" sz="2800" dirty="0"/>
           </a:p>
         </p:txBody>
       </p:sp>
